--- a/outputs/Inspection_Plan_17_output.pptx
+++ b/outputs/Inspection_Plan_17_output.pptx
@@ -9,6 +9,7 @@
   </p:notesMasterIdLst>
   <p:sldIdLst>
     <p:sldId id="256" r:id="rId2"/>
+    <p:sldId id="257" r:id="rId9"/>
   </p:sldIdLst>
   <p:sldSz cx="9906000" cy="6858000" type="A4"/>
   <p:notesSz cx="10020300" cy="6888163"/>
@@ -5435,8 +5436,13 @@
                     <a:bodyPr/>
                     <a:lstStyle/>
                     <a:p>
-                      <a:r>
-                        <a:t>-</a:t>
+                      <a:pPr>
+                        <a:defRPr sz="900">
+                          <a:latin typeface="Arial"/>
+                        </a:defRPr>
+                      </a:pPr>
+                      <a:r>
+                        <a:t>1</a:t>
                       </a:r>
                     </a:p>
                   </a:txBody>
@@ -5484,8 +5490,13 @@
                     <a:bodyPr/>
                     <a:lstStyle/>
                     <a:p>
-                      <a:r>
-                        <a:t>-</a:t>
+                      <a:pPr>
+                        <a:defRPr sz="900">
+                          <a:latin typeface="Arial"/>
+                        </a:defRPr>
+                      </a:pPr>
+                      <a:r>
+                        <a:t>SHELL</a:t>
                       </a:r>
                     </a:p>
                   </a:txBody>
@@ -5532,7 +5543,16 @@
                   <a:txBody>
                     <a:bodyPr/>
                     <a:lstStyle/>
-                    <a:p/>
+                    <a:p>
+                      <a:pPr>
+                        <a:defRPr sz="900">
+                          <a:latin typeface="Arial"/>
+                        </a:defRPr>
+                      </a:pPr>
+                      <a:r>
+                        <a:t>-</a:t>
+                      </a:r>
+                    </a:p>
                   </a:txBody>
                   <a:tcPr marL="83125" marR="83125" marT="45725" marB="45725" anchor="ctr">
                     <a:lnL w="9525" cap="flat" cmpd="sng">
@@ -5577,7 +5597,16 @@
                   <a:txBody>
                     <a:bodyPr/>
                     <a:lstStyle/>
-                    <a:p/>
+                    <a:p>
+                      <a:pPr>
+                        <a:defRPr sz="900">
+                          <a:latin typeface="Arial"/>
+                        </a:defRPr>
+                      </a:pPr>
+                      <a:r>
+                        <a:t>Carbon Steel</a:t>
+                      </a:r>
+                    </a:p>
                   </a:txBody>
                   <a:tcPr marL="83125" marR="83125" marT="45725" marB="45725" anchor="ctr">
                     <a:lnL w="9525" cap="flat" cmpd="sng">
@@ -5622,7 +5651,16 @@
                   <a:txBody>
                     <a:bodyPr/>
                     <a:lstStyle/>
-                    <a:p/>
+                    <a:p>
+                      <a:pPr>
+                        <a:defRPr sz="900">
+                          <a:latin typeface="Arial"/>
+                        </a:defRPr>
+                      </a:pPr>
+                      <a:r>
+                        <a:t>SA-516</a:t>
+                      </a:r>
+                    </a:p>
                   </a:txBody>
                   <a:tcPr marL="83125" marR="83125" marT="45725" marB="45725" anchor="ctr">
                     <a:lnL w="9525" cap="flat" cmpd="sng">
@@ -5667,7 +5705,16 @@
                   <a:txBody>
                     <a:bodyPr/>
                     <a:lstStyle/>
-                    <a:p/>
+                    <a:p>
+                      <a:pPr>
+                        <a:defRPr sz="900">
+                          <a:latin typeface="Arial"/>
+                        </a:defRPr>
+                      </a:pPr>
+                      <a:r>
+                        <a:t>70</a:t>
+                      </a:r>
+                    </a:p>
                   </a:txBody>
                   <a:tcPr marL="83125" marR="83125" marT="45725" marB="45725" anchor="ctr">
                     <a:lnL w="9525" cap="flat" cmpd="sng">
@@ -5713,8 +5760,13 @@
                     <a:bodyPr/>
                     <a:lstStyle/>
                     <a:p>
-                      <a:r>
-                        <a:t>-</a:t>
+                      <a:pPr>
+                        <a:defRPr sz="900">
+                          <a:latin typeface="Arial"/>
+                        </a:defRPr>
+                      </a:pPr>
+                      <a:r>
+                        <a:t>No</a:t>
                       </a:r>
                     </a:p>
                   </a:txBody>
@@ -5761,7 +5813,16 @@
                   <a:txBody>
                     <a:bodyPr/>
                     <a:lstStyle/>
-                    <a:p/>
+                    <a:p>
+                      <a:pPr>
+                        <a:defRPr sz="900">
+                          <a:latin typeface="Arial"/>
+                        </a:defRPr>
+                      </a:pPr>
+                      <a:r>
+                        <a:t>80 C</a:t>
+                      </a:r>
+                    </a:p>
                   </a:txBody>
                   <a:tcPr marL="0" marR="0" marT="0" marB="0" anchor="ctr">
                     <a:lnL w="9525" cap="flat" cmpd="sng">
@@ -5806,7 +5867,16 @@
                   <a:txBody>
                     <a:bodyPr/>
                     <a:lstStyle/>
-                    <a:p/>
+                    <a:p>
+                      <a:pPr>
+                        <a:defRPr sz="900">
+                          <a:latin typeface="Arial"/>
+                        </a:defRPr>
+                      </a:pPr>
+                      <a:r>
+                        <a:t>10 BAR</a:t>
+                      </a:r>
+                    </a:p>
                   </a:txBody>
                   <a:tcPr marL="0" marR="0" marT="0" marB="0" anchor="ctr">
                     <a:lnL w="9525" cap="flat" cmpd="sng">
@@ -5851,7 +5921,83 @@
                   <a:txBody>
                     <a:bodyPr/>
                     <a:lstStyle/>
-                    <a:p/>
+                    <a:p>
+                      <a:pPr marL="0" marR="0" lvl="0" indent="0" algn="ctr" rtl="0">
+                        <a:spcBef>
+                          <a:spcPts val="0"/>
+                        </a:spcBef>
+                        <a:spcAft>
+                          <a:spcPts val="0"/>
+                        </a:spcAft>
+                        <a:buNone/>
+                      </a:pPr>
+                      <a:endParaRPr sz="800" dirty="0">
+                        <a:latin typeface="Arial"/>
+                        <a:ea typeface="Arial"/>
+                        <a:cs typeface="Arial"/>
+                        <a:sym typeface="Arial"/>
+                      </a:endParaRPr>
+                    </a:p>
+                    <a:p>
+                      <a:pPr marL="0" marR="0" lvl="0" indent="0" algn="ctr" rtl="0">
+                        <a:spcBef>
+                          <a:spcPts val="0"/>
+                        </a:spcBef>
+                        <a:spcAft>
+                          <a:spcPts val="0"/>
+                        </a:spcAft>
+                        <a:buNone/>
+                      </a:pPr>
+                      <a:endParaRPr sz="800" dirty="0">
+                        <a:latin typeface="Arial"/>
+                        <a:ea typeface="Arial"/>
+                        <a:cs typeface="Arial"/>
+                        <a:sym typeface="Arial"/>
+                      </a:endParaRPr>
+                    </a:p>
+                    <a:p>
+                      <a:pPr marL="0" marR="0" lvl="0" indent="0" algn="ctr" rtl="0">
+                        <a:spcBef>
+                          <a:spcPts val="0"/>
+                        </a:spcBef>
+                        <a:spcAft>
+                          <a:spcPts val="0"/>
+                        </a:spcAft>
+                        <a:buNone/>
+                      </a:pPr>
+                      <a:r>
+                        <a:rPr lang="en-MY" sz="800" dirty="0">
+                          <a:latin typeface="Arial"/>
+                          <a:ea typeface="Arial"/>
+                          <a:cs typeface="Arial"/>
+                          <a:sym typeface="Arial"/>
+                        </a:rPr>
+                        <a:t>LOW</a:t>
+                      </a:r>
+                      <a:endParaRPr sz="800" dirty="0">
+                        <a:latin typeface="Arial"/>
+                        <a:ea typeface="Arial"/>
+                        <a:cs typeface="Arial"/>
+                        <a:sym typeface="Arial"/>
+                      </a:endParaRPr>
+                    </a:p>
+                    <a:p>
+                      <a:pPr marL="0" marR="0" lvl="0" indent="0" algn="ctr" rtl="0">
+                        <a:spcBef>
+                          <a:spcPts val="0"/>
+                        </a:spcBef>
+                        <a:spcAft>
+                          <a:spcPts val="0"/>
+                        </a:spcAft>
+                        <a:buNone/>
+                      </a:pPr>
+                      <a:endParaRPr sz="800" dirty="0">
+                        <a:latin typeface="Arial"/>
+                        <a:ea typeface="Arial"/>
+                        <a:cs typeface="Arial"/>
+                        <a:sym typeface="Arial"/>
+                      </a:endParaRPr>
+                    </a:p>
                   </a:txBody>
                   <a:tcPr marL="83125" marR="83125" marT="45725" marB="45725">
                     <a:lnL w="9525" cap="flat" cmpd="sng">
@@ -5917,6 +6063,11 @@
                     <a:bodyPr/>
                     <a:lstStyle/>
                     <a:p>
+                      <a:pPr>
+                        <a:defRPr sz="900">
+                          <a:latin typeface="Arial"/>
+                        </a:defRPr>
+                      </a:pPr>
                       <a:r>
                         <a:t>-</a:t>
                       </a:r>
@@ -5966,8 +6117,13 @@
                     <a:bodyPr/>
                     <a:lstStyle/>
                     <a:p>
-                      <a:r>
-                        <a:t>-</a:t>
+                      <a:pPr>
+                        <a:defRPr sz="900">
+                          <a:latin typeface="Arial"/>
+                        </a:defRPr>
+                      </a:pPr>
+                      <a:r>
+                        <a:t>PLATE HEAD</a:t>
                       </a:r>
                     </a:p>
                   </a:txBody>
@@ -6014,7 +6170,16 @@
                   <a:txBody>
                     <a:bodyPr/>
                     <a:lstStyle/>
-                    <a:p/>
+                    <a:p>
+                      <a:pPr>
+                        <a:defRPr sz="900">
+                          <a:latin typeface="Arial"/>
+                        </a:defRPr>
+                      </a:pPr>
+                      <a:r>
+                        <a:t>-</a:t>
+                      </a:r>
+                    </a:p>
                   </a:txBody>
                   <a:tcPr marL="83125" marR="83125" marT="45725" marB="45725" anchor="ctr">
                     <a:lnL w="9525" cap="flat" cmpd="sng">
@@ -6059,7 +6224,16 @@
                   <a:txBody>
                     <a:bodyPr/>
                     <a:lstStyle/>
-                    <a:p/>
+                    <a:p>
+                      <a:pPr>
+                        <a:defRPr sz="900">
+                          <a:latin typeface="Arial"/>
+                        </a:defRPr>
+                      </a:pPr>
+                      <a:r>
+                        <a:t>Carbon Steel</a:t>
+                      </a:r>
+                    </a:p>
                   </a:txBody>
                   <a:tcPr marL="83125" marR="83125" marT="45725" marB="45725" anchor="ctr">
                     <a:lnL w="9525" cap="flat" cmpd="sng">
@@ -6104,7 +6278,16 @@
                   <a:txBody>
                     <a:bodyPr/>
                     <a:lstStyle/>
-                    <a:p/>
+                    <a:p>
+                      <a:pPr>
+                        <a:defRPr sz="900">
+                          <a:latin typeface="Arial"/>
+                        </a:defRPr>
+                      </a:pPr>
+                      <a:r>
+                        <a:t>SA-516</a:t>
+                      </a:r>
+                    </a:p>
                   </a:txBody>
                   <a:tcPr marL="83125" marR="83125" marT="45725" marB="45725" anchor="ctr">
                     <a:lnL w="9525" cap="flat" cmpd="sng">
@@ -6149,7 +6332,16 @@
                   <a:txBody>
                     <a:bodyPr/>
                     <a:lstStyle/>
-                    <a:p/>
+                    <a:p>
+                      <a:pPr>
+                        <a:defRPr sz="900">
+                          <a:latin typeface="Arial"/>
+                        </a:defRPr>
+                      </a:pPr>
+                      <a:r>
+                        <a:t>70</a:t>
+                      </a:r>
+                    </a:p>
                   </a:txBody>
                   <a:tcPr marL="83125" marR="83125" marT="45725" marB="45725" anchor="ctr">
                     <a:lnL w="9525" cap="flat" cmpd="sng">
@@ -6195,8 +6387,13 @@
                     <a:bodyPr/>
                     <a:lstStyle/>
                     <a:p>
-                      <a:r>
-                        <a:t>-</a:t>
+                      <a:pPr>
+                        <a:defRPr sz="900">
+                          <a:latin typeface="Arial"/>
+                        </a:defRPr>
+                      </a:pPr>
+                      <a:r>
+                        <a:t>No</a:t>
                       </a:r>
                     </a:p>
                   </a:txBody>
@@ -6243,7 +6440,16 @@
                   <a:txBody>
                     <a:bodyPr/>
                     <a:lstStyle/>
-                    <a:p/>
+                    <a:p>
+                      <a:pPr>
+                        <a:defRPr sz="900">
+                          <a:latin typeface="Arial"/>
+                        </a:defRPr>
+                      </a:pPr>
+                      <a:r>
+                        <a:t>80 C</a:t>
+                      </a:r>
+                    </a:p>
                   </a:txBody>
                   <a:tcPr marL="0" marR="0" marT="0" marB="0" anchor="ctr">
                     <a:lnL w="9525" cap="flat" cmpd="sng">
@@ -6288,7 +6494,16 @@
                   <a:txBody>
                     <a:bodyPr/>
                     <a:lstStyle/>
-                    <a:p/>
+                    <a:p>
+                      <a:pPr>
+                        <a:defRPr sz="900">
+                          <a:latin typeface="Arial"/>
+                        </a:defRPr>
+                      </a:pPr>
+                      <a:r>
+                        <a:t>10 BAR</a:t>
+                      </a:r>
+                    </a:p>
                   </a:txBody>
                   <a:tcPr marL="0" marR="0" marT="0" marB="0" anchor="ctr">
                     <a:lnL w="9525" cap="flat" cmpd="sng">
@@ -6333,7 +6548,9 @@
                   <a:txBody>
                     <a:bodyPr/>
                     <a:lstStyle/>
-                    <a:p/>
+                    <a:p>
+                      <a:endParaRPr lang="en-US"/>
+                    </a:p>
                   </a:txBody>
                   <a:tcPr/>
                 </a:tc>
@@ -6359,8 +6576,13 @@
                     <a:bodyPr/>
                     <a:lstStyle/>
                     <a:p>
-                      <a:r>
-                        <a:t>Hot Water</a:t>
+                      <a:pPr>
+                        <a:defRPr sz="900">
+                          <a:latin typeface="Arial"/>
+                        </a:defRPr>
+                      </a:pPr>
+                      <a:r>
+                        <a:t>-</a:t>
                       </a:r>
                     </a:p>
                   </a:txBody>
@@ -6408,8 +6630,13 @@
                     <a:bodyPr/>
                     <a:lstStyle/>
                     <a:p>
-                      <a:r>
-                        <a:t>2:1 ELLIPSOIDAL HEAD</a:t>
+                      <a:pPr>
+                        <a:defRPr sz="900">
+                          <a:latin typeface="Arial"/>
+                        </a:defRPr>
+                      </a:pPr>
+                      <a:r>
+                        <a:t>DISH HEAD</a:t>
                       </a:r>
                     </a:p>
                   </a:txBody>
@@ -6456,7 +6683,16 @@
                   <a:txBody>
                     <a:bodyPr/>
                     <a:lstStyle/>
-                    <a:p/>
+                    <a:p>
+                      <a:pPr>
+                        <a:defRPr sz="900">
+                          <a:latin typeface="Arial"/>
+                        </a:defRPr>
+                      </a:pPr>
+                      <a:r>
+                        <a:t>-</a:t>
+                      </a:r>
+                    </a:p>
                   </a:txBody>
                   <a:tcPr marL="83125" marR="83125" marT="45725" marB="45725" anchor="ctr">
                     <a:lnL w="9525" cap="flat" cmpd="sng">
@@ -6501,7 +6737,16 @@
                   <a:txBody>
                     <a:bodyPr/>
                     <a:lstStyle/>
-                    <a:p/>
+                    <a:p>
+                      <a:pPr>
+                        <a:defRPr sz="900">
+                          <a:latin typeface="Arial"/>
+                        </a:defRPr>
+                      </a:pPr>
+                      <a:r>
+                        <a:t>Carbon Steel</a:t>
+                      </a:r>
+                    </a:p>
                   </a:txBody>
                   <a:tcPr marL="83125" marR="83125" marT="45725" marB="45725" anchor="ctr">
                     <a:lnL w="9525" cap="flat" cmpd="sng">
@@ -6546,7 +6791,16 @@
                   <a:txBody>
                     <a:bodyPr/>
                     <a:lstStyle/>
-                    <a:p/>
+                    <a:p>
+                      <a:pPr>
+                        <a:defRPr sz="900">
+                          <a:latin typeface="Arial"/>
+                        </a:defRPr>
+                      </a:pPr>
+                      <a:r>
+                        <a:t>SA-516</a:t>
+                      </a:r>
+                    </a:p>
                   </a:txBody>
                   <a:tcPr marL="83125" marR="83125" marT="45725" marB="45725" anchor="ctr">
                     <a:lnL w="9525" cap="flat" cmpd="sng">
@@ -6591,7 +6845,16 @@
                   <a:txBody>
                     <a:bodyPr/>
                     <a:lstStyle/>
-                    <a:p/>
+                    <a:p>
+                      <a:pPr>
+                        <a:defRPr sz="900">
+                          <a:latin typeface="Arial"/>
+                        </a:defRPr>
+                      </a:pPr>
+                      <a:r>
+                        <a:t>70</a:t>
+                      </a:r>
+                    </a:p>
                   </a:txBody>
                   <a:tcPr marL="83125" marR="83125" marT="45725" marB="45725" anchor="ctr">
                     <a:lnL w="9525" cap="flat" cmpd="sng">
@@ -6637,8 +6900,13 @@
                     <a:bodyPr/>
                     <a:lstStyle/>
                     <a:p>
-                      <a:r>
-                        <a:t>-</a:t>
+                      <a:pPr>
+                        <a:defRPr sz="900">
+                          <a:latin typeface="Arial"/>
+                        </a:defRPr>
+                      </a:pPr>
+                      <a:r>
+                        <a:t>No</a:t>
                       </a:r>
                     </a:p>
                   </a:txBody>
@@ -6685,7 +6953,16 @@
                   <a:txBody>
                     <a:bodyPr/>
                     <a:lstStyle/>
-                    <a:p/>
+                    <a:p>
+                      <a:pPr>
+                        <a:defRPr sz="900">
+                          <a:latin typeface="Arial"/>
+                        </a:defRPr>
+                      </a:pPr>
+                      <a:r>
+                        <a:t>80 C</a:t>
+                      </a:r>
+                    </a:p>
                   </a:txBody>
                   <a:tcPr marL="0" marR="0" marT="0" marB="0" anchor="ctr">
                     <a:lnL w="9525" cap="flat" cmpd="sng">
@@ -6730,7 +7007,16 @@
                   <a:txBody>
                     <a:bodyPr/>
                     <a:lstStyle/>
-                    <a:p/>
+                    <a:p>
+                      <a:pPr>
+                        <a:defRPr sz="900">
+                          <a:latin typeface="Arial"/>
+                        </a:defRPr>
+                      </a:pPr>
+                      <a:r>
+                        <a:t>10 BAR</a:t>
+                      </a:r>
+                    </a:p>
                   </a:txBody>
                   <a:tcPr marL="0" marR="0" marT="0" marB="0" anchor="ctr">
                     <a:lnL w="9525" cap="flat" cmpd="sng">
@@ -6775,6 +7061,519 @@
                   <a:txBody>
                     <a:bodyPr/>
                     <a:lstStyle/>
+                    <a:p>
+                      <a:endParaRPr lang="en-US"/>
+                    </a:p>
+                  </a:txBody>
+                  <a:tcPr/>
+                </a:tc>
+                <a:tc vMerge="1">
+                  <a:txBody>
+                    <a:bodyPr/>
+                    <a:lstStyle/>
+                    <a:p>
+                      <a:endParaRPr lang="en-US"/>
+                    </a:p>
+                  </a:txBody>
+                  <a:tcPr/>
+                </a:tc>
+                <a:extLst>
+                  <a:ext uri="{0D108BD9-81ED-4DB2-BD59-A6C34878D82A}">
+                    <a16:rowId xmlns:a16="http://schemas.microsoft.com/office/drawing/2014/main" val="10004"/>
+                  </a:ext>
+                </a:extLst>
+              </a:tr>
+              <a:tr h="243125">
+                <a:tc>
+                  <a:txBody>
+                    <a:bodyPr/>
+                    <a:lstStyle/>
+                    <a:p>
+                      <a:pPr>
+                        <a:defRPr sz="900">
+                          <a:latin typeface="Arial"/>
+                        </a:defRPr>
+                      </a:pPr>
+                      <a:r>
+                        <a:t>-</a:t>
+                      </a:r>
+                    </a:p>
+                  </a:txBody>
+                  <a:tcPr marL="0" marR="0" marT="0" marB="0" anchor="ctr">
+                    <a:lnL w="9525" cap="flat" cmpd="sng">
+                      <a:solidFill>
+                        <a:schemeClr val="dk1"/>
+                      </a:solidFill>
+                      <a:prstDash val="solid"/>
+                      <a:round/>
+                      <a:headEnd type="none" w="sm" len="sm"/>
+                      <a:tailEnd type="none" w="sm" len="sm"/>
+                    </a:lnL>
+                    <a:lnR w="9525" cap="flat" cmpd="sng">
+                      <a:solidFill>
+                        <a:schemeClr val="dk1"/>
+                      </a:solidFill>
+                      <a:prstDash val="solid"/>
+                      <a:round/>
+                      <a:headEnd type="none" w="sm" len="sm"/>
+                      <a:tailEnd type="none" w="sm" len="sm"/>
+                    </a:lnR>
+                    <a:lnT w="9525" cap="flat" cmpd="sng">
+                      <a:solidFill>
+                        <a:schemeClr val="dk1"/>
+                      </a:solidFill>
+                      <a:prstDash val="solid"/>
+                      <a:round/>
+                      <a:headEnd type="none" w="sm" len="sm"/>
+                      <a:tailEnd type="none" w="sm" len="sm"/>
+                    </a:lnT>
+                    <a:lnB w="9525" cap="flat" cmpd="sng">
+                      <a:solidFill>
+                        <a:schemeClr val="dk1"/>
+                      </a:solidFill>
+                      <a:prstDash val="solid"/>
+                      <a:round/>
+                      <a:headEnd type="none" w="sm" len="sm"/>
+                      <a:tailEnd type="none" w="sm" len="sm"/>
+                    </a:lnB>
+                  </a:tcPr>
+                </a:tc>
+                <a:tc>
+                  <a:txBody>
+                    <a:bodyPr/>
+                    <a:lstStyle/>
+                    <a:p>
+                      <a:pPr>
+                        <a:defRPr sz="900">
+                          <a:latin typeface="Arial"/>
+                        </a:defRPr>
+                      </a:pPr>
+                      <a:r>
+                        <a:t>BAR</a:t>
+                      </a:r>
+                    </a:p>
+                  </a:txBody>
+                  <a:tcPr marL="0" marR="0" marT="0" marB="0" anchor="ctr">
+                    <a:lnL w="9525" cap="flat" cmpd="sng">
+                      <a:solidFill>
+                        <a:schemeClr val="dk1"/>
+                      </a:solidFill>
+                      <a:prstDash val="solid"/>
+                      <a:round/>
+                      <a:headEnd type="none" w="sm" len="sm"/>
+                      <a:tailEnd type="none" w="sm" len="sm"/>
+                    </a:lnL>
+                    <a:lnR w="9525" cap="flat" cmpd="sng">
+                      <a:solidFill>
+                        <a:schemeClr val="dk1"/>
+                      </a:solidFill>
+                      <a:prstDash val="solid"/>
+                      <a:round/>
+                      <a:headEnd type="none" w="sm" len="sm"/>
+                      <a:tailEnd type="none" w="sm" len="sm"/>
+                    </a:lnR>
+                    <a:lnT w="9525" cap="flat" cmpd="sng">
+                      <a:solidFill>
+                        <a:schemeClr val="dk1"/>
+                      </a:solidFill>
+                      <a:prstDash val="solid"/>
+                      <a:round/>
+                      <a:headEnd type="none" w="sm" len="sm"/>
+                      <a:tailEnd type="none" w="sm" len="sm"/>
+                    </a:lnT>
+                    <a:lnB w="9525" cap="flat" cmpd="sng">
+                      <a:solidFill>
+                        <a:schemeClr val="dk1"/>
+                      </a:solidFill>
+                      <a:prstDash val="solid"/>
+                      <a:round/>
+                      <a:headEnd type="none" w="sm" len="sm"/>
+                      <a:tailEnd type="none" w="sm" len="sm"/>
+                    </a:lnB>
+                  </a:tcPr>
+                </a:tc>
+                <a:tc>
+                  <a:txBody>
+                    <a:bodyPr/>
+                    <a:lstStyle/>
+                    <a:p>
+                      <a:pPr>
+                        <a:defRPr sz="900">
+                          <a:latin typeface="Arial"/>
+                        </a:defRPr>
+                      </a:pPr>
+                      <a:r>
+                        <a:t>-</a:t>
+                      </a:r>
+                    </a:p>
+                  </a:txBody>
+                  <a:tcPr marL="83125" marR="83125" marT="45725" marB="45725" anchor="ctr">
+                    <a:lnL w="9525" cap="flat" cmpd="sng">
+                      <a:solidFill>
+                        <a:schemeClr val="dk1"/>
+                      </a:solidFill>
+                      <a:prstDash val="solid"/>
+                      <a:round/>
+                      <a:headEnd type="none" w="sm" len="sm"/>
+                      <a:tailEnd type="none" w="sm" len="sm"/>
+                    </a:lnL>
+                    <a:lnR w="9525" cap="flat" cmpd="sng">
+                      <a:solidFill>
+                        <a:schemeClr val="dk1"/>
+                      </a:solidFill>
+                      <a:prstDash val="solid"/>
+                      <a:round/>
+                      <a:headEnd type="none" w="sm" len="sm"/>
+                      <a:tailEnd type="none" w="sm" len="sm"/>
+                    </a:lnR>
+                    <a:lnT w="9525" cap="flat" cmpd="sng">
+                      <a:solidFill>
+                        <a:schemeClr val="dk1"/>
+                      </a:solidFill>
+                      <a:prstDash val="solid"/>
+                      <a:round/>
+                      <a:headEnd type="none" w="sm" len="sm"/>
+                      <a:tailEnd type="none" w="sm" len="sm"/>
+                    </a:lnT>
+                    <a:lnB w="9525" cap="flat" cmpd="sng">
+                      <a:solidFill>
+                        <a:schemeClr val="dk1"/>
+                      </a:solidFill>
+                      <a:prstDash val="solid"/>
+                      <a:round/>
+                      <a:headEnd type="none" w="sm" len="sm"/>
+                      <a:tailEnd type="none" w="sm" len="sm"/>
+                    </a:lnB>
+                  </a:tcPr>
+                </a:tc>
+                <a:tc>
+                  <a:txBody>
+                    <a:bodyPr/>
+                    <a:lstStyle/>
+                    <a:p>
+                      <a:pPr>
+                        <a:defRPr sz="900">
+                          <a:latin typeface="Arial"/>
+                        </a:defRPr>
+                      </a:pPr>
+                      <a:r>
+                        <a:t>Carbon Steel</a:t>
+                      </a:r>
+                    </a:p>
+                  </a:txBody>
+                  <a:tcPr marL="83125" marR="83125" marT="45725" marB="45725" anchor="ctr">
+                    <a:lnL w="9525" cap="flat" cmpd="sng">
+                      <a:solidFill>
+                        <a:schemeClr val="dk1"/>
+                      </a:solidFill>
+                      <a:prstDash val="solid"/>
+                      <a:round/>
+                      <a:headEnd type="none" w="sm" len="sm"/>
+                      <a:tailEnd type="none" w="sm" len="sm"/>
+                    </a:lnL>
+                    <a:lnR w="9525" cap="flat" cmpd="sng">
+                      <a:solidFill>
+                        <a:schemeClr val="dk1"/>
+                      </a:solidFill>
+                      <a:prstDash val="solid"/>
+                      <a:round/>
+                      <a:headEnd type="none" w="sm" len="sm"/>
+                      <a:tailEnd type="none" w="sm" len="sm"/>
+                    </a:lnR>
+                    <a:lnT w="9525" cap="flat" cmpd="sng">
+                      <a:solidFill>
+                        <a:schemeClr val="dk1"/>
+                      </a:solidFill>
+                      <a:prstDash val="solid"/>
+                      <a:round/>
+                      <a:headEnd type="none" w="sm" len="sm"/>
+                      <a:tailEnd type="none" w="sm" len="sm"/>
+                    </a:lnT>
+                    <a:lnB w="9525" cap="flat" cmpd="sng">
+                      <a:solidFill>
+                        <a:schemeClr val="dk1"/>
+                      </a:solidFill>
+                      <a:prstDash val="solid"/>
+                      <a:round/>
+                      <a:headEnd type="none" w="sm" len="sm"/>
+                      <a:tailEnd type="none" w="sm" len="sm"/>
+                    </a:lnB>
+                  </a:tcPr>
+                </a:tc>
+                <a:tc>
+                  <a:txBody>
+                    <a:bodyPr/>
+                    <a:lstStyle/>
+                    <a:p>
+                      <a:pPr>
+                        <a:defRPr sz="900">
+                          <a:latin typeface="Arial"/>
+                        </a:defRPr>
+                      </a:pPr>
+                      <a:r>
+                        <a:t>SA-106</a:t>
+                      </a:r>
+                    </a:p>
+                  </a:txBody>
+                  <a:tcPr marL="83125" marR="83125" marT="45725" marB="45725" anchor="ctr">
+                    <a:lnL w="9525" cap="flat" cmpd="sng">
+                      <a:solidFill>
+                        <a:schemeClr val="dk1"/>
+                      </a:solidFill>
+                      <a:prstDash val="solid"/>
+                      <a:round/>
+                      <a:headEnd type="none" w="sm" len="sm"/>
+                      <a:tailEnd type="none" w="sm" len="sm"/>
+                    </a:lnL>
+                    <a:lnR w="9525" cap="flat" cmpd="sng">
+                      <a:solidFill>
+                        <a:schemeClr val="dk1"/>
+                      </a:solidFill>
+                      <a:prstDash val="solid"/>
+                      <a:round/>
+                      <a:headEnd type="none" w="sm" len="sm"/>
+                      <a:tailEnd type="none" w="sm" len="sm"/>
+                    </a:lnR>
+                    <a:lnT w="9525" cap="flat" cmpd="sng">
+                      <a:solidFill>
+                        <a:schemeClr val="dk1"/>
+                      </a:solidFill>
+                      <a:prstDash val="solid"/>
+                      <a:round/>
+                      <a:headEnd type="none" w="sm" len="sm"/>
+                      <a:tailEnd type="none" w="sm" len="sm"/>
+                    </a:lnT>
+                    <a:lnB w="9525" cap="flat" cmpd="sng">
+                      <a:solidFill>
+                        <a:schemeClr val="dk1"/>
+                      </a:solidFill>
+                      <a:prstDash val="solid"/>
+                      <a:round/>
+                      <a:headEnd type="none" w="sm" len="sm"/>
+                      <a:tailEnd type="none" w="sm" len="sm"/>
+                    </a:lnB>
+                  </a:tcPr>
+                </a:tc>
+                <a:tc>
+                  <a:txBody>
+                    <a:bodyPr/>
+                    <a:lstStyle/>
+                    <a:p>
+                      <a:pPr>
+                        <a:defRPr sz="900">
+                          <a:latin typeface="Arial"/>
+                        </a:defRPr>
+                      </a:pPr>
+                      <a:r>
+                        <a:t>B</a:t>
+                      </a:r>
+                    </a:p>
+                  </a:txBody>
+                  <a:tcPr marL="83125" marR="83125" marT="45725" marB="45725" anchor="ctr">
+                    <a:lnL w="9525" cap="flat" cmpd="sng">
+                      <a:solidFill>
+                        <a:schemeClr val="dk1"/>
+                      </a:solidFill>
+                      <a:prstDash val="solid"/>
+                      <a:round/>
+                      <a:headEnd type="none" w="sm" len="sm"/>
+                      <a:tailEnd type="none" w="sm" len="sm"/>
+                    </a:lnL>
+                    <a:lnR w="9525" cap="flat" cmpd="sng">
+                      <a:solidFill>
+                        <a:schemeClr val="dk1"/>
+                      </a:solidFill>
+                      <a:prstDash val="solid"/>
+                      <a:round/>
+                      <a:headEnd type="none" w="sm" len="sm"/>
+                      <a:tailEnd type="none" w="sm" len="sm"/>
+                    </a:lnR>
+                    <a:lnT w="9525" cap="flat" cmpd="sng">
+                      <a:solidFill>
+                        <a:schemeClr val="dk1"/>
+                      </a:solidFill>
+                      <a:prstDash val="solid"/>
+                      <a:round/>
+                      <a:headEnd type="none" w="sm" len="sm"/>
+                      <a:tailEnd type="none" w="sm" len="sm"/>
+                    </a:lnT>
+                    <a:lnB w="9525" cap="flat" cmpd="sng">
+                      <a:solidFill>
+                        <a:schemeClr val="dk1"/>
+                      </a:solidFill>
+                      <a:prstDash val="solid"/>
+                      <a:round/>
+                      <a:headEnd type="none" w="sm" len="sm"/>
+                      <a:tailEnd type="none" w="sm" len="sm"/>
+                    </a:lnB>
+                  </a:tcPr>
+                </a:tc>
+                <a:tc>
+                  <a:txBody>
+                    <a:bodyPr/>
+                    <a:lstStyle/>
+                    <a:p>
+                      <a:pPr>
+                        <a:defRPr sz="900">
+                          <a:latin typeface="Arial"/>
+                        </a:defRPr>
+                      </a:pPr>
+                      <a:r>
+                        <a:t>No</a:t>
+                      </a:r>
+                    </a:p>
+                  </a:txBody>
+                  <a:tcPr marL="83125" marR="83125" marT="45725" marB="45725" anchor="ctr">
+                    <a:lnL w="9525" cap="flat" cmpd="sng">
+                      <a:solidFill>
+                        <a:schemeClr val="dk1"/>
+                      </a:solidFill>
+                      <a:prstDash val="solid"/>
+                      <a:round/>
+                      <a:headEnd type="none" w="sm" len="sm"/>
+                      <a:tailEnd type="none" w="sm" len="sm"/>
+                    </a:lnL>
+                    <a:lnR w="9525" cap="flat" cmpd="sng">
+                      <a:solidFill>
+                        <a:schemeClr val="dk1"/>
+                      </a:solidFill>
+                      <a:prstDash val="solid"/>
+                      <a:round/>
+                      <a:headEnd type="none" w="sm" len="sm"/>
+                      <a:tailEnd type="none" w="sm" len="sm"/>
+                    </a:lnR>
+                    <a:lnT w="9525" cap="flat" cmpd="sng">
+                      <a:solidFill>
+                        <a:schemeClr val="dk1"/>
+                      </a:solidFill>
+                      <a:prstDash val="solid"/>
+                      <a:round/>
+                      <a:headEnd type="none" w="sm" len="sm"/>
+                      <a:tailEnd type="none" w="sm" len="sm"/>
+                    </a:lnT>
+                    <a:lnB w="9525" cap="flat" cmpd="sng">
+                      <a:solidFill>
+                        <a:schemeClr val="dk1"/>
+                      </a:solidFill>
+                      <a:prstDash val="solid"/>
+                      <a:round/>
+                      <a:headEnd type="none" w="sm" len="sm"/>
+                      <a:tailEnd type="none" w="sm" len="sm"/>
+                    </a:lnB>
+                  </a:tcPr>
+                </a:tc>
+                <a:tc>
+                  <a:txBody>
+                    <a:bodyPr/>
+                    <a:lstStyle/>
+                    <a:p>
+                      <a:pPr>
+                        <a:defRPr sz="900">
+                          <a:latin typeface="Arial"/>
+                        </a:defRPr>
+                      </a:pPr>
+                      <a:r>
+                        <a:t>80 C</a:t>
+                      </a:r>
+                    </a:p>
+                  </a:txBody>
+                  <a:tcPr marL="0" marR="0" marT="0" marB="0" anchor="ctr">
+                    <a:lnL w="9525" cap="flat" cmpd="sng">
+                      <a:solidFill>
+                        <a:schemeClr val="dk1"/>
+                      </a:solidFill>
+                      <a:prstDash val="solid"/>
+                      <a:round/>
+                      <a:headEnd type="none" w="sm" len="sm"/>
+                      <a:tailEnd type="none" w="sm" len="sm"/>
+                    </a:lnL>
+                    <a:lnR w="9525" cap="flat" cmpd="sng">
+                      <a:solidFill>
+                        <a:schemeClr val="dk1"/>
+                      </a:solidFill>
+                      <a:prstDash val="solid"/>
+                      <a:round/>
+                      <a:headEnd type="none" w="sm" len="sm"/>
+                      <a:tailEnd type="none" w="sm" len="sm"/>
+                    </a:lnR>
+                    <a:lnT w="9525" cap="flat" cmpd="sng">
+                      <a:solidFill>
+                        <a:schemeClr val="dk1"/>
+                      </a:solidFill>
+                      <a:prstDash val="solid"/>
+                      <a:round/>
+                      <a:headEnd type="none" w="sm" len="sm"/>
+                      <a:tailEnd type="none" w="sm" len="sm"/>
+                    </a:lnT>
+                    <a:lnB w="9525" cap="flat" cmpd="sng">
+                      <a:solidFill>
+                        <a:schemeClr val="dk1"/>
+                      </a:solidFill>
+                      <a:prstDash val="solid"/>
+                      <a:round/>
+                      <a:headEnd type="none" w="sm" len="sm"/>
+                      <a:tailEnd type="none" w="sm" len="sm"/>
+                    </a:lnB>
+                  </a:tcPr>
+                </a:tc>
+                <a:tc>
+                  <a:txBody>
+                    <a:bodyPr/>
+                    <a:lstStyle/>
+                    <a:p>
+                      <a:pPr>
+                        <a:defRPr sz="900">
+                          <a:latin typeface="Arial"/>
+                        </a:defRPr>
+                      </a:pPr>
+                      <a:r>
+                        <a:t>10 BAR</a:t>
+                      </a:r>
+                    </a:p>
+                  </a:txBody>
+                  <a:tcPr marL="0" marR="0" marT="0" marB="0" anchor="ctr">
+                    <a:lnL w="9525" cap="flat" cmpd="sng">
+                      <a:solidFill>
+                        <a:schemeClr val="dk1"/>
+                      </a:solidFill>
+                      <a:prstDash val="solid"/>
+                      <a:round/>
+                      <a:headEnd type="none" w="sm" len="sm"/>
+                      <a:tailEnd type="none" w="sm" len="sm"/>
+                    </a:lnL>
+                    <a:lnR w="9525" cap="flat" cmpd="sng">
+                      <a:solidFill>
+                        <a:schemeClr val="dk1"/>
+                      </a:solidFill>
+                      <a:prstDash val="solid"/>
+                      <a:round/>
+                      <a:headEnd type="none" w="sm" len="sm"/>
+                      <a:tailEnd type="none" w="sm" len="sm"/>
+                    </a:lnR>
+                    <a:lnT w="9525" cap="flat" cmpd="sng">
+                      <a:solidFill>
+                        <a:schemeClr val="dk1"/>
+                      </a:solidFill>
+                      <a:prstDash val="solid"/>
+                      <a:round/>
+                      <a:headEnd type="none" w="sm" len="sm"/>
+                      <a:tailEnd type="none" w="sm" len="sm"/>
+                    </a:lnT>
+                    <a:lnB w="9525" cap="flat" cmpd="sng">
+                      <a:solidFill>
+                        <a:schemeClr val="dk1"/>
+                      </a:solidFill>
+                      <a:prstDash val="solid"/>
+                      <a:round/>
+                      <a:headEnd type="none" w="sm" len="sm"/>
+                      <a:tailEnd type="none" w="sm" len="sm"/>
+                    </a:lnB>
+                  </a:tcPr>
+                </a:tc>
+                <a:tc vMerge="1">
+                  <a:txBody>
+                    <a:bodyPr/>
+                    <a:lstStyle/>
                     <a:p/>
                   </a:txBody>
                   <a:tcPr/>
@@ -6783,9 +7582,516 @@
                   <a:txBody>
                     <a:bodyPr/>
                     <a:lstStyle/>
-                    <a:p>
-                      <a:endParaRPr lang="en-US"/>
-                    </a:p>
+                    <a:p/>
+                  </a:txBody>
+                  <a:tcPr/>
+                </a:tc>
+                <a:extLst>
+                  <a:ext uri="{0D108BD9-81ED-4DB2-BD59-A6C34878D82A}">
+                    <a16:rowId xmlns:a16="http://schemas.microsoft.com/office/drawing/2014/main" val="10004"/>
+                  </a:ext>
+                </a:extLst>
+              </a:tr>
+              <a:tr h="243125">
+                <a:tc>
+                  <a:txBody>
+                    <a:bodyPr/>
+                    <a:lstStyle/>
+                    <a:p>
+                      <a:pPr>
+                        <a:defRPr sz="900">
+                          <a:latin typeface="Arial"/>
+                        </a:defRPr>
+                      </a:pPr>
+                      <a:r>
+                        <a:t>-</a:t>
+                      </a:r>
+                    </a:p>
+                  </a:txBody>
+                  <a:tcPr marL="0" marR="0" marT="0" marB="0" anchor="ctr">
+                    <a:lnL w="9525" cap="flat" cmpd="sng">
+                      <a:solidFill>
+                        <a:schemeClr val="dk1"/>
+                      </a:solidFill>
+                      <a:prstDash val="solid"/>
+                      <a:round/>
+                      <a:headEnd type="none" w="sm" len="sm"/>
+                      <a:tailEnd type="none" w="sm" len="sm"/>
+                    </a:lnL>
+                    <a:lnR w="9525" cap="flat" cmpd="sng">
+                      <a:solidFill>
+                        <a:schemeClr val="dk1"/>
+                      </a:solidFill>
+                      <a:prstDash val="solid"/>
+                      <a:round/>
+                      <a:headEnd type="none" w="sm" len="sm"/>
+                      <a:tailEnd type="none" w="sm" len="sm"/>
+                    </a:lnR>
+                    <a:lnT w="9525" cap="flat" cmpd="sng">
+                      <a:solidFill>
+                        <a:schemeClr val="dk1"/>
+                      </a:solidFill>
+                      <a:prstDash val="solid"/>
+                      <a:round/>
+                      <a:headEnd type="none" w="sm" len="sm"/>
+                      <a:tailEnd type="none" w="sm" len="sm"/>
+                    </a:lnT>
+                    <a:lnB w="9525" cap="flat" cmpd="sng">
+                      <a:solidFill>
+                        <a:schemeClr val="dk1"/>
+                      </a:solidFill>
+                      <a:prstDash val="solid"/>
+                      <a:round/>
+                      <a:headEnd type="none" w="sm" len="sm"/>
+                      <a:tailEnd type="none" w="sm" len="sm"/>
+                    </a:lnB>
+                  </a:tcPr>
+                </a:tc>
+                <a:tc>
+                  <a:txBody>
+                    <a:bodyPr/>
+                    <a:lstStyle/>
+                    <a:p>
+                      <a:pPr>
+                        <a:defRPr sz="900">
+                          <a:latin typeface="Arial"/>
+                        </a:defRPr>
+                      </a:pPr>
+                      <a:r>
+                        <a:t>HALF COUPLING</a:t>
+                      </a:r>
+                    </a:p>
+                  </a:txBody>
+                  <a:tcPr marL="0" marR="0" marT="0" marB="0" anchor="ctr">
+                    <a:lnL w="9525" cap="flat" cmpd="sng">
+                      <a:solidFill>
+                        <a:schemeClr val="dk1"/>
+                      </a:solidFill>
+                      <a:prstDash val="solid"/>
+                      <a:round/>
+                      <a:headEnd type="none" w="sm" len="sm"/>
+                      <a:tailEnd type="none" w="sm" len="sm"/>
+                    </a:lnL>
+                    <a:lnR w="9525" cap="flat" cmpd="sng">
+                      <a:solidFill>
+                        <a:schemeClr val="dk1"/>
+                      </a:solidFill>
+                      <a:prstDash val="solid"/>
+                      <a:round/>
+                      <a:headEnd type="none" w="sm" len="sm"/>
+                      <a:tailEnd type="none" w="sm" len="sm"/>
+                    </a:lnR>
+                    <a:lnT w="9525" cap="flat" cmpd="sng">
+                      <a:solidFill>
+                        <a:schemeClr val="dk1"/>
+                      </a:solidFill>
+                      <a:prstDash val="solid"/>
+                      <a:round/>
+                      <a:headEnd type="none" w="sm" len="sm"/>
+                      <a:tailEnd type="none" w="sm" len="sm"/>
+                    </a:lnT>
+                    <a:lnB w="9525" cap="flat" cmpd="sng">
+                      <a:solidFill>
+                        <a:schemeClr val="dk1"/>
+                      </a:solidFill>
+                      <a:prstDash val="solid"/>
+                      <a:round/>
+                      <a:headEnd type="none" w="sm" len="sm"/>
+                      <a:tailEnd type="none" w="sm" len="sm"/>
+                    </a:lnB>
+                  </a:tcPr>
+                </a:tc>
+                <a:tc>
+                  <a:txBody>
+                    <a:bodyPr/>
+                    <a:lstStyle/>
+                    <a:p>
+                      <a:pPr>
+                        <a:defRPr sz="900">
+                          <a:latin typeface="Arial"/>
+                        </a:defRPr>
+                      </a:pPr>
+                      <a:r>
+                        <a:t>-</a:t>
+                      </a:r>
+                    </a:p>
+                  </a:txBody>
+                  <a:tcPr marL="83125" marR="83125" marT="45725" marB="45725" anchor="ctr">
+                    <a:lnL w="9525" cap="flat" cmpd="sng">
+                      <a:solidFill>
+                        <a:schemeClr val="dk1"/>
+                      </a:solidFill>
+                      <a:prstDash val="solid"/>
+                      <a:round/>
+                      <a:headEnd type="none" w="sm" len="sm"/>
+                      <a:tailEnd type="none" w="sm" len="sm"/>
+                    </a:lnL>
+                    <a:lnR w="9525" cap="flat" cmpd="sng">
+                      <a:solidFill>
+                        <a:schemeClr val="dk1"/>
+                      </a:solidFill>
+                      <a:prstDash val="solid"/>
+                      <a:round/>
+                      <a:headEnd type="none" w="sm" len="sm"/>
+                      <a:tailEnd type="none" w="sm" len="sm"/>
+                    </a:lnR>
+                    <a:lnT w="9525" cap="flat" cmpd="sng">
+                      <a:solidFill>
+                        <a:schemeClr val="dk1"/>
+                      </a:solidFill>
+                      <a:prstDash val="solid"/>
+                      <a:round/>
+                      <a:headEnd type="none" w="sm" len="sm"/>
+                      <a:tailEnd type="none" w="sm" len="sm"/>
+                    </a:lnT>
+                    <a:lnB w="9525" cap="flat" cmpd="sng">
+                      <a:solidFill>
+                        <a:schemeClr val="dk1"/>
+                      </a:solidFill>
+                      <a:prstDash val="solid"/>
+                      <a:round/>
+                      <a:headEnd type="none" w="sm" len="sm"/>
+                      <a:tailEnd type="none" w="sm" len="sm"/>
+                    </a:lnB>
+                  </a:tcPr>
+                </a:tc>
+                <a:tc>
+                  <a:txBody>
+                    <a:bodyPr/>
+                    <a:lstStyle/>
+                    <a:p>
+                      <a:pPr>
+                        <a:defRPr sz="900">
+                          <a:latin typeface="Arial"/>
+                        </a:defRPr>
+                      </a:pPr>
+                      <a:r>
+                        <a:t>Carbon Steel</a:t>
+                      </a:r>
+                    </a:p>
+                  </a:txBody>
+                  <a:tcPr marL="83125" marR="83125" marT="45725" marB="45725" anchor="ctr">
+                    <a:lnL w="9525" cap="flat" cmpd="sng">
+                      <a:solidFill>
+                        <a:schemeClr val="dk1"/>
+                      </a:solidFill>
+                      <a:prstDash val="solid"/>
+                      <a:round/>
+                      <a:headEnd type="none" w="sm" len="sm"/>
+                      <a:tailEnd type="none" w="sm" len="sm"/>
+                    </a:lnL>
+                    <a:lnR w="9525" cap="flat" cmpd="sng">
+                      <a:solidFill>
+                        <a:schemeClr val="dk1"/>
+                      </a:solidFill>
+                      <a:prstDash val="solid"/>
+                      <a:round/>
+                      <a:headEnd type="none" w="sm" len="sm"/>
+                      <a:tailEnd type="none" w="sm" len="sm"/>
+                    </a:lnR>
+                    <a:lnT w="9525" cap="flat" cmpd="sng">
+                      <a:solidFill>
+                        <a:schemeClr val="dk1"/>
+                      </a:solidFill>
+                      <a:prstDash val="solid"/>
+                      <a:round/>
+                      <a:headEnd type="none" w="sm" len="sm"/>
+                      <a:tailEnd type="none" w="sm" len="sm"/>
+                    </a:lnT>
+                    <a:lnB w="9525" cap="flat" cmpd="sng">
+                      <a:solidFill>
+                        <a:schemeClr val="dk1"/>
+                      </a:solidFill>
+                      <a:prstDash val="solid"/>
+                      <a:round/>
+                      <a:headEnd type="none" w="sm" len="sm"/>
+                      <a:tailEnd type="none" w="sm" len="sm"/>
+                    </a:lnB>
+                  </a:tcPr>
+                </a:tc>
+                <a:tc>
+                  <a:txBody>
+                    <a:bodyPr/>
+                    <a:lstStyle/>
+                    <a:p>
+                      <a:pPr>
+                        <a:defRPr sz="900">
+                          <a:latin typeface="Arial"/>
+                        </a:defRPr>
+                      </a:pPr>
+                      <a:r>
+                        <a:t>SA-105</a:t>
+                      </a:r>
+                    </a:p>
+                  </a:txBody>
+                  <a:tcPr marL="83125" marR="83125" marT="45725" marB="45725" anchor="ctr">
+                    <a:lnL w="9525" cap="flat" cmpd="sng">
+                      <a:solidFill>
+                        <a:schemeClr val="dk1"/>
+                      </a:solidFill>
+                      <a:prstDash val="solid"/>
+                      <a:round/>
+                      <a:headEnd type="none" w="sm" len="sm"/>
+                      <a:tailEnd type="none" w="sm" len="sm"/>
+                    </a:lnL>
+                    <a:lnR w="9525" cap="flat" cmpd="sng">
+                      <a:solidFill>
+                        <a:schemeClr val="dk1"/>
+                      </a:solidFill>
+                      <a:prstDash val="solid"/>
+                      <a:round/>
+                      <a:headEnd type="none" w="sm" len="sm"/>
+                      <a:tailEnd type="none" w="sm" len="sm"/>
+                    </a:lnR>
+                    <a:lnT w="9525" cap="flat" cmpd="sng">
+                      <a:solidFill>
+                        <a:schemeClr val="dk1"/>
+                      </a:solidFill>
+                      <a:prstDash val="solid"/>
+                      <a:round/>
+                      <a:headEnd type="none" w="sm" len="sm"/>
+                      <a:tailEnd type="none" w="sm" len="sm"/>
+                    </a:lnT>
+                    <a:lnB w="9525" cap="flat" cmpd="sng">
+                      <a:solidFill>
+                        <a:schemeClr val="dk1"/>
+                      </a:solidFill>
+                      <a:prstDash val="solid"/>
+                      <a:round/>
+                      <a:headEnd type="none" w="sm" len="sm"/>
+                      <a:tailEnd type="none" w="sm" len="sm"/>
+                    </a:lnB>
+                  </a:tcPr>
+                </a:tc>
+                <a:tc>
+                  <a:txBody>
+                    <a:bodyPr/>
+                    <a:lstStyle/>
+                    <a:p>
+                      <a:pPr>
+                        <a:defRPr sz="900">
+                          <a:latin typeface="Arial"/>
+                        </a:defRPr>
+                      </a:pPr>
+                      <a:r>
+                        <a:t>-</a:t>
+                      </a:r>
+                    </a:p>
+                  </a:txBody>
+                  <a:tcPr marL="83125" marR="83125" marT="45725" marB="45725" anchor="ctr">
+                    <a:lnL w="9525" cap="flat" cmpd="sng">
+                      <a:solidFill>
+                        <a:schemeClr val="dk1"/>
+                      </a:solidFill>
+                      <a:prstDash val="solid"/>
+                      <a:round/>
+                      <a:headEnd type="none" w="sm" len="sm"/>
+                      <a:tailEnd type="none" w="sm" len="sm"/>
+                    </a:lnL>
+                    <a:lnR w="9525" cap="flat" cmpd="sng">
+                      <a:solidFill>
+                        <a:schemeClr val="dk1"/>
+                      </a:solidFill>
+                      <a:prstDash val="solid"/>
+                      <a:round/>
+                      <a:headEnd type="none" w="sm" len="sm"/>
+                      <a:tailEnd type="none" w="sm" len="sm"/>
+                    </a:lnR>
+                    <a:lnT w="9525" cap="flat" cmpd="sng">
+                      <a:solidFill>
+                        <a:schemeClr val="dk1"/>
+                      </a:solidFill>
+                      <a:prstDash val="solid"/>
+                      <a:round/>
+                      <a:headEnd type="none" w="sm" len="sm"/>
+                      <a:tailEnd type="none" w="sm" len="sm"/>
+                    </a:lnT>
+                    <a:lnB w="9525" cap="flat" cmpd="sng">
+                      <a:solidFill>
+                        <a:schemeClr val="dk1"/>
+                      </a:solidFill>
+                      <a:prstDash val="solid"/>
+                      <a:round/>
+                      <a:headEnd type="none" w="sm" len="sm"/>
+                      <a:tailEnd type="none" w="sm" len="sm"/>
+                    </a:lnB>
+                  </a:tcPr>
+                </a:tc>
+                <a:tc>
+                  <a:txBody>
+                    <a:bodyPr/>
+                    <a:lstStyle/>
+                    <a:p>
+                      <a:pPr>
+                        <a:defRPr sz="900">
+                          <a:latin typeface="Arial"/>
+                        </a:defRPr>
+                      </a:pPr>
+                      <a:r>
+                        <a:t>No</a:t>
+                      </a:r>
+                    </a:p>
+                  </a:txBody>
+                  <a:tcPr marL="83125" marR="83125" marT="45725" marB="45725" anchor="ctr">
+                    <a:lnL w="9525" cap="flat" cmpd="sng">
+                      <a:solidFill>
+                        <a:schemeClr val="dk1"/>
+                      </a:solidFill>
+                      <a:prstDash val="solid"/>
+                      <a:round/>
+                      <a:headEnd type="none" w="sm" len="sm"/>
+                      <a:tailEnd type="none" w="sm" len="sm"/>
+                    </a:lnL>
+                    <a:lnR w="9525" cap="flat" cmpd="sng">
+                      <a:solidFill>
+                        <a:schemeClr val="dk1"/>
+                      </a:solidFill>
+                      <a:prstDash val="solid"/>
+                      <a:round/>
+                      <a:headEnd type="none" w="sm" len="sm"/>
+                      <a:tailEnd type="none" w="sm" len="sm"/>
+                    </a:lnR>
+                    <a:lnT w="9525" cap="flat" cmpd="sng">
+                      <a:solidFill>
+                        <a:schemeClr val="dk1"/>
+                      </a:solidFill>
+                      <a:prstDash val="solid"/>
+                      <a:round/>
+                      <a:headEnd type="none" w="sm" len="sm"/>
+                      <a:tailEnd type="none" w="sm" len="sm"/>
+                    </a:lnT>
+                    <a:lnB w="9525" cap="flat" cmpd="sng">
+                      <a:solidFill>
+                        <a:schemeClr val="dk1"/>
+                      </a:solidFill>
+                      <a:prstDash val="solid"/>
+                      <a:round/>
+                      <a:headEnd type="none" w="sm" len="sm"/>
+                      <a:tailEnd type="none" w="sm" len="sm"/>
+                    </a:lnB>
+                  </a:tcPr>
+                </a:tc>
+                <a:tc>
+                  <a:txBody>
+                    <a:bodyPr/>
+                    <a:lstStyle/>
+                    <a:p>
+                      <a:pPr>
+                        <a:defRPr sz="900">
+                          <a:latin typeface="Arial"/>
+                        </a:defRPr>
+                      </a:pPr>
+                      <a:r>
+                        <a:t>80 C</a:t>
+                      </a:r>
+                    </a:p>
+                  </a:txBody>
+                  <a:tcPr marL="0" marR="0" marT="0" marB="0" anchor="ctr">
+                    <a:lnL w="9525" cap="flat" cmpd="sng">
+                      <a:solidFill>
+                        <a:schemeClr val="dk1"/>
+                      </a:solidFill>
+                      <a:prstDash val="solid"/>
+                      <a:round/>
+                      <a:headEnd type="none" w="sm" len="sm"/>
+                      <a:tailEnd type="none" w="sm" len="sm"/>
+                    </a:lnL>
+                    <a:lnR w="9525" cap="flat" cmpd="sng">
+                      <a:solidFill>
+                        <a:schemeClr val="dk1"/>
+                      </a:solidFill>
+                      <a:prstDash val="solid"/>
+                      <a:round/>
+                      <a:headEnd type="none" w="sm" len="sm"/>
+                      <a:tailEnd type="none" w="sm" len="sm"/>
+                    </a:lnR>
+                    <a:lnT w="9525" cap="flat" cmpd="sng">
+                      <a:solidFill>
+                        <a:schemeClr val="dk1"/>
+                      </a:solidFill>
+                      <a:prstDash val="solid"/>
+                      <a:round/>
+                      <a:headEnd type="none" w="sm" len="sm"/>
+                      <a:tailEnd type="none" w="sm" len="sm"/>
+                    </a:lnT>
+                    <a:lnB w="9525" cap="flat" cmpd="sng">
+                      <a:solidFill>
+                        <a:schemeClr val="dk1"/>
+                      </a:solidFill>
+                      <a:prstDash val="solid"/>
+                      <a:round/>
+                      <a:headEnd type="none" w="sm" len="sm"/>
+                      <a:tailEnd type="none" w="sm" len="sm"/>
+                    </a:lnB>
+                  </a:tcPr>
+                </a:tc>
+                <a:tc>
+                  <a:txBody>
+                    <a:bodyPr/>
+                    <a:lstStyle/>
+                    <a:p>
+                      <a:pPr>
+                        <a:defRPr sz="900">
+                          <a:latin typeface="Arial"/>
+                        </a:defRPr>
+                      </a:pPr>
+                      <a:r>
+                        <a:t>10 BAR</a:t>
+                      </a:r>
+                    </a:p>
+                  </a:txBody>
+                  <a:tcPr marL="0" marR="0" marT="0" marB="0" anchor="ctr">
+                    <a:lnL w="9525" cap="flat" cmpd="sng">
+                      <a:solidFill>
+                        <a:schemeClr val="dk1"/>
+                      </a:solidFill>
+                      <a:prstDash val="solid"/>
+                      <a:round/>
+                      <a:headEnd type="none" w="sm" len="sm"/>
+                      <a:tailEnd type="none" w="sm" len="sm"/>
+                    </a:lnL>
+                    <a:lnR w="9525" cap="flat" cmpd="sng">
+                      <a:solidFill>
+                        <a:schemeClr val="dk1"/>
+                      </a:solidFill>
+                      <a:prstDash val="solid"/>
+                      <a:round/>
+                      <a:headEnd type="none" w="sm" len="sm"/>
+                      <a:tailEnd type="none" w="sm" len="sm"/>
+                    </a:lnR>
+                    <a:lnT w="9525" cap="flat" cmpd="sng">
+                      <a:solidFill>
+                        <a:schemeClr val="dk1"/>
+                      </a:solidFill>
+                      <a:prstDash val="solid"/>
+                      <a:round/>
+                      <a:headEnd type="none" w="sm" len="sm"/>
+                      <a:tailEnd type="none" w="sm" len="sm"/>
+                    </a:lnT>
+                    <a:lnB w="9525" cap="flat" cmpd="sng">
+                      <a:solidFill>
+                        <a:schemeClr val="dk1"/>
+                      </a:solidFill>
+                      <a:prstDash val="solid"/>
+                      <a:round/>
+                      <a:headEnd type="none" w="sm" len="sm"/>
+                      <a:tailEnd type="none" w="sm" len="sm"/>
+                    </a:lnB>
+                  </a:tcPr>
+                </a:tc>
+                <a:tc vMerge="1">
+                  <a:txBody>
+                    <a:bodyPr/>
+                    <a:lstStyle/>
+                    <a:p/>
+                  </a:txBody>
+                  <a:tcPr/>
+                </a:tc>
+                <a:tc vMerge="1">
+                  <a:txBody>
+                    <a:bodyPr/>
+                    <a:lstStyle/>
+                    <a:p/>
                   </a:txBody>
                   <a:tcPr/>
                 </a:tc>
@@ -6824,6 +8130,5378 @@
           <a:ln>
             <a:noFill/>
           </a:ln>
+        </p:spPr>
+      </p:pic>
+      <p:graphicFrame>
+        <p:nvGraphicFramePr>
+          <p:cNvPr id="53" name="Google Shape;53;p1"/>
+          <p:cNvGraphicFramePr/>
+          <p:nvPr/>
+        </p:nvGraphicFramePr>
+        <p:xfrm>
+          <a:off x="475862" y="3004348"/>
+          <a:ext cx="4477150" cy="2463680"/>
+        </p:xfrm>
+        <a:graphic>
+          <a:graphicData uri="http://schemas.openxmlformats.org/drawingml/2006/table">
+            <a:tbl>
+              <a:tblPr firstRow="1" bandRow="1">
+                <a:noFill/>
+                <a:tableStyleId>{389572DE-4531-42A8-A4B0-3BB0859811A2}</a:tableStyleId>
+              </a:tblPr>
+              <a:tblGrid>
+                <a:gridCol w="1152925">
+                  <a:extLst>
+                    <a:ext uri="{9D8B030D-6E8A-4147-A177-3AD203B41FA5}">
+                      <a16:colId xmlns:a16="http://schemas.microsoft.com/office/drawing/2014/main" val="20000"/>
+                    </a:ext>
+                  </a:extLst>
+                </a:gridCol>
+                <a:gridCol w="2028825">
+                  <a:extLst>
+                    <a:ext uri="{9D8B030D-6E8A-4147-A177-3AD203B41FA5}">
+                      <a16:colId xmlns:a16="http://schemas.microsoft.com/office/drawing/2014/main" val="20001"/>
+                    </a:ext>
+                  </a:extLst>
+                </a:gridCol>
+                <a:gridCol w="1295400">
+                  <a:extLst>
+                    <a:ext uri="{9D8B030D-6E8A-4147-A177-3AD203B41FA5}">
+                      <a16:colId xmlns:a16="http://schemas.microsoft.com/office/drawing/2014/main" val="20002"/>
+                    </a:ext>
+                  </a:extLst>
+                </a:gridCol>
+              </a:tblGrid>
+              <a:tr h="958075">
+                <a:tc>
+                  <a:txBody>
+                    <a:bodyPr/>
+                    <a:lstStyle/>
+                    <a:p>
+                      <a:pPr marL="0" marR="0" lvl="0" indent="0" algn="ctr" rtl="0">
+                        <a:spcBef>
+                          <a:spcPts val="0"/>
+                        </a:spcBef>
+                        <a:spcAft>
+                          <a:spcPts val="0"/>
+                        </a:spcAft>
+                        <a:buNone/>
+                      </a:pPr>
+                      <a:r>
+                        <a:rPr lang="en-MY" sz="800" b="0">
+                          <a:solidFill>
+                            <a:schemeClr val="dk1"/>
+                          </a:solidFill>
+                          <a:latin typeface="Arial"/>
+                          <a:ea typeface="Arial"/>
+                          <a:cs typeface="Arial"/>
+                          <a:sym typeface="Arial"/>
+                        </a:rPr>
+                        <a:t>INSPECTION METHOD</a:t>
+                      </a:r>
+                      <a:endParaRPr sz="800" b="0">
+                        <a:solidFill>
+                          <a:schemeClr val="dk1"/>
+                        </a:solidFill>
+                        <a:latin typeface="Arial"/>
+                        <a:ea typeface="Arial"/>
+                        <a:cs typeface="Arial"/>
+                        <a:sym typeface="Arial"/>
+                      </a:endParaRPr>
+                    </a:p>
+                  </a:txBody>
+                  <a:tcPr marL="91450" marR="91450" marT="45725" marB="45725">
+                    <a:lnL w="12700" cap="flat" cmpd="sng">
+                      <a:solidFill>
+                        <a:schemeClr val="dk1"/>
+                      </a:solidFill>
+                      <a:prstDash val="solid"/>
+                      <a:round/>
+                      <a:headEnd type="none" w="sm" len="sm"/>
+                      <a:tailEnd type="none" w="sm" len="sm"/>
+                    </a:lnL>
+                    <a:lnR w="12700" cap="flat" cmpd="sng">
+                      <a:solidFill>
+                        <a:schemeClr val="dk1"/>
+                      </a:solidFill>
+                      <a:prstDash val="solid"/>
+                      <a:round/>
+                      <a:headEnd type="none" w="sm" len="sm"/>
+                      <a:tailEnd type="none" w="sm" len="sm"/>
+                    </a:lnR>
+                    <a:lnT w="12700" cap="flat" cmpd="sng">
+                      <a:solidFill>
+                        <a:schemeClr val="dk1"/>
+                      </a:solidFill>
+                      <a:prstDash val="solid"/>
+                      <a:round/>
+                      <a:headEnd type="none" w="sm" len="sm"/>
+                      <a:tailEnd type="none" w="sm" len="sm"/>
+                    </a:lnT>
+                    <a:lnB w="12700" cap="flat" cmpd="sng">
+                      <a:solidFill>
+                        <a:schemeClr val="dk1"/>
+                      </a:solidFill>
+                      <a:prstDash val="solid"/>
+                      <a:round/>
+                      <a:headEnd type="none" w="sm" len="sm"/>
+                      <a:tailEnd type="none" w="sm" len="sm"/>
+                    </a:lnB>
+                    <a:solidFill>
+                      <a:srgbClr val="D8D8D8"/>
+                    </a:solidFill>
+                  </a:tcPr>
+                </a:tc>
+                <a:tc>
+                  <a:txBody>
+                    <a:bodyPr/>
+                    <a:lstStyle/>
+                    <a:p>
+                      <a:pPr marL="0" marR="0" lvl="0" indent="0" algn="ctr" rtl="0">
+                        <a:spcBef>
+                          <a:spcPts val="0"/>
+                        </a:spcBef>
+                        <a:spcAft>
+                          <a:spcPts val="0"/>
+                        </a:spcAft>
+                        <a:buNone/>
+                      </a:pPr>
+                      <a:r>
+                        <a:rPr lang="en-MY" sz="800" b="0">
+                          <a:solidFill>
+                            <a:schemeClr val="dk1"/>
+                          </a:solidFill>
+                          <a:latin typeface="Arial"/>
+                          <a:ea typeface="Arial"/>
+                          <a:cs typeface="Arial"/>
+                          <a:sym typeface="Arial"/>
+                        </a:rPr>
+                        <a:t>INSPECTION COVERAGE</a:t>
+                      </a:r>
+                      <a:endParaRPr sz="800" b="0">
+                        <a:solidFill>
+                          <a:schemeClr val="dk1"/>
+                        </a:solidFill>
+                        <a:latin typeface="Arial"/>
+                        <a:ea typeface="Arial"/>
+                        <a:cs typeface="Arial"/>
+                        <a:sym typeface="Arial"/>
+                      </a:endParaRPr>
+                    </a:p>
+                  </a:txBody>
+                  <a:tcPr marL="91450" marR="91450" marT="45725" marB="45725">
+                    <a:lnL w="12700" cap="flat" cmpd="sng">
+                      <a:solidFill>
+                        <a:schemeClr val="dk1"/>
+                      </a:solidFill>
+                      <a:prstDash val="solid"/>
+                      <a:round/>
+                      <a:headEnd type="none" w="sm" len="sm"/>
+                      <a:tailEnd type="none" w="sm" len="sm"/>
+                    </a:lnL>
+                    <a:lnR w="12700" cap="flat" cmpd="sng">
+                      <a:solidFill>
+                        <a:schemeClr val="dk1"/>
+                      </a:solidFill>
+                      <a:prstDash val="solid"/>
+                      <a:round/>
+                      <a:headEnd type="none" w="sm" len="sm"/>
+                      <a:tailEnd type="none" w="sm" len="sm"/>
+                    </a:lnR>
+                    <a:lnT w="12700" cap="flat" cmpd="sng">
+                      <a:solidFill>
+                        <a:schemeClr val="dk1"/>
+                      </a:solidFill>
+                      <a:prstDash val="solid"/>
+                      <a:round/>
+                      <a:headEnd type="none" w="sm" len="sm"/>
+                      <a:tailEnd type="none" w="sm" len="sm"/>
+                    </a:lnT>
+                    <a:lnB w="12700" cap="flat" cmpd="sng">
+                      <a:solidFill>
+                        <a:schemeClr val="dk1"/>
+                      </a:solidFill>
+                      <a:prstDash val="solid"/>
+                      <a:round/>
+                      <a:headEnd type="none" w="sm" len="sm"/>
+                      <a:tailEnd type="none" w="sm" len="sm"/>
+                    </a:lnB>
+                    <a:solidFill>
+                      <a:srgbClr val="D8D8D8"/>
+                    </a:solidFill>
+                  </a:tcPr>
+                </a:tc>
+                <a:tc>
+                  <a:txBody>
+                    <a:bodyPr/>
+                    <a:lstStyle/>
+                    <a:p>
+                      <a:pPr marL="0" marR="0" lvl="0" indent="0" algn="ctr" rtl="0">
+                        <a:spcBef>
+                          <a:spcPts val="0"/>
+                        </a:spcBef>
+                        <a:spcAft>
+                          <a:spcPts val="0"/>
+                        </a:spcAft>
+                        <a:buNone/>
+                      </a:pPr>
+                      <a:r>
+                        <a:rPr lang="en-MY" sz="800" b="0">
+                          <a:solidFill>
+                            <a:schemeClr val="dk1"/>
+                          </a:solidFill>
+                          <a:latin typeface="Arial"/>
+                          <a:ea typeface="Arial"/>
+                          <a:cs typeface="Arial"/>
+                          <a:sym typeface="Arial"/>
+                        </a:rPr>
+                        <a:t>DAMAGE MECHANISM</a:t>
+                      </a:r>
+                      <a:endParaRPr sz="800" b="0">
+                        <a:solidFill>
+                          <a:schemeClr val="dk1"/>
+                        </a:solidFill>
+                        <a:latin typeface="Arial"/>
+                        <a:ea typeface="Arial"/>
+                        <a:cs typeface="Arial"/>
+                        <a:sym typeface="Arial"/>
+                      </a:endParaRPr>
+                    </a:p>
+                  </a:txBody>
+                  <a:tcPr marL="91450" marR="91450" marT="45725" marB="45725">
+                    <a:lnL w="12700" cap="flat" cmpd="sng">
+                      <a:solidFill>
+                        <a:schemeClr val="dk1"/>
+                      </a:solidFill>
+                      <a:prstDash val="solid"/>
+                      <a:round/>
+                      <a:headEnd type="none" w="sm" len="sm"/>
+                      <a:tailEnd type="none" w="sm" len="sm"/>
+                    </a:lnL>
+                    <a:lnR w="12700" cap="flat" cmpd="sng">
+                      <a:solidFill>
+                        <a:schemeClr val="dk1"/>
+                      </a:solidFill>
+                      <a:prstDash val="solid"/>
+                      <a:round/>
+                      <a:headEnd type="none" w="sm" len="sm"/>
+                      <a:tailEnd type="none" w="sm" len="sm"/>
+                    </a:lnR>
+                    <a:lnT w="12700" cap="flat" cmpd="sng">
+                      <a:solidFill>
+                        <a:schemeClr val="dk1"/>
+                      </a:solidFill>
+                      <a:prstDash val="solid"/>
+                      <a:round/>
+                      <a:headEnd type="none" w="sm" len="sm"/>
+                      <a:tailEnd type="none" w="sm" len="sm"/>
+                    </a:lnT>
+                    <a:lnB w="12700" cap="flat" cmpd="sng">
+                      <a:solidFill>
+                        <a:schemeClr val="dk1"/>
+                      </a:solidFill>
+                      <a:prstDash val="solid"/>
+                      <a:round/>
+                      <a:headEnd type="none" w="sm" len="sm"/>
+                      <a:tailEnd type="none" w="sm" len="sm"/>
+                    </a:lnB>
+                    <a:solidFill>
+                      <a:srgbClr val="D8D8D8"/>
+                    </a:solidFill>
+                  </a:tcPr>
+                </a:tc>
+                <a:extLst>
+                  <a:ext uri="{0D108BD9-81ED-4DB2-BD59-A6C34878D82A}">
+                    <a16:rowId xmlns:a16="http://schemas.microsoft.com/office/drawing/2014/main" val="10000"/>
+                  </a:ext>
+                </a:extLst>
+              </a:tr>
+              <a:tr h="309775">
+                <a:tc>
+                  <a:txBody>
+                    <a:bodyPr/>
+                    <a:lstStyle/>
+                    <a:p>
+                      <a:pPr marL="0" marR="0" lvl="0" indent="0" algn="ctr" rtl="0">
+                        <a:spcBef>
+                          <a:spcPts val="0"/>
+                        </a:spcBef>
+                        <a:spcAft>
+                          <a:spcPts val="0"/>
+                        </a:spcAft>
+                        <a:buNone/>
+                      </a:pPr>
+                      <a:r>
+                        <a:rPr lang="en-MY" sz="800">
+                          <a:latin typeface="Arial"/>
+                          <a:ea typeface="Arial"/>
+                          <a:cs typeface="Arial"/>
+                          <a:sym typeface="Arial"/>
+                        </a:rPr>
+                        <a:t>UTTM </a:t>
+                      </a:r>
+                      <a:endParaRPr sz="800">
+                        <a:latin typeface="Arial"/>
+                        <a:ea typeface="Arial"/>
+                        <a:cs typeface="Arial"/>
+                        <a:sym typeface="Arial"/>
+                      </a:endParaRPr>
+                    </a:p>
+                    <a:p>
+                      <a:pPr marL="0" marR="0" lvl="0" indent="0" algn="ctr" rtl="0">
+                        <a:spcBef>
+                          <a:spcPts val="0"/>
+                        </a:spcBef>
+                        <a:spcAft>
+                          <a:spcPts val="0"/>
+                        </a:spcAft>
+                        <a:buNone/>
+                      </a:pPr>
+                      <a:r>
+                        <a:rPr lang="en-MY" sz="800">
+                          <a:latin typeface="Arial"/>
+                          <a:ea typeface="Arial"/>
+                          <a:cs typeface="Arial"/>
+                          <a:sym typeface="Arial"/>
+                        </a:rPr>
+                        <a:t>(Correction Factor)</a:t>
+                      </a:r>
+                      <a:endParaRPr sz="800">
+                        <a:latin typeface="Arial"/>
+                        <a:ea typeface="Arial"/>
+                        <a:cs typeface="Arial"/>
+                        <a:sym typeface="Arial"/>
+                      </a:endParaRPr>
+                    </a:p>
+                  </a:txBody>
+                  <a:tcPr marL="91450" marR="91450" marT="45725" marB="45725" anchor="ctr">
+                    <a:lnL w="12700" cap="flat" cmpd="sng">
+                      <a:solidFill>
+                        <a:schemeClr val="dk1"/>
+                      </a:solidFill>
+                      <a:prstDash val="solid"/>
+                      <a:round/>
+                      <a:headEnd type="none" w="sm" len="sm"/>
+                      <a:tailEnd type="none" w="sm" len="sm"/>
+                    </a:lnL>
+                    <a:lnR w="12700" cap="flat" cmpd="sng">
+                      <a:solidFill>
+                        <a:schemeClr val="dk1"/>
+                      </a:solidFill>
+                      <a:prstDash val="solid"/>
+                      <a:round/>
+                      <a:headEnd type="none" w="sm" len="sm"/>
+                      <a:tailEnd type="none" w="sm" len="sm"/>
+                    </a:lnR>
+                    <a:lnT w="12700" cap="flat" cmpd="sng">
+                      <a:solidFill>
+                        <a:schemeClr val="dk1"/>
+                      </a:solidFill>
+                      <a:prstDash val="solid"/>
+                      <a:round/>
+                      <a:headEnd type="none" w="sm" len="sm"/>
+                      <a:tailEnd type="none" w="sm" len="sm"/>
+                    </a:lnT>
+                    <a:lnB w="12700" cap="flat" cmpd="sng">
+                      <a:solidFill>
+                        <a:schemeClr val="dk1"/>
+                      </a:solidFill>
+                      <a:prstDash val="solid"/>
+                      <a:round/>
+                      <a:headEnd type="none" w="sm" len="sm"/>
+                      <a:tailEnd type="none" w="sm" len="sm"/>
+                    </a:lnB>
+                  </a:tcPr>
+                </a:tc>
+                <a:tc>
+                  <a:txBody>
+                    <a:bodyPr/>
+                    <a:lstStyle/>
+                    <a:p>
+                      <a:pPr marL="0" marR="0" lvl="0" indent="0" algn="l" rtl="0">
+                        <a:spcBef>
+                          <a:spcPts val="0"/>
+                        </a:spcBef>
+                        <a:spcAft>
+                          <a:spcPts val="0"/>
+                        </a:spcAft>
+                        <a:buNone/>
+                      </a:pPr>
+                      <a:r>
+                        <a:rPr lang="en-MY" sz="800">
+                          <a:latin typeface="Arial"/>
+                          <a:ea typeface="Arial"/>
+                          <a:cs typeface="Arial"/>
+                          <a:sym typeface="Arial"/>
+                        </a:rPr>
+                        <a:t>100% of TML Location – Refer TML as per Attachment</a:t>
+                      </a:r>
+                      <a:endParaRPr sz="800">
+                        <a:latin typeface="Arial"/>
+                        <a:ea typeface="Arial"/>
+                        <a:cs typeface="Arial"/>
+                        <a:sym typeface="Arial"/>
+                      </a:endParaRPr>
+                    </a:p>
+                  </a:txBody>
+                  <a:tcPr marL="91450" marR="91450" marT="45725" marB="45725">
+                    <a:lnL w="12700" cap="flat" cmpd="sng">
+                      <a:solidFill>
+                        <a:schemeClr val="dk1"/>
+                      </a:solidFill>
+                      <a:prstDash val="solid"/>
+                      <a:round/>
+                      <a:headEnd type="none" w="sm" len="sm"/>
+                      <a:tailEnd type="none" w="sm" len="sm"/>
+                    </a:lnL>
+                    <a:lnR w="12700" cap="flat" cmpd="sng">
+                      <a:solidFill>
+                        <a:schemeClr val="dk1"/>
+                      </a:solidFill>
+                      <a:prstDash val="solid"/>
+                      <a:round/>
+                      <a:headEnd type="none" w="sm" len="sm"/>
+                      <a:tailEnd type="none" w="sm" len="sm"/>
+                    </a:lnR>
+                    <a:lnT w="12700" cap="flat" cmpd="sng">
+                      <a:solidFill>
+                        <a:schemeClr val="dk1"/>
+                      </a:solidFill>
+                      <a:prstDash val="solid"/>
+                      <a:round/>
+                      <a:headEnd type="none" w="sm" len="sm"/>
+                      <a:tailEnd type="none" w="sm" len="sm"/>
+                    </a:lnT>
+                    <a:lnB w="12700" cap="flat" cmpd="sng">
+                      <a:solidFill>
+                        <a:schemeClr val="dk1"/>
+                      </a:solidFill>
+                      <a:prstDash val="solid"/>
+                      <a:round/>
+                      <a:headEnd type="none" w="sm" len="sm"/>
+                      <a:tailEnd type="none" w="sm" len="sm"/>
+                    </a:lnB>
+                  </a:tcPr>
+                </a:tc>
+                <a:tc>
+                  <a:txBody>
+                    <a:bodyPr/>
+                    <a:lstStyle/>
+                    <a:p>
+                      <a:pPr marL="0" marR="0" lvl="0" indent="0" algn="l" rtl="0">
+                        <a:lnSpc>
+                          <a:spcPct val="100000"/>
+                        </a:lnSpc>
+                        <a:spcBef>
+                          <a:spcPts val="0"/>
+                        </a:spcBef>
+                        <a:spcAft>
+                          <a:spcPts val="0"/>
+                        </a:spcAft>
+                        <a:buClr>
+                          <a:schemeClr val="dk1"/>
+                        </a:buClr>
+                        <a:buSzPts val="800"/>
+                        <a:buFont typeface="Arial"/>
+                        <a:buNone/>
+                      </a:pPr>
+                      <a:r>
+                        <a:rPr lang="en-MY" sz="800" b="0">
+                          <a:latin typeface="Arial"/>
+                          <a:ea typeface="Arial"/>
+                          <a:cs typeface="Arial"/>
+                          <a:sym typeface="Arial"/>
+                        </a:rPr>
+                        <a:t>General Corrosion</a:t>
+                      </a:r>
+                      <a:endParaRPr sz="800" b="0">
+                        <a:latin typeface="Arial"/>
+                        <a:ea typeface="Arial"/>
+                        <a:cs typeface="Arial"/>
+                        <a:sym typeface="Arial"/>
+                      </a:endParaRPr>
+                    </a:p>
+                  </a:txBody>
+                  <a:tcPr marL="91450" marR="91450" marT="45725" marB="45725">
+                    <a:lnL w="12700" cap="flat" cmpd="sng">
+                      <a:solidFill>
+                        <a:schemeClr val="dk1"/>
+                      </a:solidFill>
+                      <a:prstDash val="solid"/>
+                      <a:round/>
+                      <a:headEnd type="none" w="sm" len="sm"/>
+                      <a:tailEnd type="none" w="sm" len="sm"/>
+                    </a:lnL>
+                    <a:lnR w="12700" cap="flat" cmpd="sng">
+                      <a:solidFill>
+                        <a:schemeClr val="dk1"/>
+                      </a:solidFill>
+                      <a:prstDash val="solid"/>
+                      <a:round/>
+                      <a:headEnd type="none" w="sm" len="sm"/>
+                      <a:tailEnd type="none" w="sm" len="sm"/>
+                    </a:lnR>
+                    <a:lnT w="12700" cap="flat" cmpd="sng">
+                      <a:solidFill>
+                        <a:schemeClr val="dk1"/>
+                      </a:solidFill>
+                      <a:prstDash val="solid"/>
+                      <a:round/>
+                      <a:headEnd type="none" w="sm" len="sm"/>
+                      <a:tailEnd type="none" w="sm" len="sm"/>
+                    </a:lnT>
+                    <a:lnB w="12700" cap="flat" cmpd="sng">
+                      <a:solidFill>
+                        <a:schemeClr val="dk1"/>
+                      </a:solidFill>
+                      <a:prstDash val="solid"/>
+                      <a:round/>
+                      <a:headEnd type="none" w="sm" len="sm"/>
+                      <a:tailEnd type="none" w="sm" len="sm"/>
+                    </a:lnB>
+                  </a:tcPr>
+                </a:tc>
+                <a:extLst>
+                  <a:ext uri="{0D108BD9-81ED-4DB2-BD59-A6C34878D82A}">
+                    <a16:rowId xmlns:a16="http://schemas.microsoft.com/office/drawing/2014/main" val="10001"/>
+                  </a:ext>
+                </a:extLst>
+              </a:tr>
+              <a:tr h="378200">
+                <a:tc>
+                  <a:txBody>
+                    <a:bodyPr/>
+                    <a:lstStyle/>
+                    <a:p>
+                      <a:pPr marL="0" marR="0" lvl="0" indent="0" algn="ctr" rtl="0">
+                        <a:spcBef>
+                          <a:spcPts val="0"/>
+                        </a:spcBef>
+                        <a:spcAft>
+                          <a:spcPts val="0"/>
+                        </a:spcAft>
+                        <a:buNone/>
+                      </a:pPr>
+                      <a:r>
+                        <a:rPr lang="en-MY" sz="800">
+                          <a:latin typeface="Arial"/>
+                          <a:ea typeface="Arial"/>
+                          <a:cs typeface="Arial"/>
+                          <a:sym typeface="Arial"/>
+                        </a:rPr>
+                        <a:t>VISUAL INSPECTION</a:t>
+                      </a:r>
+                      <a:endParaRPr sz="800">
+                        <a:latin typeface="Arial"/>
+                        <a:ea typeface="Arial"/>
+                        <a:cs typeface="Arial"/>
+                        <a:sym typeface="Arial"/>
+                      </a:endParaRPr>
+                    </a:p>
+                  </a:txBody>
+                  <a:tcPr marL="91450" marR="91450" marT="45725" marB="45725" anchor="ctr">
+                    <a:lnL w="12700" cap="flat" cmpd="sng">
+                      <a:solidFill>
+                        <a:schemeClr val="dk1"/>
+                      </a:solidFill>
+                      <a:prstDash val="solid"/>
+                      <a:round/>
+                      <a:headEnd type="none" w="sm" len="sm"/>
+                      <a:tailEnd type="none" w="sm" len="sm"/>
+                    </a:lnL>
+                    <a:lnR w="12700" cap="flat" cmpd="sng">
+                      <a:solidFill>
+                        <a:schemeClr val="dk1"/>
+                      </a:solidFill>
+                      <a:prstDash val="solid"/>
+                      <a:round/>
+                      <a:headEnd type="none" w="sm" len="sm"/>
+                      <a:tailEnd type="none" w="sm" len="sm"/>
+                    </a:lnR>
+                    <a:lnT w="12700" cap="flat" cmpd="sng">
+                      <a:solidFill>
+                        <a:schemeClr val="dk1"/>
+                      </a:solidFill>
+                      <a:prstDash val="solid"/>
+                      <a:round/>
+                      <a:headEnd type="none" w="sm" len="sm"/>
+                      <a:tailEnd type="none" w="sm" len="sm"/>
+                    </a:lnT>
+                    <a:lnB w="12700" cap="flat" cmpd="sng">
+                      <a:solidFill>
+                        <a:schemeClr val="dk1"/>
+                      </a:solidFill>
+                      <a:prstDash val="solid"/>
+                      <a:round/>
+                      <a:headEnd type="none" w="sm" len="sm"/>
+                      <a:tailEnd type="none" w="sm" len="sm"/>
+                    </a:lnB>
+                  </a:tcPr>
+                </a:tc>
+                <a:tc>
+                  <a:txBody>
+                    <a:bodyPr/>
+                    <a:lstStyle/>
+                    <a:p>
+                      <a:pPr marL="0" marR="0" lvl="0" indent="0" algn="l" rtl="0">
+                        <a:lnSpc>
+                          <a:spcPct val="107000"/>
+                        </a:lnSpc>
+                        <a:spcBef>
+                          <a:spcPts val="0"/>
+                        </a:spcBef>
+                        <a:spcAft>
+                          <a:spcPts val="0"/>
+                        </a:spcAft>
+                        <a:buClr>
+                          <a:schemeClr val="dk1"/>
+                        </a:buClr>
+                        <a:buSzPts val="800"/>
+                        <a:buFont typeface="Arial"/>
+                        <a:buNone/>
+                      </a:pPr>
+                      <a:r>
+                        <a:rPr lang="en-MY" sz="800">
+                          <a:latin typeface="Arial"/>
+                          <a:ea typeface="Arial"/>
+                          <a:cs typeface="Arial"/>
+                          <a:sym typeface="Arial"/>
+                        </a:rPr>
+                        <a:t>External Visual Inspection  (100% Coverage)</a:t>
+                      </a:r>
+                      <a:endParaRPr sz="800">
+                        <a:latin typeface="Arial"/>
+                        <a:ea typeface="Arial"/>
+                        <a:cs typeface="Arial"/>
+                        <a:sym typeface="Arial"/>
+                      </a:endParaRPr>
+                    </a:p>
+                    <a:p>
+                      <a:pPr marL="0" marR="0" lvl="0" indent="0" algn="l" rtl="0">
+                        <a:lnSpc>
+                          <a:spcPct val="107000"/>
+                        </a:lnSpc>
+                        <a:spcBef>
+                          <a:spcPts val="800"/>
+                        </a:spcBef>
+                        <a:spcAft>
+                          <a:spcPts val="0"/>
+                        </a:spcAft>
+                        <a:buClr>
+                          <a:schemeClr val="dk1"/>
+                        </a:buClr>
+                        <a:buSzPts val="800"/>
+                        <a:buFont typeface="Arial"/>
+                        <a:buNone/>
+                      </a:pPr>
+                      <a:r>
+                        <a:rPr lang="en-MY" sz="800" b="1">
+                          <a:latin typeface="Arial"/>
+                          <a:ea typeface="Arial"/>
+                          <a:cs typeface="Arial"/>
+                          <a:sym typeface="Arial"/>
+                        </a:rPr>
+                        <a:t>With</a:t>
+                      </a:r>
+                      <a:endParaRPr sz="800" b="1">
+                        <a:latin typeface="Arial"/>
+                        <a:ea typeface="Arial"/>
+                        <a:cs typeface="Arial"/>
+                        <a:sym typeface="Arial"/>
+                      </a:endParaRPr>
+                    </a:p>
+                    <a:p>
+                      <a:pPr marL="0" marR="0" lvl="0" indent="0" algn="l" rtl="0">
+                        <a:lnSpc>
+                          <a:spcPct val="107000"/>
+                        </a:lnSpc>
+                        <a:spcBef>
+                          <a:spcPts val="800"/>
+                        </a:spcBef>
+                        <a:spcAft>
+                          <a:spcPts val="0"/>
+                        </a:spcAft>
+                        <a:buClr>
+                          <a:schemeClr val="dk1"/>
+                        </a:buClr>
+                        <a:buSzPts val="800"/>
+                        <a:buFont typeface="Arial"/>
+                        <a:buNone/>
+                      </a:pPr>
+                      <a:r>
+                        <a:rPr lang="en-MY" sz="800">
+                          <a:latin typeface="Arial"/>
+                          <a:ea typeface="Arial"/>
+                          <a:cs typeface="Arial"/>
+                          <a:sym typeface="Arial"/>
+                        </a:rPr>
+                        <a:t>follow up by UT, RT, or pit gauge as required.</a:t>
+                      </a:r>
+                      <a:endParaRPr sz="800">
+                        <a:latin typeface="Arial"/>
+                        <a:ea typeface="Arial"/>
+                        <a:cs typeface="Arial"/>
+                        <a:sym typeface="Arial"/>
+                      </a:endParaRPr>
+                    </a:p>
+                    <a:p>
+                      <a:pPr marL="0" marR="0" lvl="0" indent="0" algn="l" rtl="0">
+                        <a:spcBef>
+                          <a:spcPts val="800"/>
+                        </a:spcBef>
+                        <a:spcAft>
+                          <a:spcPts val="0"/>
+                        </a:spcAft>
+                        <a:buNone/>
+                      </a:pPr>
+                      <a:endParaRPr sz="800">
+                        <a:latin typeface="Arial"/>
+                        <a:ea typeface="Arial"/>
+                        <a:cs typeface="Arial"/>
+                        <a:sym typeface="Arial"/>
+                      </a:endParaRPr>
+                    </a:p>
+                  </a:txBody>
+                  <a:tcPr marL="91450" marR="91450" marT="45725" marB="45725">
+                    <a:lnL w="12700" cap="flat" cmpd="sng">
+                      <a:solidFill>
+                        <a:schemeClr val="dk1"/>
+                      </a:solidFill>
+                      <a:prstDash val="solid"/>
+                      <a:round/>
+                      <a:headEnd type="none" w="sm" len="sm"/>
+                      <a:tailEnd type="none" w="sm" len="sm"/>
+                    </a:lnL>
+                    <a:lnR w="12700" cap="flat" cmpd="sng">
+                      <a:solidFill>
+                        <a:schemeClr val="dk1"/>
+                      </a:solidFill>
+                      <a:prstDash val="solid"/>
+                      <a:round/>
+                      <a:headEnd type="none" w="sm" len="sm"/>
+                      <a:tailEnd type="none" w="sm" len="sm"/>
+                    </a:lnR>
+                    <a:lnT w="12700" cap="flat" cmpd="sng">
+                      <a:solidFill>
+                        <a:schemeClr val="dk1"/>
+                      </a:solidFill>
+                      <a:prstDash val="solid"/>
+                      <a:round/>
+                      <a:headEnd type="none" w="sm" len="sm"/>
+                      <a:tailEnd type="none" w="sm" len="sm"/>
+                    </a:lnT>
+                    <a:lnB w="12700" cap="flat" cmpd="sng">
+                      <a:solidFill>
+                        <a:schemeClr val="dk1"/>
+                      </a:solidFill>
+                      <a:prstDash val="solid"/>
+                      <a:round/>
+                      <a:headEnd type="none" w="sm" len="sm"/>
+                      <a:tailEnd type="none" w="sm" len="sm"/>
+                    </a:lnB>
+                  </a:tcPr>
+                </a:tc>
+                <a:tc>
+                  <a:txBody>
+                    <a:bodyPr/>
+                    <a:lstStyle/>
+                    <a:p>
+                      <a:pPr marL="0" marR="0" lvl="0" indent="0" algn="l" rtl="0">
+                        <a:lnSpc>
+                          <a:spcPct val="100000"/>
+                        </a:lnSpc>
+                        <a:spcBef>
+                          <a:spcPts val="0"/>
+                        </a:spcBef>
+                        <a:spcAft>
+                          <a:spcPts val="0"/>
+                        </a:spcAft>
+                        <a:buClr>
+                          <a:schemeClr val="dk1"/>
+                        </a:buClr>
+                        <a:buSzPts val="800"/>
+                        <a:buFont typeface="Arial"/>
+                        <a:buNone/>
+                      </a:pPr>
+                      <a:r>
+                        <a:rPr lang="en-MY" sz="800" u="none">
+                          <a:solidFill>
+                            <a:schemeClr val="dk1"/>
+                          </a:solidFill>
+                          <a:latin typeface="Arial"/>
+                          <a:ea typeface="Arial"/>
+                          <a:cs typeface="Arial"/>
+                          <a:sym typeface="Arial"/>
+                        </a:rPr>
+                        <a:t>Atmospheric Corrosion</a:t>
+                      </a:r>
+                      <a:endParaRPr sz="800" u="none">
+                        <a:solidFill>
+                          <a:schemeClr val="dk1"/>
+                        </a:solidFill>
+                        <a:latin typeface="Arial"/>
+                        <a:ea typeface="Arial"/>
+                        <a:cs typeface="Arial"/>
+                        <a:sym typeface="Arial"/>
+                      </a:endParaRPr>
+                    </a:p>
+                    <a:p>
+                      <a:pPr marL="0" marR="0" lvl="0" indent="0" algn="l" rtl="0">
+                        <a:lnSpc>
+                          <a:spcPct val="100000"/>
+                        </a:lnSpc>
+                        <a:spcBef>
+                          <a:spcPts val="0"/>
+                        </a:spcBef>
+                        <a:spcAft>
+                          <a:spcPts val="0"/>
+                        </a:spcAft>
+                        <a:buClr>
+                          <a:schemeClr val="dk1"/>
+                        </a:buClr>
+                        <a:buSzPts val="800"/>
+                        <a:buFont typeface="Arial"/>
+                        <a:buNone/>
+                      </a:pPr>
+                      <a:endParaRPr sz="800" b="0">
+                        <a:latin typeface="Arial"/>
+                        <a:ea typeface="Arial"/>
+                        <a:cs typeface="Arial"/>
+                        <a:sym typeface="Arial"/>
+                      </a:endParaRPr>
+                    </a:p>
+                  </a:txBody>
+                  <a:tcPr marL="91450" marR="91450" marT="45725" marB="45725">
+                    <a:lnL w="12700" cap="flat" cmpd="sng">
+                      <a:solidFill>
+                        <a:schemeClr val="dk1"/>
+                      </a:solidFill>
+                      <a:prstDash val="solid"/>
+                      <a:round/>
+                      <a:headEnd type="none" w="sm" len="sm"/>
+                      <a:tailEnd type="none" w="sm" len="sm"/>
+                    </a:lnL>
+                    <a:lnR w="12700" cap="flat" cmpd="sng">
+                      <a:solidFill>
+                        <a:schemeClr val="dk1"/>
+                      </a:solidFill>
+                      <a:prstDash val="solid"/>
+                      <a:round/>
+                      <a:headEnd type="none" w="sm" len="sm"/>
+                      <a:tailEnd type="none" w="sm" len="sm"/>
+                    </a:lnR>
+                    <a:lnT w="12700" cap="flat" cmpd="sng">
+                      <a:solidFill>
+                        <a:schemeClr val="dk1"/>
+                      </a:solidFill>
+                      <a:prstDash val="solid"/>
+                      <a:round/>
+                      <a:headEnd type="none" w="sm" len="sm"/>
+                      <a:tailEnd type="none" w="sm" len="sm"/>
+                    </a:lnT>
+                    <a:lnB w="12700" cap="flat" cmpd="sng">
+                      <a:solidFill>
+                        <a:schemeClr val="dk1"/>
+                      </a:solidFill>
+                      <a:prstDash val="solid"/>
+                      <a:round/>
+                      <a:headEnd type="none" w="sm" len="sm"/>
+                      <a:tailEnd type="none" w="sm" len="sm"/>
+                    </a:lnB>
+                  </a:tcPr>
+                </a:tc>
+                <a:extLst>
+                  <a:ext uri="{0D108BD9-81ED-4DB2-BD59-A6C34878D82A}">
+                    <a16:rowId xmlns:a16="http://schemas.microsoft.com/office/drawing/2014/main" val="10002"/>
+                  </a:ext>
+                </a:extLst>
+              </a:tr>
+            </a:tbl>
+          </a:graphicData>
+        </a:graphic>
+      </p:graphicFrame>
+    </p:spTree>
+  </p:cSld>
+  <p:clrMapOvr>
+    <a:masterClrMapping/>
+  </p:clrMapOvr>
+</p:sld>
+</file>
+
+<file path=ppt/slides/slide2.xml><?xml version="1.0" encoding="utf-8"?>
+<p:sld xmlns:a="http://schemas.openxmlformats.org/drawingml/2006/main" xmlns:p="http://schemas.openxmlformats.org/presentationml/2006/main" xmlns:r="http://schemas.openxmlformats.org/officeDocument/2006/relationships">
+  <p:cSld>
+    <p:spTree>
+      <p:nvGrpSpPr>
+        <p:cNvPr id="1" name=""/>
+        <p:cNvGrpSpPr/>
+        <p:nvPr/>
+      </p:nvGrpSpPr>
+      <p:grpSpPr/>
+      <p:graphicFrame>
+        <p:nvGraphicFramePr>
+          <p:cNvPr id="49" name="Google Shape;49;p1"/>
+          <p:cNvGraphicFramePr/>
+          <p:nvPr>
+            <p:extLst>
+              <p:ext uri="{D42A27DB-BD31-4B8C-83A1-F6EECF244321}">
+                <p14:modId xmlns:p14="http://schemas.microsoft.com/office/powerpoint/2010/main" val="797943614"/>
+              </p:ext>
+            </p:extLst>
+          </p:nvPr>
+        </p:nvGraphicFramePr>
+        <p:xfrm>
+          <a:off x="475862" y="897164"/>
+          <a:ext cx="9049125" cy="1554490"/>
+        </p:xfrm>
+        <a:graphic>
+          <a:graphicData uri="http://schemas.openxmlformats.org/drawingml/2006/table">
+            <a:tbl>
+              <a:tblPr firstRow="1" bandRow="1">
+                <a:noFill/>
+                <a:tableStyleId>{E763451D-8EB9-4A25-A082-BD28EEA32327}</a:tableStyleId>
+              </a:tblPr>
+              <a:tblGrid>
+                <a:gridCol w="1088975">
+                  <a:extLst>
+                    <a:ext uri="{9D8B030D-6E8A-4147-A177-3AD203B41FA5}">
+                      <a16:colId xmlns:a16="http://schemas.microsoft.com/office/drawing/2014/main" val="20000"/>
+                    </a:ext>
+                  </a:extLst>
+                </a:gridCol>
+                <a:gridCol w="843850">
+                  <a:extLst>
+                    <a:ext uri="{9D8B030D-6E8A-4147-A177-3AD203B41FA5}">
+                      <a16:colId xmlns:a16="http://schemas.microsoft.com/office/drawing/2014/main" val="20001"/>
+                    </a:ext>
+                  </a:extLst>
+                </a:gridCol>
+                <a:gridCol w="1020175">
+                  <a:extLst>
+                    <a:ext uri="{9D8B030D-6E8A-4147-A177-3AD203B41FA5}">
+                      <a16:colId xmlns:a16="http://schemas.microsoft.com/office/drawing/2014/main" val="20002"/>
+                    </a:ext>
+                  </a:extLst>
+                </a:gridCol>
+                <a:gridCol w="583250">
+                  <a:extLst>
+                    <a:ext uri="{9D8B030D-6E8A-4147-A177-3AD203B41FA5}">
+                      <a16:colId xmlns:a16="http://schemas.microsoft.com/office/drawing/2014/main" val="20003"/>
+                    </a:ext>
+                  </a:extLst>
+                </a:gridCol>
+                <a:gridCol w="710425">
+                  <a:extLst>
+                    <a:ext uri="{9D8B030D-6E8A-4147-A177-3AD203B41FA5}">
+                      <a16:colId xmlns:a16="http://schemas.microsoft.com/office/drawing/2014/main" val="20004"/>
+                    </a:ext>
+                  </a:extLst>
+                </a:gridCol>
+                <a:gridCol w="382850">
+                  <a:extLst>
+                    <a:ext uri="{9D8B030D-6E8A-4147-A177-3AD203B41FA5}">
+                      <a16:colId xmlns:a16="http://schemas.microsoft.com/office/drawing/2014/main" val="20005"/>
+                    </a:ext>
+                  </a:extLst>
+                </a:gridCol>
+                <a:gridCol w="803475">
+                  <a:extLst>
+                    <a:ext uri="{9D8B030D-6E8A-4147-A177-3AD203B41FA5}">
+                      <a16:colId xmlns:a16="http://schemas.microsoft.com/office/drawing/2014/main" val="20006"/>
+                    </a:ext>
+                  </a:extLst>
+                </a:gridCol>
+                <a:gridCol w="494625">
+                  <a:extLst>
+                    <a:ext uri="{9D8B030D-6E8A-4147-A177-3AD203B41FA5}">
+                      <a16:colId xmlns:a16="http://schemas.microsoft.com/office/drawing/2014/main" val="20007"/>
+                    </a:ext>
+                  </a:extLst>
+                </a:gridCol>
+                <a:gridCol w="609075">
+                  <a:extLst>
+                    <a:ext uri="{9D8B030D-6E8A-4147-A177-3AD203B41FA5}">
+                      <a16:colId xmlns:a16="http://schemas.microsoft.com/office/drawing/2014/main" val="20008"/>
+                    </a:ext>
+                  </a:extLst>
+                </a:gridCol>
+                <a:gridCol w="804525">
+                  <a:extLst>
+                    <a:ext uri="{9D8B030D-6E8A-4147-A177-3AD203B41FA5}">
+                      <a16:colId xmlns:a16="http://schemas.microsoft.com/office/drawing/2014/main" val="20009"/>
+                    </a:ext>
+                  </a:extLst>
+                </a:gridCol>
+                <a:gridCol w="1707900">
+                  <a:extLst>
+                    <a:ext uri="{9D8B030D-6E8A-4147-A177-3AD203B41FA5}">
+                      <a16:colId xmlns:a16="http://schemas.microsoft.com/office/drawing/2014/main" val="20010"/>
+                    </a:ext>
+                  </a:extLst>
+                </a:gridCol>
+              </a:tblGrid>
+              <a:tr h="0">
+                <a:tc rowSpan="2">
+                  <a:txBody>
+                    <a:bodyPr/>
+                    <a:lstStyle/>
+                    <a:p>
+                      <a:pPr marL="0" marR="0" lvl="0" indent="0" algn="ctr" rtl="0">
+                        <a:spcBef>
+                          <a:spcPts val="0"/>
+                        </a:spcBef>
+                        <a:spcAft>
+                          <a:spcPts val="0"/>
+                        </a:spcAft>
+                        <a:buNone/>
+                      </a:pPr>
+                      <a:r>
+                        <a:rPr lang="en-MY" sz="800" b="0" u="none" strike="noStrike" cap="none" dirty="0">
+                          <a:solidFill>
+                            <a:schemeClr val="dk1"/>
+                          </a:solidFill>
+                          <a:latin typeface="Arial"/>
+                          <a:ea typeface="Arial"/>
+                          <a:cs typeface="Arial"/>
+                          <a:sym typeface="Arial"/>
+                        </a:rPr>
+                        <a:t>FLUID</a:t>
+                      </a:r>
+                      <a:endParaRPr sz="800" b="0" u="none" strike="noStrike" cap="none" dirty="0">
+                        <a:solidFill>
+                          <a:schemeClr val="dk1"/>
+                        </a:solidFill>
+                        <a:latin typeface="Arial"/>
+                        <a:ea typeface="Arial"/>
+                        <a:cs typeface="Arial"/>
+                        <a:sym typeface="Arial"/>
+                      </a:endParaRPr>
+                    </a:p>
+                  </a:txBody>
+                  <a:tcPr marL="83125" marR="83125" marT="45725" marB="45725" anchor="ctr">
+                    <a:lnL w="9525" cap="flat" cmpd="sng">
+                      <a:solidFill>
+                        <a:schemeClr val="dk1"/>
+                      </a:solidFill>
+                      <a:prstDash val="solid"/>
+                      <a:round/>
+                      <a:headEnd type="none" w="sm" len="sm"/>
+                      <a:tailEnd type="none" w="sm" len="sm"/>
+                    </a:lnL>
+                    <a:lnR w="9525" cap="flat" cmpd="sng">
+                      <a:solidFill>
+                        <a:schemeClr val="dk1"/>
+                      </a:solidFill>
+                      <a:prstDash val="solid"/>
+                      <a:round/>
+                      <a:headEnd type="none" w="sm" len="sm"/>
+                      <a:tailEnd type="none" w="sm" len="sm"/>
+                    </a:lnR>
+                    <a:lnT w="9525" cap="flat" cmpd="sng">
+                      <a:solidFill>
+                        <a:schemeClr val="dk1"/>
+                      </a:solidFill>
+                      <a:prstDash val="solid"/>
+                      <a:round/>
+                      <a:headEnd type="none" w="sm" len="sm"/>
+                      <a:tailEnd type="none" w="sm" len="sm"/>
+                    </a:lnT>
+                    <a:lnB w="9525" cap="flat" cmpd="sng">
+                      <a:solidFill>
+                        <a:schemeClr val="dk1"/>
+                      </a:solidFill>
+                      <a:prstDash val="solid"/>
+                      <a:round/>
+                      <a:headEnd type="none" w="sm" len="sm"/>
+                      <a:tailEnd type="none" w="sm" len="sm"/>
+                    </a:lnB>
+                    <a:solidFill>
+                      <a:srgbClr val="D8D8D8"/>
+                    </a:solidFill>
+                  </a:tcPr>
+                </a:tc>
+                <a:tc rowSpan="2">
+                  <a:txBody>
+                    <a:bodyPr/>
+                    <a:lstStyle/>
+                    <a:p>
+                      <a:pPr marL="0" marR="0" lvl="0" indent="0" algn="ctr" rtl="0">
+                        <a:spcBef>
+                          <a:spcPts val="0"/>
+                        </a:spcBef>
+                        <a:spcAft>
+                          <a:spcPts val="0"/>
+                        </a:spcAft>
+                        <a:buNone/>
+                      </a:pPr>
+                      <a:r>
+                        <a:rPr lang="en-MY" sz="800" b="0" u="none" strike="noStrike" cap="none">
+                          <a:solidFill>
+                            <a:schemeClr val="dk1"/>
+                          </a:solidFill>
+                        </a:rPr>
+                        <a:t>                                        </a:t>
+                      </a:r>
+                      <a:endParaRPr sz="800" b="0" u="none" strike="noStrike" cap="none">
+                        <a:solidFill>
+                          <a:schemeClr val="dk1"/>
+                        </a:solidFill>
+                      </a:endParaRPr>
+                    </a:p>
+                    <a:p>
+                      <a:pPr marL="0" marR="0" lvl="0" indent="0" algn="ctr" rtl="0">
+                        <a:spcBef>
+                          <a:spcPts val="0"/>
+                        </a:spcBef>
+                        <a:spcAft>
+                          <a:spcPts val="0"/>
+                        </a:spcAft>
+                        <a:buNone/>
+                      </a:pPr>
+                      <a:r>
+                        <a:rPr lang="en-MY" sz="800" b="0" u="none" strike="noStrike" cap="none">
+                          <a:solidFill>
+                            <a:schemeClr val="dk1"/>
+                          </a:solidFill>
+                          <a:latin typeface="Arial"/>
+                          <a:ea typeface="Arial"/>
+                          <a:cs typeface="Arial"/>
+                          <a:sym typeface="Arial"/>
+                        </a:rPr>
+                        <a:t>COMPONENT</a:t>
+                      </a:r>
+                      <a:endParaRPr sz="800" b="0" u="none" strike="noStrike" cap="none">
+                        <a:solidFill>
+                          <a:schemeClr val="dk1"/>
+                        </a:solidFill>
+                        <a:latin typeface="Arial"/>
+                        <a:ea typeface="Arial"/>
+                        <a:cs typeface="Arial"/>
+                        <a:sym typeface="Arial"/>
+                      </a:endParaRPr>
+                    </a:p>
+                  </a:txBody>
+                  <a:tcPr marL="83125" marR="83125" marT="45725" marB="45725">
+                    <a:lnL w="9525" cap="flat" cmpd="sng">
+                      <a:solidFill>
+                        <a:schemeClr val="dk1"/>
+                      </a:solidFill>
+                      <a:prstDash val="solid"/>
+                      <a:round/>
+                      <a:headEnd type="none" w="sm" len="sm"/>
+                      <a:tailEnd type="none" w="sm" len="sm"/>
+                    </a:lnL>
+                    <a:lnR w="9525" cap="flat" cmpd="sng">
+                      <a:solidFill>
+                        <a:schemeClr val="dk1"/>
+                      </a:solidFill>
+                      <a:prstDash val="solid"/>
+                      <a:round/>
+                      <a:headEnd type="none" w="sm" len="sm"/>
+                      <a:tailEnd type="none" w="sm" len="sm"/>
+                    </a:lnR>
+                    <a:lnT w="9525" cap="flat" cmpd="sng">
+                      <a:solidFill>
+                        <a:schemeClr val="dk1"/>
+                      </a:solidFill>
+                      <a:prstDash val="solid"/>
+                      <a:round/>
+                      <a:headEnd type="none" w="sm" len="sm"/>
+                      <a:tailEnd type="none" w="sm" len="sm"/>
+                    </a:lnT>
+                    <a:lnB w="9525" cap="flat" cmpd="sng">
+                      <a:solidFill>
+                        <a:schemeClr val="dk1"/>
+                      </a:solidFill>
+                      <a:prstDash val="solid"/>
+                      <a:round/>
+                      <a:headEnd type="none" w="sm" len="sm"/>
+                      <a:tailEnd type="none" w="sm" len="sm"/>
+                    </a:lnB>
+                    <a:solidFill>
+                      <a:srgbClr val="D8D8D8"/>
+                    </a:solidFill>
+                  </a:tcPr>
+                </a:tc>
+                <a:tc rowSpan="2">
+                  <a:txBody>
+                    <a:bodyPr/>
+                    <a:lstStyle/>
+                    <a:p>
+                      <a:pPr marL="0" marR="0" lvl="0" indent="0" algn="ctr" rtl="0">
+                        <a:lnSpc>
+                          <a:spcPct val="100000"/>
+                        </a:lnSpc>
+                        <a:spcBef>
+                          <a:spcPts val="0"/>
+                        </a:spcBef>
+                        <a:spcAft>
+                          <a:spcPts val="0"/>
+                        </a:spcAft>
+                        <a:buClr>
+                          <a:schemeClr val="dk1"/>
+                        </a:buClr>
+                        <a:buSzPts val="800"/>
+                        <a:buFont typeface="Arial"/>
+                        <a:buNone/>
+                      </a:pPr>
+                      <a:endParaRPr sz="800" b="0" u="none" strike="noStrike" cap="none">
+                        <a:solidFill>
+                          <a:schemeClr val="dk1"/>
+                        </a:solidFill>
+                        <a:latin typeface="Arial"/>
+                        <a:ea typeface="Arial"/>
+                        <a:cs typeface="Arial"/>
+                        <a:sym typeface="Arial"/>
+                      </a:endParaRPr>
+                    </a:p>
+                    <a:p>
+                      <a:pPr marL="0" marR="0" lvl="0" indent="0" algn="ctr" rtl="0">
+                        <a:lnSpc>
+                          <a:spcPct val="100000"/>
+                        </a:lnSpc>
+                        <a:spcBef>
+                          <a:spcPts val="0"/>
+                        </a:spcBef>
+                        <a:spcAft>
+                          <a:spcPts val="0"/>
+                        </a:spcAft>
+                        <a:buClr>
+                          <a:schemeClr val="dk1"/>
+                        </a:buClr>
+                        <a:buSzPts val="800"/>
+                        <a:buFont typeface="Arial"/>
+                        <a:buNone/>
+                      </a:pPr>
+                      <a:r>
+                        <a:rPr lang="en-MY" sz="800" b="0" u="none" strike="noStrike" cap="none">
+                          <a:solidFill>
+                            <a:schemeClr val="dk1"/>
+                          </a:solidFill>
+                          <a:latin typeface="Arial"/>
+                          <a:ea typeface="Arial"/>
+                          <a:cs typeface="Arial"/>
+                          <a:sym typeface="Arial"/>
+                        </a:rPr>
+                        <a:t>DESIGN CODE</a:t>
+                      </a:r>
+                      <a:endParaRPr sz="800" b="0" u="none" strike="noStrike" cap="none">
+                        <a:solidFill>
+                          <a:schemeClr val="dk1"/>
+                        </a:solidFill>
+                        <a:latin typeface="Arial"/>
+                        <a:ea typeface="Arial"/>
+                        <a:cs typeface="Arial"/>
+                        <a:sym typeface="Arial"/>
+                      </a:endParaRPr>
+                    </a:p>
+                    <a:p>
+                      <a:pPr marL="0" marR="0" lvl="0" indent="0" algn="ctr" rtl="0">
+                        <a:spcBef>
+                          <a:spcPts val="0"/>
+                        </a:spcBef>
+                        <a:spcAft>
+                          <a:spcPts val="0"/>
+                        </a:spcAft>
+                        <a:buNone/>
+                      </a:pPr>
+                      <a:endParaRPr sz="800" b="0" u="none" strike="noStrike" cap="none">
+                        <a:solidFill>
+                          <a:schemeClr val="dk1"/>
+                        </a:solidFill>
+                        <a:latin typeface="Arial"/>
+                        <a:ea typeface="Arial"/>
+                        <a:cs typeface="Arial"/>
+                        <a:sym typeface="Arial"/>
+                      </a:endParaRPr>
+                    </a:p>
+                  </a:txBody>
+                  <a:tcPr marL="83125" marR="83125" marT="45725" marB="45725">
+                    <a:lnL w="9525" cap="flat" cmpd="sng">
+                      <a:solidFill>
+                        <a:schemeClr val="dk1"/>
+                      </a:solidFill>
+                      <a:prstDash val="solid"/>
+                      <a:round/>
+                      <a:headEnd type="none" w="sm" len="sm"/>
+                      <a:tailEnd type="none" w="sm" len="sm"/>
+                    </a:lnL>
+                    <a:lnR w="9525" cap="flat" cmpd="sng">
+                      <a:solidFill>
+                        <a:schemeClr val="dk1"/>
+                      </a:solidFill>
+                      <a:prstDash val="solid"/>
+                      <a:round/>
+                      <a:headEnd type="none" w="sm" len="sm"/>
+                      <a:tailEnd type="none" w="sm" len="sm"/>
+                    </a:lnR>
+                    <a:lnT w="9525" cap="flat" cmpd="sng">
+                      <a:solidFill>
+                        <a:schemeClr val="dk1"/>
+                      </a:solidFill>
+                      <a:prstDash val="solid"/>
+                      <a:round/>
+                      <a:headEnd type="none" w="sm" len="sm"/>
+                      <a:tailEnd type="none" w="sm" len="sm"/>
+                    </a:lnT>
+                    <a:lnB w="9525" cap="flat" cmpd="sng">
+                      <a:solidFill>
+                        <a:schemeClr val="dk1"/>
+                      </a:solidFill>
+                      <a:prstDash val="solid"/>
+                      <a:round/>
+                      <a:headEnd type="none" w="sm" len="sm"/>
+                      <a:tailEnd type="none" w="sm" len="sm"/>
+                    </a:lnB>
+                    <a:solidFill>
+                      <a:srgbClr val="D8D8D8"/>
+                    </a:solidFill>
+                  </a:tcPr>
+                </a:tc>
+                <a:tc gridSpan="3">
+                  <a:txBody>
+                    <a:bodyPr/>
+                    <a:lstStyle/>
+                    <a:p>
+                      <a:pPr marL="0" marR="0" lvl="0" indent="0" algn="l" rtl="0">
+                        <a:spcBef>
+                          <a:spcPts val="0"/>
+                        </a:spcBef>
+                        <a:spcAft>
+                          <a:spcPts val="0"/>
+                        </a:spcAft>
+                        <a:buNone/>
+                      </a:pPr>
+                      <a:r>
+                        <a:rPr lang="en-MY" sz="800" u="none" strike="noStrike" cap="none"/>
+                        <a:t>                 MATERIAL </a:t>
+                      </a:r>
+                      <a:endParaRPr sz="800"/>
+                    </a:p>
+                  </a:txBody>
+                  <a:tcPr marL="83125" marR="83125" marT="45725" marB="45725">
+                    <a:lnL w="9525" cap="flat" cmpd="sng">
+                      <a:solidFill>
+                        <a:schemeClr val="dk1"/>
+                      </a:solidFill>
+                      <a:prstDash val="solid"/>
+                      <a:round/>
+                      <a:headEnd type="none" w="sm" len="sm"/>
+                      <a:tailEnd type="none" w="sm" len="sm"/>
+                    </a:lnL>
+                    <a:lnR w="9525" cap="flat" cmpd="sng">
+                      <a:solidFill>
+                        <a:schemeClr val="dk1"/>
+                      </a:solidFill>
+                      <a:prstDash val="solid"/>
+                      <a:round/>
+                      <a:headEnd type="none" w="sm" len="sm"/>
+                      <a:tailEnd type="none" w="sm" len="sm"/>
+                    </a:lnR>
+                    <a:lnT w="9525" cap="flat" cmpd="sng">
+                      <a:solidFill>
+                        <a:schemeClr val="dk1"/>
+                      </a:solidFill>
+                      <a:prstDash val="solid"/>
+                      <a:round/>
+                      <a:headEnd type="none" w="sm" len="sm"/>
+                      <a:tailEnd type="none" w="sm" len="sm"/>
+                    </a:lnT>
+                    <a:lnB w="9525" cap="flat" cmpd="sng">
+                      <a:solidFill>
+                        <a:schemeClr val="dk1"/>
+                      </a:solidFill>
+                      <a:prstDash val="solid"/>
+                      <a:round/>
+                      <a:headEnd type="none" w="sm" len="sm"/>
+                      <a:tailEnd type="none" w="sm" len="sm"/>
+                    </a:lnB>
+                    <a:solidFill>
+                      <a:srgbClr val="D8D8D8"/>
+                    </a:solidFill>
+                  </a:tcPr>
+                </a:tc>
+                <a:tc hMerge="1">
+                  <a:txBody>
+                    <a:bodyPr/>
+                    <a:lstStyle/>
+                    <a:p>
+                      <a:endParaRPr lang="en-US"/>
+                    </a:p>
+                  </a:txBody>
+                  <a:tcPr/>
+                </a:tc>
+                <a:tc hMerge="1">
+                  <a:txBody>
+                    <a:bodyPr/>
+                    <a:lstStyle/>
+                    <a:p>
+                      <a:endParaRPr lang="en-US"/>
+                    </a:p>
+                  </a:txBody>
+                  <a:tcPr/>
+                </a:tc>
+                <a:tc rowSpan="2">
+                  <a:txBody>
+                    <a:bodyPr/>
+                    <a:lstStyle/>
+                    <a:p>
+                      <a:pPr marL="0" marR="0" lvl="0" indent="0" algn="ctr" rtl="0">
+                        <a:spcBef>
+                          <a:spcPts val="0"/>
+                        </a:spcBef>
+                        <a:spcAft>
+                          <a:spcPts val="0"/>
+                        </a:spcAft>
+                        <a:buNone/>
+                      </a:pPr>
+                      <a:r>
+                        <a:rPr lang="en-MY" sz="800" b="0">
+                          <a:solidFill>
+                            <a:schemeClr val="dk1"/>
+                          </a:solidFill>
+                          <a:latin typeface="Arial"/>
+                          <a:ea typeface="Arial"/>
+                          <a:cs typeface="Arial"/>
+                          <a:sym typeface="Arial"/>
+                        </a:rPr>
+                        <a:t>INSULATED</a:t>
+                      </a:r>
+                      <a:endParaRPr sz="800" b="0">
+                        <a:solidFill>
+                          <a:schemeClr val="dk1"/>
+                        </a:solidFill>
+                        <a:latin typeface="Arial"/>
+                        <a:ea typeface="Arial"/>
+                        <a:cs typeface="Arial"/>
+                        <a:sym typeface="Arial"/>
+                      </a:endParaRPr>
+                    </a:p>
+                    <a:p>
+                      <a:pPr marL="0" marR="0" lvl="0" indent="0" algn="ctr" rtl="0">
+                        <a:spcBef>
+                          <a:spcPts val="0"/>
+                        </a:spcBef>
+                        <a:spcAft>
+                          <a:spcPts val="0"/>
+                        </a:spcAft>
+                        <a:buNone/>
+                      </a:pPr>
+                      <a:r>
+                        <a:rPr lang="en-MY" sz="800" b="0">
+                          <a:solidFill>
+                            <a:schemeClr val="dk1"/>
+                          </a:solidFill>
+                          <a:latin typeface="Arial"/>
+                          <a:ea typeface="Arial"/>
+                          <a:cs typeface="Arial"/>
+                          <a:sym typeface="Arial"/>
+                        </a:rPr>
+                        <a:t>(Y/N)</a:t>
+                      </a:r>
+                      <a:endParaRPr sz="800" b="0">
+                        <a:solidFill>
+                          <a:schemeClr val="dk1"/>
+                        </a:solidFill>
+                        <a:latin typeface="Arial"/>
+                        <a:ea typeface="Arial"/>
+                        <a:cs typeface="Arial"/>
+                        <a:sym typeface="Arial"/>
+                      </a:endParaRPr>
+                    </a:p>
+                  </a:txBody>
+                  <a:tcPr marL="83125" marR="83125" marT="45725" marB="45725" anchor="ctr">
+                    <a:lnL w="9525" cap="flat" cmpd="sng">
+                      <a:solidFill>
+                        <a:schemeClr val="dk1"/>
+                      </a:solidFill>
+                      <a:prstDash val="solid"/>
+                      <a:round/>
+                      <a:headEnd type="none" w="sm" len="sm"/>
+                      <a:tailEnd type="none" w="sm" len="sm"/>
+                    </a:lnL>
+                    <a:lnR w="9525" cap="flat" cmpd="sng">
+                      <a:solidFill>
+                        <a:schemeClr val="dk1"/>
+                      </a:solidFill>
+                      <a:prstDash val="solid"/>
+                      <a:round/>
+                      <a:headEnd type="none" w="sm" len="sm"/>
+                      <a:tailEnd type="none" w="sm" len="sm"/>
+                    </a:lnR>
+                    <a:lnT w="9525" cap="flat" cmpd="sng">
+                      <a:solidFill>
+                        <a:schemeClr val="dk1"/>
+                      </a:solidFill>
+                      <a:prstDash val="solid"/>
+                      <a:round/>
+                      <a:headEnd type="none" w="sm" len="sm"/>
+                      <a:tailEnd type="none" w="sm" len="sm"/>
+                    </a:lnT>
+                    <a:lnB w="9525" cap="flat" cmpd="sng">
+                      <a:solidFill>
+                        <a:schemeClr val="dk1"/>
+                      </a:solidFill>
+                      <a:prstDash val="solid"/>
+                      <a:round/>
+                      <a:headEnd type="none" w="sm" len="sm"/>
+                      <a:tailEnd type="none" w="sm" len="sm"/>
+                    </a:lnB>
+                    <a:solidFill>
+                      <a:srgbClr val="D8D8D8"/>
+                    </a:solidFill>
+                  </a:tcPr>
+                </a:tc>
+                <a:tc gridSpan="2">
+                  <a:txBody>
+                    <a:bodyPr/>
+                    <a:lstStyle/>
+                    <a:p>
+                      <a:pPr marL="0" marR="0" lvl="0" indent="0" algn="ctr" rtl="0">
+                        <a:spcBef>
+                          <a:spcPts val="0"/>
+                        </a:spcBef>
+                        <a:spcAft>
+                          <a:spcPts val="0"/>
+                        </a:spcAft>
+                        <a:buNone/>
+                      </a:pPr>
+                      <a:r>
+                        <a:rPr lang="en-MY" sz="800" b="0">
+                          <a:solidFill>
+                            <a:schemeClr val="dk1"/>
+                          </a:solidFill>
+                        </a:rPr>
+                        <a:t>OP. PARAMETER</a:t>
+                      </a:r>
+                      <a:endParaRPr sz="800" b="0">
+                        <a:solidFill>
+                          <a:schemeClr val="dk1"/>
+                        </a:solidFill>
+                        <a:latin typeface="Arial"/>
+                        <a:ea typeface="Arial"/>
+                        <a:cs typeface="Arial"/>
+                        <a:sym typeface="Arial"/>
+                      </a:endParaRPr>
+                    </a:p>
+                  </a:txBody>
+                  <a:tcPr marL="83125" marR="83125" marT="45725" marB="45725">
+                    <a:lnL w="9525" cap="flat" cmpd="sng">
+                      <a:solidFill>
+                        <a:schemeClr val="dk1"/>
+                      </a:solidFill>
+                      <a:prstDash val="solid"/>
+                      <a:round/>
+                      <a:headEnd type="none" w="sm" len="sm"/>
+                      <a:tailEnd type="none" w="sm" len="sm"/>
+                    </a:lnL>
+                    <a:lnR w="9525" cap="flat" cmpd="sng">
+                      <a:solidFill>
+                        <a:schemeClr val="dk1"/>
+                      </a:solidFill>
+                      <a:prstDash val="solid"/>
+                      <a:round/>
+                      <a:headEnd type="none" w="sm" len="sm"/>
+                      <a:tailEnd type="none" w="sm" len="sm"/>
+                    </a:lnR>
+                    <a:lnT w="9525" cap="flat" cmpd="sng">
+                      <a:solidFill>
+                        <a:schemeClr val="dk1"/>
+                      </a:solidFill>
+                      <a:prstDash val="solid"/>
+                      <a:round/>
+                      <a:headEnd type="none" w="sm" len="sm"/>
+                      <a:tailEnd type="none" w="sm" len="sm"/>
+                    </a:lnT>
+                    <a:lnB w="9525" cap="flat" cmpd="sng">
+                      <a:solidFill>
+                        <a:schemeClr val="dk1"/>
+                      </a:solidFill>
+                      <a:prstDash val="solid"/>
+                      <a:round/>
+                      <a:headEnd type="none" w="sm" len="sm"/>
+                      <a:tailEnd type="none" w="sm" len="sm"/>
+                    </a:lnB>
+                    <a:solidFill>
+                      <a:srgbClr val="D8D8D8"/>
+                    </a:solidFill>
+                  </a:tcPr>
+                </a:tc>
+                <a:tc hMerge="1">
+                  <a:txBody>
+                    <a:bodyPr/>
+                    <a:lstStyle/>
+                    <a:p>
+                      <a:endParaRPr lang="en-US"/>
+                    </a:p>
+                  </a:txBody>
+                  <a:tcPr/>
+                </a:tc>
+                <a:tc rowSpan="2">
+                  <a:txBody>
+                    <a:bodyPr/>
+                    <a:lstStyle/>
+                    <a:p>
+                      <a:pPr marL="0" marR="0" lvl="0" indent="0" algn="ctr" rtl="0">
+                        <a:spcBef>
+                          <a:spcPts val="0"/>
+                        </a:spcBef>
+                        <a:spcAft>
+                          <a:spcPts val="0"/>
+                        </a:spcAft>
+                        <a:buNone/>
+                      </a:pPr>
+                      <a:endParaRPr sz="800" b="0">
+                        <a:solidFill>
+                          <a:schemeClr val="dk1"/>
+                        </a:solidFill>
+                        <a:latin typeface="Arial"/>
+                        <a:ea typeface="Arial"/>
+                        <a:cs typeface="Arial"/>
+                        <a:sym typeface="Arial"/>
+                      </a:endParaRPr>
+                    </a:p>
+                    <a:p>
+                      <a:pPr marL="0" marR="0" lvl="0" indent="0" algn="ctr" rtl="0">
+                        <a:spcBef>
+                          <a:spcPts val="0"/>
+                        </a:spcBef>
+                        <a:spcAft>
+                          <a:spcPts val="0"/>
+                        </a:spcAft>
+                        <a:buNone/>
+                      </a:pPr>
+                      <a:r>
+                        <a:rPr lang="en-MY" sz="800" b="0">
+                          <a:solidFill>
+                            <a:schemeClr val="dk1"/>
+                          </a:solidFill>
+                          <a:latin typeface="Arial"/>
+                          <a:ea typeface="Arial"/>
+                          <a:cs typeface="Arial"/>
+                          <a:sym typeface="Arial"/>
+                        </a:rPr>
+                        <a:t>CURRENT RISK RATING</a:t>
+                      </a:r>
+                      <a:endParaRPr sz="800" b="0">
+                        <a:solidFill>
+                          <a:schemeClr val="dk1"/>
+                        </a:solidFill>
+                        <a:latin typeface="Arial"/>
+                        <a:ea typeface="Arial"/>
+                        <a:cs typeface="Arial"/>
+                        <a:sym typeface="Arial"/>
+                      </a:endParaRPr>
+                    </a:p>
+                  </a:txBody>
+                  <a:tcPr marL="83125" marR="83125" marT="45725" marB="45725">
+                    <a:lnL w="9525" cap="flat" cmpd="sng">
+                      <a:solidFill>
+                        <a:schemeClr val="dk1"/>
+                      </a:solidFill>
+                      <a:prstDash val="solid"/>
+                      <a:round/>
+                      <a:headEnd type="none" w="sm" len="sm"/>
+                      <a:tailEnd type="none" w="sm" len="sm"/>
+                    </a:lnL>
+                    <a:lnR w="9525" cap="flat" cmpd="sng">
+                      <a:solidFill>
+                        <a:schemeClr val="dk1"/>
+                      </a:solidFill>
+                      <a:prstDash val="solid"/>
+                      <a:round/>
+                      <a:headEnd type="none" w="sm" len="sm"/>
+                      <a:tailEnd type="none" w="sm" len="sm"/>
+                    </a:lnR>
+                    <a:lnT w="9525" cap="flat" cmpd="sng">
+                      <a:solidFill>
+                        <a:schemeClr val="dk1"/>
+                      </a:solidFill>
+                      <a:prstDash val="solid"/>
+                      <a:round/>
+                      <a:headEnd type="none" w="sm" len="sm"/>
+                      <a:tailEnd type="none" w="sm" len="sm"/>
+                    </a:lnT>
+                    <a:lnB w="9525" cap="flat" cmpd="sng">
+                      <a:solidFill>
+                        <a:schemeClr val="dk1"/>
+                      </a:solidFill>
+                      <a:prstDash val="solid"/>
+                      <a:round/>
+                      <a:headEnd type="none" w="sm" len="sm"/>
+                      <a:tailEnd type="none" w="sm" len="sm"/>
+                    </a:lnB>
+                    <a:solidFill>
+                      <a:srgbClr val="D8D8D8"/>
+                    </a:solidFill>
+                  </a:tcPr>
+                </a:tc>
+                <a:tc rowSpan="5">
+                  <a:txBody>
+                    <a:bodyPr/>
+                    <a:lstStyle/>
+                    <a:p>
+                      <a:pPr marL="0" marR="0" lvl="0" indent="0" algn="l" rtl="0">
+                        <a:spcBef>
+                          <a:spcPts val="0"/>
+                        </a:spcBef>
+                        <a:spcAft>
+                          <a:spcPts val="0"/>
+                        </a:spcAft>
+                        <a:buNone/>
+                      </a:pPr>
+                      <a:r>
+                        <a:rPr lang="en-MY" sz="800">
+                          <a:solidFill>
+                            <a:schemeClr val="dk1"/>
+                          </a:solidFill>
+                          <a:latin typeface="Arial"/>
+                          <a:ea typeface="Arial"/>
+                          <a:cs typeface="Arial"/>
+                          <a:sym typeface="Arial"/>
+                        </a:rPr>
+                        <a:t>Corrosion Group : </a:t>
+                      </a:r>
+                      <a:endParaRPr sz="800">
+                        <a:solidFill>
+                          <a:schemeClr val="dk1"/>
+                        </a:solidFill>
+                        <a:latin typeface="Arial"/>
+                        <a:ea typeface="Arial"/>
+                        <a:cs typeface="Arial"/>
+                        <a:sym typeface="Arial"/>
+                      </a:endParaRPr>
+                    </a:p>
+                    <a:p>
+                      <a:pPr marL="0" marR="0" lvl="0" indent="0" algn="l" rtl="0">
+                        <a:spcBef>
+                          <a:spcPts val="0"/>
+                        </a:spcBef>
+                        <a:spcAft>
+                          <a:spcPts val="0"/>
+                        </a:spcAft>
+                        <a:buNone/>
+                      </a:pPr>
+                      <a:r>
+                        <a:rPr lang="en-MY" sz="800" u="sng">
+                          <a:solidFill>
+                            <a:schemeClr val="dk1"/>
+                          </a:solidFill>
+                          <a:latin typeface="Arial"/>
+                          <a:ea typeface="Arial"/>
+                          <a:cs typeface="Arial"/>
+                          <a:sym typeface="Arial"/>
+                        </a:rPr>
+                        <a:t>Damage Mechanism Susceptible:</a:t>
+                      </a:r>
+                      <a:endParaRPr sz="800" u="sng">
+                        <a:solidFill>
+                          <a:schemeClr val="dk1"/>
+                        </a:solidFill>
+                        <a:latin typeface="Arial"/>
+                        <a:ea typeface="Arial"/>
+                        <a:cs typeface="Arial"/>
+                        <a:sym typeface="Arial"/>
+                      </a:endParaRPr>
+                    </a:p>
+                    <a:p>
+                      <a:pPr marL="0" marR="0" lvl="0" indent="0" algn="l" rtl="0">
+                        <a:spcBef>
+                          <a:spcPts val="0"/>
+                        </a:spcBef>
+                        <a:spcAft>
+                          <a:spcPts val="0"/>
+                        </a:spcAft>
+                        <a:buNone/>
+                      </a:pPr>
+                      <a:endParaRPr sz="800" u="sng">
+                        <a:solidFill>
+                          <a:schemeClr val="dk1"/>
+                        </a:solidFill>
+                        <a:latin typeface="Arial"/>
+                        <a:ea typeface="Arial"/>
+                        <a:cs typeface="Arial"/>
+                        <a:sym typeface="Arial"/>
+                      </a:endParaRPr>
+                    </a:p>
+                    <a:p>
+                      <a:pPr marL="0" marR="0" lvl="0" indent="0" algn="l" rtl="0">
+                        <a:spcBef>
+                          <a:spcPts val="0"/>
+                        </a:spcBef>
+                        <a:spcAft>
+                          <a:spcPts val="0"/>
+                        </a:spcAft>
+                        <a:buNone/>
+                      </a:pPr>
+                      <a:endParaRPr sz="800" u="sng">
+                        <a:solidFill>
+                          <a:schemeClr val="dk1"/>
+                        </a:solidFill>
+                        <a:latin typeface="Arial"/>
+                        <a:ea typeface="Arial"/>
+                        <a:cs typeface="Arial"/>
+                        <a:sym typeface="Arial"/>
+                      </a:endParaRPr>
+                    </a:p>
+                    <a:p>
+                      <a:pPr marL="0" marR="0" lvl="0" indent="0" algn="l" rtl="0">
+                        <a:spcBef>
+                          <a:spcPts val="0"/>
+                        </a:spcBef>
+                        <a:spcAft>
+                          <a:spcPts val="0"/>
+                        </a:spcAft>
+                        <a:buNone/>
+                      </a:pPr>
+                      <a:r>
+                        <a:rPr lang="en-MY" sz="800" u="none">
+                          <a:solidFill>
+                            <a:srgbClr val="0070C0"/>
+                          </a:solidFill>
+                          <a:latin typeface="Arial"/>
+                          <a:ea typeface="Arial"/>
+                          <a:cs typeface="Arial"/>
+                          <a:sym typeface="Arial"/>
+                        </a:rPr>
+                        <a:t>Internal Shell</a:t>
+                      </a:r>
+                      <a:endParaRPr sz="800" u="none">
+                        <a:solidFill>
+                          <a:srgbClr val="0070C0"/>
+                        </a:solidFill>
+                        <a:latin typeface="Arial"/>
+                        <a:ea typeface="Arial"/>
+                        <a:cs typeface="Arial"/>
+                        <a:sym typeface="Arial"/>
+                      </a:endParaRPr>
+                    </a:p>
+                    <a:p>
+                      <a:pPr marL="171450" marR="0" lvl="0" indent="-171450" algn="l" rtl="0">
+                        <a:spcBef>
+                          <a:spcPts val="0"/>
+                        </a:spcBef>
+                        <a:spcAft>
+                          <a:spcPts val="0"/>
+                        </a:spcAft>
+                        <a:buClr>
+                          <a:schemeClr val="dk1"/>
+                        </a:buClr>
+                        <a:buSzPts val="800"/>
+                        <a:buFont typeface="Arial"/>
+                        <a:buChar char="•"/>
+                      </a:pPr>
+                      <a:r>
+                        <a:rPr lang="en-MY" sz="800" u="none">
+                          <a:solidFill>
+                            <a:schemeClr val="dk1"/>
+                          </a:solidFill>
+                          <a:latin typeface="Arial"/>
+                          <a:ea typeface="Arial"/>
+                          <a:cs typeface="Arial"/>
+                          <a:sym typeface="Arial"/>
+                        </a:rPr>
+                        <a:t>General Corrosion</a:t>
+                      </a:r>
+                      <a:endParaRPr sz="800" u="none">
+                        <a:solidFill>
+                          <a:schemeClr val="dk1"/>
+                        </a:solidFill>
+                        <a:latin typeface="Arial"/>
+                        <a:ea typeface="Arial"/>
+                        <a:cs typeface="Arial"/>
+                        <a:sym typeface="Arial"/>
+                      </a:endParaRPr>
+                    </a:p>
+                    <a:p>
+                      <a:pPr marL="0" marR="0" lvl="0" indent="0" algn="l" rtl="0">
+                        <a:spcBef>
+                          <a:spcPts val="0"/>
+                        </a:spcBef>
+                        <a:spcAft>
+                          <a:spcPts val="0"/>
+                        </a:spcAft>
+                        <a:buClr>
+                          <a:schemeClr val="dk1"/>
+                        </a:buClr>
+                        <a:buSzPts val="800"/>
+                        <a:buFont typeface="Arial"/>
+                        <a:buNone/>
+                      </a:pPr>
+                      <a:endParaRPr sz="800" u="none">
+                        <a:solidFill>
+                          <a:schemeClr val="dk1"/>
+                        </a:solidFill>
+                        <a:latin typeface="Arial"/>
+                        <a:ea typeface="Arial"/>
+                        <a:cs typeface="Arial"/>
+                        <a:sym typeface="Arial"/>
+                      </a:endParaRPr>
+                    </a:p>
+                    <a:p>
+                      <a:pPr marL="0" marR="0" lvl="0" indent="0" algn="l" rtl="0">
+                        <a:spcBef>
+                          <a:spcPts val="0"/>
+                        </a:spcBef>
+                        <a:spcAft>
+                          <a:spcPts val="0"/>
+                        </a:spcAft>
+                        <a:buNone/>
+                      </a:pPr>
+                      <a:endParaRPr sz="800" u="none">
+                        <a:solidFill>
+                          <a:srgbClr val="7F7F7F"/>
+                        </a:solidFill>
+                        <a:latin typeface="Arial"/>
+                        <a:ea typeface="Arial"/>
+                        <a:cs typeface="Arial"/>
+                        <a:sym typeface="Arial"/>
+                      </a:endParaRPr>
+                    </a:p>
+                    <a:p>
+                      <a:pPr marL="0" marR="0" lvl="0" indent="0" algn="l" rtl="0">
+                        <a:spcBef>
+                          <a:spcPts val="0"/>
+                        </a:spcBef>
+                        <a:spcAft>
+                          <a:spcPts val="0"/>
+                        </a:spcAft>
+                        <a:buNone/>
+                      </a:pPr>
+                      <a:r>
+                        <a:rPr lang="en-MY" sz="800" u="none">
+                          <a:solidFill>
+                            <a:srgbClr val="0070C0"/>
+                          </a:solidFill>
+                          <a:latin typeface="Arial"/>
+                          <a:ea typeface="Arial"/>
+                          <a:cs typeface="Arial"/>
+                          <a:sym typeface="Arial"/>
+                        </a:rPr>
+                        <a:t>External </a:t>
+                      </a:r>
+                      <a:endParaRPr sz="800" u="none">
+                        <a:solidFill>
+                          <a:srgbClr val="0070C0"/>
+                        </a:solidFill>
+                        <a:latin typeface="Arial"/>
+                        <a:ea typeface="Arial"/>
+                        <a:cs typeface="Arial"/>
+                        <a:sym typeface="Arial"/>
+                      </a:endParaRPr>
+                    </a:p>
+                    <a:p>
+                      <a:pPr marL="171450" marR="0" lvl="0" indent="-171450" algn="l" rtl="0">
+                        <a:lnSpc>
+                          <a:spcPct val="100000"/>
+                        </a:lnSpc>
+                        <a:spcBef>
+                          <a:spcPts val="0"/>
+                        </a:spcBef>
+                        <a:spcAft>
+                          <a:spcPts val="0"/>
+                        </a:spcAft>
+                        <a:buClr>
+                          <a:schemeClr val="dk1"/>
+                        </a:buClr>
+                        <a:buSzPts val="800"/>
+                        <a:buFont typeface="Arial"/>
+                        <a:buChar char="•"/>
+                      </a:pPr>
+                      <a:r>
+                        <a:rPr lang="en-MY" sz="800" u="none">
+                          <a:solidFill>
+                            <a:schemeClr val="dk1"/>
+                          </a:solidFill>
+                          <a:latin typeface="Arial"/>
+                          <a:ea typeface="Arial"/>
+                          <a:cs typeface="Arial"/>
+                          <a:sym typeface="Arial"/>
+                        </a:rPr>
+                        <a:t>ATMOSPHERIC CORROSION</a:t>
+                      </a:r>
+                      <a:endParaRPr sz="800" u="none">
+                        <a:solidFill>
+                          <a:schemeClr val="dk1"/>
+                        </a:solidFill>
+                        <a:latin typeface="Arial"/>
+                        <a:ea typeface="Arial"/>
+                        <a:cs typeface="Arial"/>
+                        <a:sym typeface="Arial"/>
+                      </a:endParaRPr>
+                    </a:p>
+                    <a:p>
+                      <a:pPr marL="0" marR="0" lvl="0" indent="0" algn="l" rtl="0">
+                        <a:lnSpc>
+                          <a:spcPct val="100000"/>
+                        </a:lnSpc>
+                        <a:spcBef>
+                          <a:spcPts val="0"/>
+                        </a:spcBef>
+                        <a:spcAft>
+                          <a:spcPts val="0"/>
+                        </a:spcAft>
+                        <a:buClr>
+                          <a:schemeClr val="dk1"/>
+                        </a:buClr>
+                        <a:buSzPts val="800"/>
+                        <a:buFont typeface="Arial"/>
+                        <a:buNone/>
+                      </a:pPr>
+                      <a:endParaRPr sz="800" u="none">
+                        <a:solidFill>
+                          <a:schemeClr val="dk1"/>
+                        </a:solidFill>
+                        <a:latin typeface="Arial"/>
+                        <a:ea typeface="Arial"/>
+                        <a:cs typeface="Arial"/>
+                        <a:sym typeface="Arial"/>
+                      </a:endParaRPr>
+                    </a:p>
+                  </a:txBody>
+                  <a:tcPr marL="83125" marR="83125" marT="45725" marB="45725">
+                    <a:lnL w="9525" cap="flat" cmpd="sng">
+                      <a:solidFill>
+                        <a:schemeClr val="dk1"/>
+                      </a:solidFill>
+                      <a:prstDash val="solid"/>
+                      <a:round/>
+                      <a:headEnd type="none" w="sm" len="sm"/>
+                      <a:tailEnd type="none" w="sm" len="sm"/>
+                    </a:lnL>
+                    <a:lnR w="9525" cap="flat" cmpd="sng">
+                      <a:solidFill>
+                        <a:schemeClr val="dk1"/>
+                      </a:solidFill>
+                      <a:prstDash val="solid"/>
+                      <a:round/>
+                      <a:headEnd type="none" w="sm" len="sm"/>
+                      <a:tailEnd type="none" w="sm" len="sm"/>
+                    </a:lnR>
+                    <a:lnT w="9525" cap="flat" cmpd="sng">
+                      <a:solidFill>
+                        <a:schemeClr val="dk1"/>
+                      </a:solidFill>
+                      <a:prstDash val="solid"/>
+                      <a:round/>
+                      <a:headEnd type="none" w="sm" len="sm"/>
+                      <a:tailEnd type="none" w="sm" len="sm"/>
+                    </a:lnT>
+                    <a:lnB w="9525" cap="flat" cmpd="sng">
+                      <a:solidFill>
+                        <a:schemeClr val="dk1"/>
+                      </a:solidFill>
+                      <a:prstDash val="solid"/>
+                      <a:round/>
+                      <a:headEnd type="none" w="sm" len="sm"/>
+                      <a:tailEnd type="none" w="sm" len="sm"/>
+                    </a:lnB>
+                    <a:solidFill>
+                      <a:srgbClr val="FFFF99"/>
+                    </a:solidFill>
+                  </a:tcPr>
+                </a:tc>
+                <a:extLst>
+                  <a:ext uri="{0D108BD9-81ED-4DB2-BD59-A6C34878D82A}">
+                    <a16:rowId xmlns:a16="http://schemas.microsoft.com/office/drawing/2014/main" val="10000"/>
+                  </a:ext>
+                </a:extLst>
+              </a:tr>
+              <a:tr h="333000">
+                <a:tc vMerge="1">
+                  <a:txBody>
+                    <a:bodyPr/>
+                    <a:lstStyle/>
+                    <a:p>
+                      <a:endParaRPr lang="en-US"/>
+                    </a:p>
+                  </a:txBody>
+                  <a:tcPr/>
+                </a:tc>
+                <a:tc vMerge="1">
+                  <a:txBody>
+                    <a:bodyPr/>
+                    <a:lstStyle/>
+                    <a:p>
+                      <a:endParaRPr lang="en-US"/>
+                    </a:p>
+                  </a:txBody>
+                  <a:tcPr/>
+                </a:tc>
+                <a:tc vMerge="1">
+                  <a:txBody>
+                    <a:bodyPr/>
+                    <a:lstStyle/>
+                    <a:p>
+                      <a:endParaRPr lang="en-US"/>
+                    </a:p>
+                  </a:txBody>
+                  <a:tcPr/>
+                </a:tc>
+                <a:tc>
+                  <a:txBody>
+                    <a:bodyPr/>
+                    <a:lstStyle/>
+                    <a:p>
+                      <a:pPr marL="0" marR="0" lvl="0" indent="0" algn="ctr" rtl="0">
+                        <a:spcBef>
+                          <a:spcPts val="0"/>
+                        </a:spcBef>
+                        <a:spcAft>
+                          <a:spcPts val="0"/>
+                        </a:spcAft>
+                        <a:buNone/>
+                      </a:pPr>
+                      <a:r>
+                        <a:rPr lang="en-MY" sz="800" b="0">
+                          <a:solidFill>
+                            <a:schemeClr val="dk1"/>
+                          </a:solidFill>
+                          <a:latin typeface="Arial"/>
+                          <a:ea typeface="Arial"/>
+                          <a:cs typeface="Arial"/>
+                          <a:sym typeface="Arial"/>
+                        </a:rPr>
+                        <a:t>TYPE</a:t>
+                      </a:r>
+                      <a:endParaRPr sz="800" b="0">
+                        <a:solidFill>
+                          <a:schemeClr val="dk1"/>
+                        </a:solidFill>
+                        <a:latin typeface="Arial"/>
+                        <a:ea typeface="Arial"/>
+                        <a:cs typeface="Arial"/>
+                        <a:sym typeface="Arial"/>
+                      </a:endParaRPr>
+                    </a:p>
+                  </a:txBody>
+                  <a:tcPr marL="83125" marR="83125" marT="45725" marB="45725">
+                    <a:lnL w="9525" cap="flat" cmpd="sng">
+                      <a:solidFill>
+                        <a:schemeClr val="dk1"/>
+                      </a:solidFill>
+                      <a:prstDash val="solid"/>
+                      <a:round/>
+                      <a:headEnd type="none" w="sm" len="sm"/>
+                      <a:tailEnd type="none" w="sm" len="sm"/>
+                    </a:lnL>
+                    <a:lnR w="9525" cap="flat" cmpd="sng">
+                      <a:solidFill>
+                        <a:schemeClr val="dk1"/>
+                      </a:solidFill>
+                      <a:prstDash val="solid"/>
+                      <a:round/>
+                      <a:headEnd type="none" w="sm" len="sm"/>
+                      <a:tailEnd type="none" w="sm" len="sm"/>
+                    </a:lnR>
+                    <a:lnT w="9525" cap="flat" cmpd="sng">
+                      <a:solidFill>
+                        <a:schemeClr val="dk1"/>
+                      </a:solidFill>
+                      <a:prstDash val="solid"/>
+                      <a:round/>
+                      <a:headEnd type="none" w="sm" len="sm"/>
+                      <a:tailEnd type="none" w="sm" len="sm"/>
+                    </a:lnT>
+                    <a:lnB w="9525" cap="flat" cmpd="sng">
+                      <a:solidFill>
+                        <a:schemeClr val="dk1"/>
+                      </a:solidFill>
+                      <a:prstDash val="solid"/>
+                      <a:round/>
+                      <a:headEnd type="none" w="sm" len="sm"/>
+                      <a:tailEnd type="none" w="sm" len="sm"/>
+                    </a:lnB>
+                    <a:solidFill>
+                      <a:srgbClr val="D8D8D8"/>
+                    </a:solidFill>
+                  </a:tcPr>
+                </a:tc>
+                <a:tc>
+                  <a:txBody>
+                    <a:bodyPr/>
+                    <a:lstStyle/>
+                    <a:p>
+                      <a:pPr marL="0" marR="0" lvl="0" indent="0" algn="ctr" rtl="0">
+                        <a:spcBef>
+                          <a:spcPts val="0"/>
+                        </a:spcBef>
+                        <a:spcAft>
+                          <a:spcPts val="0"/>
+                        </a:spcAft>
+                        <a:buNone/>
+                      </a:pPr>
+                      <a:r>
+                        <a:rPr lang="en-MY" sz="800" b="0">
+                          <a:solidFill>
+                            <a:schemeClr val="dk1"/>
+                          </a:solidFill>
+                          <a:latin typeface="Arial"/>
+                          <a:ea typeface="Arial"/>
+                          <a:cs typeface="Arial"/>
+                          <a:sym typeface="Arial"/>
+                        </a:rPr>
+                        <a:t>SPEC</a:t>
+                      </a:r>
+                      <a:endParaRPr sz="800" b="0">
+                        <a:solidFill>
+                          <a:schemeClr val="dk1"/>
+                        </a:solidFill>
+                        <a:latin typeface="Arial"/>
+                        <a:ea typeface="Arial"/>
+                        <a:cs typeface="Arial"/>
+                        <a:sym typeface="Arial"/>
+                      </a:endParaRPr>
+                    </a:p>
+                  </a:txBody>
+                  <a:tcPr marL="83125" marR="83125" marT="45725" marB="45725">
+                    <a:lnL w="9525" cap="flat" cmpd="sng">
+                      <a:solidFill>
+                        <a:schemeClr val="dk1"/>
+                      </a:solidFill>
+                      <a:prstDash val="solid"/>
+                      <a:round/>
+                      <a:headEnd type="none" w="sm" len="sm"/>
+                      <a:tailEnd type="none" w="sm" len="sm"/>
+                    </a:lnL>
+                    <a:lnR w="9525" cap="flat" cmpd="sng">
+                      <a:solidFill>
+                        <a:schemeClr val="dk1"/>
+                      </a:solidFill>
+                      <a:prstDash val="solid"/>
+                      <a:round/>
+                      <a:headEnd type="none" w="sm" len="sm"/>
+                      <a:tailEnd type="none" w="sm" len="sm"/>
+                    </a:lnR>
+                    <a:lnT w="9525" cap="flat" cmpd="sng">
+                      <a:solidFill>
+                        <a:schemeClr val="dk1"/>
+                      </a:solidFill>
+                      <a:prstDash val="solid"/>
+                      <a:round/>
+                      <a:headEnd type="none" w="sm" len="sm"/>
+                      <a:tailEnd type="none" w="sm" len="sm"/>
+                    </a:lnT>
+                    <a:lnB w="9525" cap="flat" cmpd="sng">
+                      <a:solidFill>
+                        <a:schemeClr val="dk1"/>
+                      </a:solidFill>
+                      <a:prstDash val="solid"/>
+                      <a:round/>
+                      <a:headEnd type="none" w="sm" len="sm"/>
+                      <a:tailEnd type="none" w="sm" len="sm"/>
+                    </a:lnB>
+                    <a:solidFill>
+                      <a:srgbClr val="D8D8D8"/>
+                    </a:solidFill>
+                  </a:tcPr>
+                </a:tc>
+                <a:tc>
+                  <a:txBody>
+                    <a:bodyPr/>
+                    <a:lstStyle/>
+                    <a:p>
+                      <a:pPr marL="0" marR="0" lvl="0" indent="0" algn="ctr" rtl="0">
+                        <a:spcBef>
+                          <a:spcPts val="0"/>
+                        </a:spcBef>
+                        <a:spcAft>
+                          <a:spcPts val="0"/>
+                        </a:spcAft>
+                        <a:buNone/>
+                      </a:pPr>
+                      <a:r>
+                        <a:rPr lang="en-MY" sz="800" b="0">
+                          <a:solidFill>
+                            <a:schemeClr val="dk1"/>
+                          </a:solidFill>
+                          <a:latin typeface="Arial"/>
+                          <a:ea typeface="Arial"/>
+                          <a:cs typeface="Arial"/>
+                          <a:sym typeface="Arial"/>
+                        </a:rPr>
+                        <a:t>GR</a:t>
+                      </a:r>
+                      <a:endParaRPr sz="800" b="0">
+                        <a:solidFill>
+                          <a:schemeClr val="dk1"/>
+                        </a:solidFill>
+                        <a:latin typeface="Arial"/>
+                        <a:ea typeface="Arial"/>
+                        <a:cs typeface="Arial"/>
+                        <a:sym typeface="Arial"/>
+                      </a:endParaRPr>
+                    </a:p>
+                  </a:txBody>
+                  <a:tcPr marL="83125" marR="83125" marT="45725" marB="45725">
+                    <a:lnL w="9525" cap="flat" cmpd="sng">
+                      <a:solidFill>
+                        <a:schemeClr val="dk1"/>
+                      </a:solidFill>
+                      <a:prstDash val="solid"/>
+                      <a:round/>
+                      <a:headEnd type="none" w="sm" len="sm"/>
+                      <a:tailEnd type="none" w="sm" len="sm"/>
+                    </a:lnL>
+                    <a:lnR w="9525" cap="flat" cmpd="sng">
+                      <a:solidFill>
+                        <a:schemeClr val="dk1"/>
+                      </a:solidFill>
+                      <a:prstDash val="solid"/>
+                      <a:round/>
+                      <a:headEnd type="none" w="sm" len="sm"/>
+                      <a:tailEnd type="none" w="sm" len="sm"/>
+                    </a:lnR>
+                    <a:lnT w="9525" cap="flat" cmpd="sng">
+                      <a:solidFill>
+                        <a:schemeClr val="dk1"/>
+                      </a:solidFill>
+                      <a:prstDash val="solid"/>
+                      <a:round/>
+                      <a:headEnd type="none" w="sm" len="sm"/>
+                      <a:tailEnd type="none" w="sm" len="sm"/>
+                    </a:lnT>
+                    <a:lnB w="9525" cap="flat" cmpd="sng">
+                      <a:solidFill>
+                        <a:schemeClr val="dk1"/>
+                      </a:solidFill>
+                      <a:prstDash val="solid"/>
+                      <a:round/>
+                      <a:headEnd type="none" w="sm" len="sm"/>
+                      <a:tailEnd type="none" w="sm" len="sm"/>
+                    </a:lnB>
+                    <a:solidFill>
+                      <a:srgbClr val="D8D8D8"/>
+                    </a:solidFill>
+                  </a:tcPr>
+                </a:tc>
+                <a:tc vMerge="1">
+                  <a:txBody>
+                    <a:bodyPr/>
+                    <a:lstStyle/>
+                    <a:p>
+                      <a:endParaRPr lang="en-US"/>
+                    </a:p>
+                  </a:txBody>
+                  <a:tcPr/>
+                </a:tc>
+                <a:tc>
+                  <a:txBody>
+                    <a:bodyPr/>
+                    <a:lstStyle/>
+                    <a:p>
+                      <a:pPr marL="0" marR="0" lvl="0" indent="0" algn="ctr" rtl="0">
+                        <a:spcBef>
+                          <a:spcPts val="0"/>
+                        </a:spcBef>
+                        <a:spcAft>
+                          <a:spcPts val="0"/>
+                        </a:spcAft>
+                        <a:buNone/>
+                      </a:pPr>
+                      <a:r>
+                        <a:rPr lang="en-MY" sz="800" b="0">
+                          <a:solidFill>
+                            <a:schemeClr val="dk1"/>
+                          </a:solidFill>
+                          <a:latin typeface="Arial"/>
+                          <a:ea typeface="Arial"/>
+                          <a:cs typeface="Arial"/>
+                          <a:sym typeface="Arial"/>
+                        </a:rPr>
+                        <a:t>T</a:t>
+                      </a:r>
+                      <a:endParaRPr sz="800" b="0">
+                        <a:solidFill>
+                          <a:schemeClr val="dk1"/>
+                        </a:solidFill>
+                        <a:latin typeface="Arial"/>
+                        <a:ea typeface="Arial"/>
+                        <a:cs typeface="Arial"/>
+                        <a:sym typeface="Arial"/>
+                      </a:endParaRPr>
+                    </a:p>
+                    <a:p>
+                      <a:pPr marL="0" marR="0" lvl="0" indent="0" algn="ctr" rtl="0">
+                        <a:spcBef>
+                          <a:spcPts val="0"/>
+                        </a:spcBef>
+                        <a:spcAft>
+                          <a:spcPts val="0"/>
+                        </a:spcAft>
+                        <a:buNone/>
+                      </a:pPr>
+                      <a:r>
+                        <a:rPr lang="en-MY" sz="800" b="0">
+                          <a:solidFill>
+                            <a:schemeClr val="dk1"/>
+                          </a:solidFill>
+                          <a:latin typeface="Arial"/>
+                          <a:ea typeface="Arial"/>
+                          <a:cs typeface="Arial"/>
+                          <a:sym typeface="Arial"/>
+                        </a:rPr>
+                        <a:t>(֯C)</a:t>
+                      </a:r>
+                      <a:endParaRPr sz="800" b="0">
+                        <a:solidFill>
+                          <a:schemeClr val="dk1"/>
+                        </a:solidFill>
+                        <a:latin typeface="Arial"/>
+                        <a:ea typeface="Arial"/>
+                        <a:cs typeface="Arial"/>
+                        <a:sym typeface="Arial"/>
+                      </a:endParaRPr>
+                    </a:p>
+                  </a:txBody>
+                  <a:tcPr marL="83125" marR="83125" marT="45725" marB="45725">
+                    <a:lnL w="9525" cap="flat" cmpd="sng">
+                      <a:solidFill>
+                        <a:schemeClr val="dk1"/>
+                      </a:solidFill>
+                      <a:prstDash val="solid"/>
+                      <a:round/>
+                      <a:headEnd type="none" w="sm" len="sm"/>
+                      <a:tailEnd type="none" w="sm" len="sm"/>
+                    </a:lnL>
+                    <a:lnR w="9525" cap="flat" cmpd="sng">
+                      <a:solidFill>
+                        <a:schemeClr val="dk1"/>
+                      </a:solidFill>
+                      <a:prstDash val="solid"/>
+                      <a:round/>
+                      <a:headEnd type="none" w="sm" len="sm"/>
+                      <a:tailEnd type="none" w="sm" len="sm"/>
+                    </a:lnR>
+                    <a:lnT w="9525" cap="flat" cmpd="sng">
+                      <a:solidFill>
+                        <a:schemeClr val="dk1"/>
+                      </a:solidFill>
+                      <a:prstDash val="solid"/>
+                      <a:round/>
+                      <a:headEnd type="none" w="sm" len="sm"/>
+                      <a:tailEnd type="none" w="sm" len="sm"/>
+                    </a:lnT>
+                    <a:lnB w="9525" cap="flat" cmpd="sng">
+                      <a:solidFill>
+                        <a:schemeClr val="dk1"/>
+                      </a:solidFill>
+                      <a:prstDash val="solid"/>
+                      <a:round/>
+                      <a:headEnd type="none" w="sm" len="sm"/>
+                      <a:tailEnd type="none" w="sm" len="sm"/>
+                    </a:lnB>
+                    <a:solidFill>
+                      <a:srgbClr val="D8D8D8"/>
+                    </a:solidFill>
+                  </a:tcPr>
+                </a:tc>
+                <a:tc>
+                  <a:txBody>
+                    <a:bodyPr/>
+                    <a:lstStyle/>
+                    <a:p>
+                      <a:pPr marL="0" marR="0" lvl="0" indent="0" algn="ctr" rtl="0">
+                        <a:spcBef>
+                          <a:spcPts val="0"/>
+                        </a:spcBef>
+                        <a:spcAft>
+                          <a:spcPts val="0"/>
+                        </a:spcAft>
+                        <a:buNone/>
+                      </a:pPr>
+                      <a:r>
+                        <a:rPr lang="en-MY" sz="800" b="0">
+                          <a:solidFill>
+                            <a:schemeClr val="dk1"/>
+                          </a:solidFill>
+                          <a:latin typeface="Arial"/>
+                          <a:ea typeface="Arial"/>
+                          <a:cs typeface="Arial"/>
+                          <a:sym typeface="Arial"/>
+                        </a:rPr>
+                        <a:t>P</a:t>
+                      </a:r>
+                      <a:endParaRPr sz="800" b="0">
+                        <a:solidFill>
+                          <a:schemeClr val="dk1"/>
+                        </a:solidFill>
+                        <a:latin typeface="Arial"/>
+                        <a:ea typeface="Arial"/>
+                        <a:cs typeface="Arial"/>
+                        <a:sym typeface="Arial"/>
+                      </a:endParaRPr>
+                    </a:p>
+                    <a:p>
+                      <a:pPr marL="0" marR="0" lvl="0" indent="0" algn="ctr" rtl="0">
+                        <a:lnSpc>
+                          <a:spcPct val="100000"/>
+                        </a:lnSpc>
+                        <a:spcBef>
+                          <a:spcPts val="0"/>
+                        </a:spcBef>
+                        <a:spcAft>
+                          <a:spcPts val="0"/>
+                        </a:spcAft>
+                        <a:buClr>
+                          <a:schemeClr val="dk1"/>
+                        </a:buClr>
+                        <a:buSzPts val="800"/>
+                        <a:buFont typeface="Arial"/>
+                        <a:buNone/>
+                      </a:pPr>
+                      <a:r>
+                        <a:rPr lang="en-MY" sz="800" b="0">
+                          <a:solidFill>
+                            <a:schemeClr val="dk1"/>
+                          </a:solidFill>
+                          <a:latin typeface="Arial"/>
+                          <a:ea typeface="Arial"/>
+                          <a:cs typeface="Arial"/>
+                          <a:sym typeface="Arial"/>
+                        </a:rPr>
+                        <a:t>(Mpa)</a:t>
+                      </a:r>
+                      <a:endParaRPr sz="800" b="0">
+                        <a:solidFill>
+                          <a:schemeClr val="dk1"/>
+                        </a:solidFill>
+                        <a:latin typeface="Arial"/>
+                        <a:ea typeface="Arial"/>
+                        <a:cs typeface="Arial"/>
+                        <a:sym typeface="Arial"/>
+                      </a:endParaRPr>
+                    </a:p>
+                  </a:txBody>
+                  <a:tcPr marL="83125" marR="83125" marT="45725" marB="45725">
+                    <a:lnL w="9525" cap="flat" cmpd="sng">
+                      <a:solidFill>
+                        <a:schemeClr val="dk1"/>
+                      </a:solidFill>
+                      <a:prstDash val="solid"/>
+                      <a:round/>
+                      <a:headEnd type="none" w="sm" len="sm"/>
+                      <a:tailEnd type="none" w="sm" len="sm"/>
+                    </a:lnL>
+                    <a:lnR w="9525" cap="flat" cmpd="sng">
+                      <a:solidFill>
+                        <a:schemeClr val="dk1"/>
+                      </a:solidFill>
+                      <a:prstDash val="solid"/>
+                      <a:round/>
+                      <a:headEnd type="none" w="sm" len="sm"/>
+                      <a:tailEnd type="none" w="sm" len="sm"/>
+                    </a:lnR>
+                    <a:lnT w="9525" cap="flat" cmpd="sng">
+                      <a:solidFill>
+                        <a:schemeClr val="dk1"/>
+                      </a:solidFill>
+                      <a:prstDash val="solid"/>
+                      <a:round/>
+                      <a:headEnd type="none" w="sm" len="sm"/>
+                      <a:tailEnd type="none" w="sm" len="sm"/>
+                    </a:lnT>
+                    <a:lnB w="9525" cap="flat" cmpd="sng">
+                      <a:solidFill>
+                        <a:schemeClr val="dk1"/>
+                      </a:solidFill>
+                      <a:prstDash val="solid"/>
+                      <a:round/>
+                      <a:headEnd type="none" w="sm" len="sm"/>
+                      <a:tailEnd type="none" w="sm" len="sm"/>
+                    </a:lnB>
+                    <a:solidFill>
+                      <a:srgbClr val="D8D8D8"/>
+                    </a:solidFill>
+                  </a:tcPr>
+                </a:tc>
+                <a:tc vMerge="1">
+                  <a:txBody>
+                    <a:bodyPr/>
+                    <a:lstStyle/>
+                    <a:p>
+                      <a:endParaRPr lang="en-US"/>
+                    </a:p>
+                  </a:txBody>
+                  <a:tcPr/>
+                </a:tc>
+                <a:tc vMerge="1">
+                  <a:txBody>
+                    <a:bodyPr/>
+                    <a:lstStyle/>
+                    <a:p>
+                      <a:endParaRPr lang="en-US"/>
+                    </a:p>
+                  </a:txBody>
+                  <a:tcPr/>
+                </a:tc>
+                <a:extLst>
+                  <a:ext uri="{0D108BD9-81ED-4DB2-BD59-A6C34878D82A}">
+                    <a16:rowId xmlns:a16="http://schemas.microsoft.com/office/drawing/2014/main" val="10001"/>
+                  </a:ext>
+                </a:extLst>
+              </a:tr>
+              <a:tr h="322425">
+                <a:tc>
+                  <a:txBody>
+                    <a:bodyPr/>
+                    <a:lstStyle/>
+                    <a:p>
+                      <a:pPr>
+                        <a:defRPr sz="900">
+                          <a:latin typeface="Arial"/>
+                        </a:defRPr>
+                      </a:pPr>
+                      <a:r>
+                        <a:t>-</a:t>
+                      </a:r>
+                    </a:p>
+                  </a:txBody>
+                  <a:tcPr marL="0" marR="0" marT="0" marB="0" anchor="ctr">
+                    <a:lnL w="9525" cap="flat" cmpd="sng">
+                      <a:solidFill>
+                        <a:schemeClr val="dk1"/>
+                      </a:solidFill>
+                      <a:prstDash val="solid"/>
+                      <a:round/>
+                      <a:headEnd type="none" w="sm" len="sm"/>
+                      <a:tailEnd type="none" w="sm" len="sm"/>
+                    </a:lnL>
+                    <a:lnR w="9525" cap="flat" cmpd="sng">
+                      <a:solidFill>
+                        <a:schemeClr val="dk1"/>
+                      </a:solidFill>
+                      <a:prstDash val="solid"/>
+                      <a:round/>
+                      <a:headEnd type="none" w="sm" len="sm"/>
+                      <a:tailEnd type="none" w="sm" len="sm"/>
+                    </a:lnR>
+                    <a:lnT w="9525" cap="flat" cmpd="sng">
+                      <a:solidFill>
+                        <a:schemeClr val="dk1"/>
+                      </a:solidFill>
+                      <a:prstDash val="solid"/>
+                      <a:round/>
+                      <a:headEnd type="none" w="sm" len="sm"/>
+                      <a:tailEnd type="none" w="sm" len="sm"/>
+                    </a:lnT>
+                    <a:lnB w="9525" cap="flat" cmpd="sng">
+                      <a:solidFill>
+                        <a:schemeClr val="dk1"/>
+                      </a:solidFill>
+                      <a:prstDash val="solid"/>
+                      <a:round/>
+                      <a:headEnd type="none" w="sm" len="sm"/>
+                      <a:tailEnd type="none" w="sm" len="sm"/>
+                    </a:lnB>
+                  </a:tcPr>
+                </a:tc>
+                <a:tc>
+                  <a:txBody>
+                    <a:bodyPr/>
+                    <a:lstStyle/>
+                    <a:p>
+                      <a:pPr>
+                        <a:defRPr sz="900">
+                          <a:latin typeface="Arial"/>
+                        </a:defRPr>
+                      </a:pPr>
+                      <a:r>
+                        <a:t>FULL COUPLING</a:t>
+                      </a:r>
+                    </a:p>
+                  </a:txBody>
+                  <a:tcPr marL="0" marR="0" marT="0" marB="0" anchor="ctr">
+                    <a:lnL w="9525" cap="flat" cmpd="sng">
+                      <a:solidFill>
+                        <a:schemeClr val="dk1"/>
+                      </a:solidFill>
+                      <a:prstDash val="solid"/>
+                      <a:round/>
+                      <a:headEnd type="none" w="sm" len="sm"/>
+                      <a:tailEnd type="none" w="sm" len="sm"/>
+                    </a:lnL>
+                    <a:lnR w="9525" cap="flat" cmpd="sng">
+                      <a:solidFill>
+                        <a:schemeClr val="dk1"/>
+                      </a:solidFill>
+                      <a:prstDash val="solid"/>
+                      <a:round/>
+                      <a:headEnd type="none" w="sm" len="sm"/>
+                      <a:tailEnd type="none" w="sm" len="sm"/>
+                    </a:lnR>
+                    <a:lnT w="9525" cap="flat" cmpd="sng">
+                      <a:solidFill>
+                        <a:schemeClr val="dk1"/>
+                      </a:solidFill>
+                      <a:prstDash val="solid"/>
+                      <a:round/>
+                      <a:headEnd type="none" w="sm" len="sm"/>
+                      <a:tailEnd type="none" w="sm" len="sm"/>
+                    </a:lnT>
+                    <a:lnB w="9525" cap="flat" cmpd="sng">
+                      <a:solidFill>
+                        <a:schemeClr val="dk1"/>
+                      </a:solidFill>
+                      <a:prstDash val="solid"/>
+                      <a:round/>
+                      <a:headEnd type="none" w="sm" len="sm"/>
+                      <a:tailEnd type="none" w="sm" len="sm"/>
+                    </a:lnB>
+                  </a:tcPr>
+                </a:tc>
+                <a:tc>
+                  <a:txBody>
+                    <a:bodyPr/>
+                    <a:lstStyle/>
+                    <a:p>
+                      <a:pPr>
+                        <a:defRPr sz="900">
+                          <a:latin typeface="Arial"/>
+                        </a:defRPr>
+                      </a:pPr>
+                      <a:r>
+                        <a:t>-</a:t>
+                      </a:r>
+                    </a:p>
+                  </a:txBody>
+                  <a:tcPr marL="83125" marR="83125" marT="45725" marB="45725" anchor="ctr">
+                    <a:lnL w="9525" cap="flat" cmpd="sng">
+                      <a:solidFill>
+                        <a:schemeClr val="dk1"/>
+                      </a:solidFill>
+                      <a:prstDash val="solid"/>
+                      <a:round/>
+                      <a:headEnd type="none" w="sm" len="sm"/>
+                      <a:tailEnd type="none" w="sm" len="sm"/>
+                    </a:lnL>
+                    <a:lnR w="9525" cap="flat" cmpd="sng">
+                      <a:solidFill>
+                        <a:schemeClr val="dk1"/>
+                      </a:solidFill>
+                      <a:prstDash val="solid"/>
+                      <a:round/>
+                      <a:headEnd type="none" w="sm" len="sm"/>
+                      <a:tailEnd type="none" w="sm" len="sm"/>
+                    </a:lnR>
+                    <a:lnT w="9525" cap="flat" cmpd="sng">
+                      <a:solidFill>
+                        <a:schemeClr val="dk1"/>
+                      </a:solidFill>
+                      <a:prstDash val="solid"/>
+                      <a:round/>
+                      <a:headEnd type="none" w="sm" len="sm"/>
+                      <a:tailEnd type="none" w="sm" len="sm"/>
+                    </a:lnT>
+                    <a:lnB w="9525" cap="flat" cmpd="sng">
+                      <a:solidFill>
+                        <a:schemeClr val="dk1"/>
+                      </a:solidFill>
+                      <a:prstDash val="solid"/>
+                      <a:round/>
+                      <a:headEnd type="none" w="sm" len="sm"/>
+                      <a:tailEnd type="none" w="sm" len="sm"/>
+                    </a:lnB>
+                  </a:tcPr>
+                </a:tc>
+                <a:tc>
+                  <a:txBody>
+                    <a:bodyPr/>
+                    <a:lstStyle/>
+                    <a:p>
+                      <a:pPr>
+                        <a:defRPr sz="900">
+                          <a:latin typeface="Arial"/>
+                        </a:defRPr>
+                      </a:pPr>
+                      <a:r>
+                        <a:t>Carbon Steel</a:t>
+                      </a:r>
+                    </a:p>
+                  </a:txBody>
+                  <a:tcPr marL="83125" marR="83125" marT="45725" marB="45725" anchor="ctr">
+                    <a:lnL w="9525" cap="flat" cmpd="sng">
+                      <a:solidFill>
+                        <a:schemeClr val="dk1"/>
+                      </a:solidFill>
+                      <a:prstDash val="solid"/>
+                      <a:round/>
+                      <a:headEnd type="none" w="sm" len="sm"/>
+                      <a:tailEnd type="none" w="sm" len="sm"/>
+                    </a:lnL>
+                    <a:lnR w="9525" cap="flat" cmpd="sng">
+                      <a:solidFill>
+                        <a:schemeClr val="dk1"/>
+                      </a:solidFill>
+                      <a:prstDash val="solid"/>
+                      <a:round/>
+                      <a:headEnd type="none" w="sm" len="sm"/>
+                      <a:tailEnd type="none" w="sm" len="sm"/>
+                    </a:lnR>
+                    <a:lnT w="9525" cap="flat" cmpd="sng">
+                      <a:solidFill>
+                        <a:schemeClr val="dk1"/>
+                      </a:solidFill>
+                      <a:prstDash val="solid"/>
+                      <a:round/>
+                      <a:headEnd type="none" w="sm" len="sm"/>
+                      <a:tailEnd type="none" w="sm" len="sm"/>
+                    </a:lnT>
+                    <a:lnB w="9525" cap="flat" cmpd="sng">
+                      <a:solidFill>
+                        <a:schemeClr val="dk1"/>
+                      </a:solidFill>
+                      <a:prstDash val="solid"/>
+                      <a:round/>
+                      <a:headEnd type="none" w="sm" len="sm"/>
+                      <a:tailEnd type="none" w="sm" len="sm"/>
+                    </a:lnB>
+                  </a:tcPr>
+                </a:tc>
+                <a:tc>
+                  <a:txBody>
+                    <a:bodyPr/>
+                    <a:lstStyle/>
+                    <a:p>
+                      <a:pPr>
+                        <a:defRPr sz="900">
+                          <a:latin typeface="Arial"/>
+                        </a:defRPr>
+                      </a:pPr>
+                      <a:r>
+                        <a:t>SA-105</a:t>
+                      </a:r>
+                    </a:p>
+                  </a:txBody>
+                  <a:tcPr marL="83125" marR="83125" marT="45725" marB="45725" anchor="ctr">
+                    <a:lnL w="9525" cap="flat" cmpd="sng">
+                      <a:solidFill>
+                        <a:schemeClr val="dk1"/>
+                      </a:solidFill>
+                      <a:prstDash val="solid"/>
+                      <a:round/>
+                      <a:headEnd type="none" w="sm" len="sm"/>
+                      <a:tailEnd type="none" w="sm" len="sm"/>
+                    </a:lnL>
+                    <a:lnR w="9525" cap="flat" cmpd="sng">
+                      <a:solidFill>
+                        <a:schemeClr val="dk1"/>
+                      </a:solidFill>
+                      <a:prstDash val="solid"/>
+                      <a:round/>
+                      <a:headEnd type="none" w="sm" len="sm"/>
+                      <a:tailEnd type="none" w="sm" len="sm"/>
+                    </a:lnR>
+                    <a:lnT w="9525" cap="flat" cmpd="sng">
+                      <a:solidFill>
+                        <a:schemeClr val="dk1"/>
+                      </a:solidFill>
+                      <a:prstDash val="solid"/>
+                      <a:round/>
+                      <a:headEnd type="none" w="sm" len="sm"/>
+                      <a:tailEnd type="none" w="sm" len="sm"/>
+                    </a:lnT>
+                    <a:lnB w="9525" cap="flat" cmpd="sng">
+                      <a:solidFill>
+                        <a:schemeClr val="dk1"/>
+                      </a:solidFill>
+                      <a:prstDash val="solid"/>
+                      <a:round/>
+                      <a:headEnd type="none" w="sm" len="sm"/>
+                      <a:tailEnd type="none" w="sm" len="sm"/>
+                    </a:lnB>
+                  </a:tcPr>
+                </a:tc>
+                <a:tc>
+                  <a:txBody>
+                    <a:bodyPr/>
+                    <a:lstStyle/>
+                    <a:p>
+                      <a:pPr>
+                        <a:defRPr sz="900">
+                          <a:latin typeface="Arial"/>
+                        </a:defRPr>
+                      </a:pPr>
+                      <a:r>
+                        <a:t>-</a:t>
+                      </a:r>
+                    </a:p>
+                  </a:txBody>
+                  <a:tcPr marL="83125" marR="83125" marT="45725" marB="45725" anchor="ctr">
+                    <a:lnL w="9525" cap="flat" cmpd="sng">
+                      <a:solidFill>
+                        <a:schemeClr val="dk1"/>
+                      </a:solidFill>
+                      <a:prstDash val="solid"/>
+                      <a:round/>
+                      <a:headEnd type="none" w="sm" len="sm"/>
+                      <a:tailEnd type="none" w="sm" len="sm"/>
+                    </a:lnL>
+                    <a:lnR w="9525" cap="flat" cmpd="sng">
+                      <a:solidFill>
+                        <a:schemeClr val="dk1"/>
+                      </a:solidFill>
+                      <a:prstDash val="solid"/>
+                      <a:round/>
+                      <a:headEnd type="none" w="sm" len="sm"/>
+                      <a:tailEnd type="none" w="sm" len="sm"/>
+                    </a:lnR>
+                    <a:lnT w="9525" cap="flat" cmpd="sng">
+                      <a:solidFill>
+                        <a:schemeClr val="dk1"/>
+                      </a:solidFill>
+                      <a:prstDash val="solid"/>
+                      <a:round/>
+                      <a:headEnd type="none" w="sm" len="sm"/>
+                      <a:tailEnd type="none" w="sm" len="sm"/>
+                    </a:lnT>
+                    <a:lnB w="9525" cap="flat" cmpd="sng">
+                      <a:solidFill>
+                        <a:schemeClr val="dk1"/>
+                      </a:solidFill>
+                      <a:prstDash val="solid"/>
+                      <a:round/>
+                      <a:headEnd type="none" w="sm" len="sm"/>
+                      <a:tailEnd type="none" w="sm" len="sm"/>
+                    </a:lnB>
+                  </a:tcPr>
+                </a:tc>
+                <a:tc>
+                  <a:txBody>
+                    <a:bodyPr/>
+                    <a:lstStyle/>
+                    <a:p>
+                      <a:pPr>
+                        <a:defRPr sz="900">
+                          <a:latin typeface="Arial"/>
+                        </a:defRPr>
+                      </a:pPr>
+                      <a:r>
+                        <a:t>No</a:t>
+                      </a:r>
+                    </a:p>
+                  </a:txBody>
+                  <a:tcPr marL="83125" marR="83125" marT="45725" marB="45725" anchor="ctr">
+                    <a:lnL w="9525" cap="flat" cmpd="sng">
+                      <a:solidFill>
+                        <a:schemeClr val="dk1"/>
+                      </a:solidFill>
+                      <a:prstDash val="solid"/>
+                      <a:round/>
+                      <a:headEnd type="none" w="sm" len="sm"/>
+                      <a:tailEnd type="none" w="sm" len="sm"/>
+                    </a:lnL>
+                    <a:lnR w="9525" cap="flat" cmpd="sng">
+                      <a:solidFill>
+                        <a:schemeClr val="dk1"/>
+                      </a:solidFill>
+                      <a:prstDash val="solid"/>
+                      <a:round/>
+                      <a:headEnd type="none" w="sm" len="sm"/>
+                      <a:tailEnd type="none" w="sm" len="sm"/>
+                    </a:lnR>
+                    <a:lnT w="9525" cap="flat" cmpd="sng">
+                      <a:solidFill>
+                        <a:schemeClr val="dk1"/>
+                      </a:solidFill>
+                      <a:prstDash val="solid"/>
+                      <a:round/>
+                      <a:headEnd type="none" w="sm" len="sm"/>
+                      <a:tailEnd type="none" w="sm" len="sm"/>
+                    </a:lnT>
+                    <a:lnB w="9525" cap="flat" cmpd="sng">
+                      <a:solidFill>
+                        <a:schemeClr val="dk1"/>
+                      </a:solidFill>
+                      <a:prstDash val="solid"/>
+                      <a:round/>
+                      <a:headEnd type="none" w="sm" len="sm"/>
+                      <a:tailEnd type="none" w="sm" len="sm"/>
+                    </a:lnB>
+                  </a:tcPr>
+                </a:tc>
+                <a:tc>
+                  <a:txBody>
+                    <a:bodyPr/>
+                    <a:lstStyle/>
+                    <a:p>
+                      <a:pPr>
+                        <a:defRPr sz="900">
+                          <a:latin typeface="Arial"/>
+                        </a:defRPr>
+                      </a:pPr>
+                      <a:r>
+                        <a:t>80 C</a:t>
+                      </a:r>
+                    </a:p>
+                  </a:txBody>
+                  <a:tcPr marL="0" marR="0" marT="0" marB="0" anchor="ctr">
+                    <a:lnL w="9525" cap="flat" cmpd="sng">
+                      <a:solidFill>
+                        <a:schemeClr val="dk1"/>
+                      </a:solidFill>
+                      <a:prstDash val="solid"/>
+                      <a:round/>
+                      <a:headEnd type="none" w="sm" len="sm"/>
+                      <a:tailEnd type="none" w="sm" len="sm"/>
+                    </a:lnL>
+                    <a:lnR w="9525" cap="flat" cmpd="sng">
+                      <a:solidFill>
+                        <a:schemeClr val="dk1"/>
+                      </a:solidFill>
+                      <a:prstDash val="solid"/>
+                      <a:round/>
+                      <a:headEnd type="none" w="sm" len="sm"/>
+                      <a:tailEnd type="none" w="sm" len="sm"/>
+                    </a:lnR>
+                    <a:lnT w="9525" cap="flat" cmpd="sng">
+                      <a:solidFill>
+                        <a:schemeClr val="dk1"/>
+                      </a:solidFill>
+                      <a:prstDash val="solid"/>
+                      <a:round/>
+                      <a:headEnd type="none" w="sm" len="sm"/>
+                      <a:tailEnd type="none" w="sm" len="sm"/>
+                    </a:lnT>
+                    <a:lnB w="9525" cap="flat" cmpd="sng">
+                      <a:solidFill>
+                        <a:schemeClr val="dk1"/>
+                      </a:solidFill>
+                      <a:prstDash val="solid"/>
+                      <a:round/>
+                      <a:headEnd type="none" w="sm" len="sm"/>
+                      <a:tailEnd type="none" w="sm" len="sm"/>
+                    </a:lnB>
+                  </a:tcPr>
+                </a:tc>
+                <a:tc>
+                  <a:txBody>
+                    <a:bodyPr/>
+                    <a:lstStyle/>
+                    <a:p>
+                      <a:pPr>
+                        <a:defRPr sz="900">
+                          <a:latin typeface="Arial"/>
+                        </a:defRPr>
+                      </a:pPr>
+                      <a:r>
+                        <a:t>10 BAR</a:t>
+                      </a:r>
+                    </a:p>
+                  </a:txBody>
+                  <a:tcPr marL="0" marR="0" marT="0" marB="0" anchor="ctr">
+                    <a:lnL w="9525" cap="flat" cmpd="sng">
+                      <a:solidFill>
+                        <a:schemeClr val="dk1"/>
+                      </a:solidFill>
+                      <a:prstDash val="solid"/>
+                      <a:round/>
+                      <a:headEnd type="none" w="sm" len="sm"/>
+                      <a:tailEnd type="none" w="sm" len="sm"/>
+                    </a:lnL>
+                    <a:lnR w="9525" cap="flat" cmpd="sng">
+                      <a:solidFill>
+                        <a:schemeClr val="dk1"/>
+                      </a:solidFill>
+                      <a:prstDash val="solid"/>
+                      <a:round/>
+                      <a:headEnd type="none" w="sm" len="sm"/>
+                      <a:tailEnd type="none" w="sm" len="sm"/>
+                    </a:lnR>
+                    <a:lnT w="9525" cap="flat" cmpd="sng">
+                      <a:solidFill>
+                        <a:schemeClr val="dk1"/>
+                      </a:solidFill>
+                      <a:prstDash val="solid"/>
+                      <a:round/>
+                      <a:headEnd type="none" w="sm" len="sm"/>
+                      <a:tailEnd type="none" w="sm" len="sm"/>
+                    </a:lnT>
+                    <a:lnB w="9525" cap="flat" cmpd="sng">
+                      <a:solidFill>
+                        <a:schemeClr val="dk1"/>
+                      </a:solidFill>
+                      <a:prstDash val="solid"/>
+                      <a:round/>
+                      <a:headEnd type="none" w="sm" len="sm"/>
+                      <a:tailEnd type="none" w="sm" len="sm"/>
+                    </a:lnB>
+                  </a:tcPr>
+                </a:tc>
+                <a:tc rowSpan="3">
+                  <a:txBody>
+                    <a:bodyPr/>
+                    <a:lstStyle/>
+                    <a:p>
+                      <a:pPr marL="0" marR="0" lvl="0" indent="0" algn="ctr" rtl="0">
+                        <a:spcBef>
+                          <a:spcPts val="0"/>
+                        </a:spcBef>
+                        <a:spcAft>
+                          <a:spcPts val="0"/>
+                        </a:spcAft>
+                        <a:buNone/>
+                      </a:pPr>
+                      <a:endParaRPr sz="800" dirty="0">
+                        <a:latin typeface="Arial"/>
+                        <a:ea typeface="Arial"/>
+                        <a:cs typeface="Arial"/>
+                        <a:sym typeface="Arial"/>
+                      </a:endParaRPr>
+                    </a:p>
+                    <a:p>
+                      <a:pPr marL="0" marR="0" lvl="0" indent="0" algn="ctr" rtl="0">
+                        <a:spcBef>
+                          <a:spcPts val="0"/>
+                        </a:spcBef>
+                        <a:spcAft>
+                          <a:spcPts val="0"/>
+                        </a:spcAft>
+                        <a:buNone/>
+                      </a:pPr>
+                      <a:endParaRPr sz="800" dirty="0">
+                        <a:latin typeface="Arial"/>
+                        <a:ea typeface="Arial"/>
+                        <a:cs typeface="Arial"/>
+                        <a:sym typeface="Arial"/>
+                      </a:endParaRPr>
+                    </a:p>
+                    <a:p>
+                      <a:pPr marL="0" marR="0" lvl="0" indent="0" algn="ctr" rtl="0">
+                        <a:spcBef>
+                          <a:spcPts val="0"/>
+                        </a:spcBef>
+                        <a:spcAft>
+                          <a:spcPts val="0"/>
+                        </a:spcAft>
+                        <a:buNone/>
+                      </a:pPr>
+                      <a:r>
+                        <a:rPr lang="en-MY" sz="800" dirty="0">
+                          <a:latin typeface="Arial"/>
+                          <a:ea typeface="Arial"/>
+                          <a:cs typeface="Arial"/>
+                          <a:sym typeface="Arial"/>
+                        </a:rPr>
+                        <a:t>LOW</a:t>
+                      </a:r>
+                      <a:endParaRPr sz="800" dirty="0">
+                        <a:latin typeface="Arial"/>
+                        <a:ea typeface="Arial"/>
+                        <a:cs typeface="Arial"/>
+                        <a:sym typeface="Arial"/>
+                      </a:endParaRPr>
+                    </a:p>
+                    <a:p>
+                      <a:pPr marL="0" marR="0" lvl="0" indent="0" algn="ctr" rtl="0">
+                        <a:spcBef>
+                          <a:spcPts val="0"/>
+                        </a:spcBef>
+                        <a:spcAft>
+                          <a:spcPts val="0"/>
+                        </a:spcAft>
+                        <a:buNone/>
+                      </a:pPr>
+                      <a:endParaRPr sz="800" dirty="0">
+                        <a:latin typeface="Arial"/>
+                        <a:ea typeface="Arial"/>
+                        <a:cs typeface="Arial"/>
+                        <a:sym typeface="Arial"/>
+                      </a:endParaRPr>
+                    </a:p>
+                  </a:txBody>
+                  <a:tcPr marL="83125" marR="83125" marT="45725" marB="45725">
+                    <a:lnL w="9525" cap="flat" cmpd="sng">
+                      <a:solidFill>
+                        <a:schemeClr val="dk1"/>
+                      </a:solidFill>
+                      <a:prstDash val="solid"/>
+                      <a:round/>
+                      <a:headEnd type="none" w="sm" len="sm"/>
+                      <a:tailEnd type="none" w="sm" len="sm"/>
+                    </a:lnL>
+                    <a:lnR w="9525" cap="flat" cmpd="sng">
+                      <a:solidFill>
+                        <a:schemeClr val="dk1"/>
+                      </a:solidFill>
+                      <a:prstDash val="solid"/>
+                      <a:round/>
+                      <a:headEnd type="none" w="sm" len="sm"/>
+                      <a:tailEnd type="none" w="sm" len="sm"/>
+                    </a:lnR>
+                    <a:lnT w="9525" cap="flat" cmpd="sng">
+                      <a:solidFill>
+                        <a:schemeClr val="dk1"/>
+                      </a:solidFill>
+                      <a:prstDash val="solid"/>
+                      <a:round/>
+                      <a:headEnd type="none" w="sm" len="sm"/>
+                      <a:tailEnd type="none" w="sm" len="sm"/>
+                    </a:lnT>
+                    <a:lnB w="9525" cap="flat" cmpd="sng">
+                      <a:solidFill>
+                        <a:schemeClr val="dk1"/>
+                      </a:solidFill>
+                      <a:prstDash val="solid"/>
+                      <a:round/>
+                      <a:headEnd type="none" w="sm" len="sm"/>
+                      <a:tailEnd type="none" w="sm" len="sm"/>
+                    </a:lnB>
+                    <a:solidFill>
+                      <a:srgbClr val="00B050"/>
+                    </a:solidFill>
+                  </a:tcPr>
+                </a:tc>
+                <a:tc vMerge="1">
+                  <a:txBody>
+                    <a:bodyPr/>
+                    <a:lstStyle/>
+                    <a:p>
+                      <a:endParaRPr lang="en-US"/>
+                    </a:p>
+                  </a:txBody>
+                  <a:tcPr/>
+                </a:tc>
+                <a:extLst>
+                  <a:ext uri="{0D108BD9-81ED-4DB2-BD59-A6C34878D82A}">
+                    <a16:rowId xmlns:a16="http://schemas.microsoft.com/office/drawing/2014/main" val="10002"/>
+                  </a:ext>
+                </a:extLst>
+              </a:tr>
+              <a:tr h="322425">
+                <a:tc>
+                  <a:txBody>
+                    <a:bodyPr/>
+                    <a:lstStyle/>
+                    <a:p>
+                      <a:pPr>
+                        <a:defRPr sz="900">
+                          <a:latin typeface="Arial"/>
+                        </a:defRPr>
+                      </a:pPr>
+                      <a:r>
+                        <a:t>-</a:t>
+                      </a:r>
+                    </a:p>
+                  </a:txBody>
+                  <a:tcPr marL="0" marR="0" marT="0" marB="0" anchor="ctr">
+                    <a:lnL w="9525" cap="flat" cmpd="sng">
+                      <a:solidFill>
+                        <a:schemeClr val="dk1"/>
+                      </a:solidFill>
+                      <a:prstDash val="solid"/>
+                      <a:round/>
+                      <a:headEnd type="none" w="sm" len="sm"/>
+                      <a:tailEnd type="none" w="sm" len="sm"/>
+                    </a:lnL>
+                    <a:lnR w="9525" cap="flat" cmpd="sng">
+                      <a:solidFill>
+                        <a:schemeClr val="dk1"/>
+                      </a:solidFill>
+                      <a:prstDash val="solid"/>
+                      <a:round/>
+                      <a:headEnd type="none" w="sm" len="sm"/>
+                      <a:tailEnd type="none" w="sm" len="sm"/>
+                    </a:lnR>
+                    <a:lnT w="9525" cap="flat" cmpd="sng">
+                      <a:solidFill>
+                        <a:schemeClr val="dk1"/>
+                      </a:solidFill>
+                      <a:prstDash val="solid"/>
+                      <a:round/>
+                      <a:headEnd type="none" w="sm" len="sm"/>
+                      <a:tailEnd type="none" w="sm" len="sm"/>
+                    </a:lnT>
+                    <a:lnB w="9525" cap="flat" cmpd="sng">
+                      <a:solidFill>
+                        <a:schemeClr val="dk1"/>
+                      </a:solidFill>
+                      <a:prstDash val="solid"/>
+                      <a:round/>
+                      <a:headEnd type="none" w="sm" len="sm"/>
+                      <a:tailEnd type="none" w="sm" len="sm"/>
+                    </a:lnB>
+                  </a:tcPr>
+                </a:tc>
+                <a:tc>
+                  <a:txBody>
+                    <a:bodyPr/>
+                    <a:lstStyle/>
+                    <a:p>
+                      <a:pPr>
+                        <a:defRPr sz="900">
+                          <a:latin typeface="Arial"/>
+                        </a:defRPr>
+                      </a:pPr>
+                      <a:r>
+                        <a:t>-</a:t>
+                      </a:r>
+                    </a:p>
+                  </a:txBody>
+                  <a:tcPr marL="0" marR="0" marT="0" marB="0" anchor="ctr">
+                    <a:lnL w="9525" cap="flat" cmpd="sng">
+                      <a:solidFill>
+                        <a:schemeClr val="dk1"/>
+                      </a:solidFill>
+                      <a:prstDash val="solid"/>
+                      <a:round/>
+                      <a:headEnd type="none" w="sm" len="sm"/>
+                      <a:tailEnd type="none" w="sm" len="sm"/>
+                    </a:lnL>
+                    <a:lnR w="9525" cap="flat" cmpd="sng">
+                      <a:solidFill>
+                        <a:schemeClr val="dk1"/>
+                      </a:solidFill>
+                      <a:prstDash val="solid"/>
+                      <a:round/>
+                      <a:headEnd type="none" w="sm" len="sm"/>
+                      <a:tailEnd type="none" w="sm" len="sm"/>
+                    </a:lnR>
+                    <a:lnT w="9525" cap="flat" cmpd="sng">
+                      <a:solidFill>
+                        <a:schemeClr val="dk1"/>
+                      </a:solidFill>
+                      <a:prstDash val="solid"/>
+                      <a:round/>
+                      <a:headEnd type="none" w="sm" len="sm"/>
+                      <a:tailEnd type="none" w="sm" len="sm"/>
+                    </a:lnT>
+                    <a:lnB w="9525" cap="flat" cmpd="sng">
+                      <a:solidFill>
+                        <a:schemeClr val="dk1"/>
+                      </a:solidFill>
+                      <a:prstDash val="solid"/>
+                      <a:round/>
+                      <a:headEnd type="none" w="sm" len="sm"/>
+                      <a:tailEnd type="none" w="sm" len="sm"/>
+                    </a:lnB>
+                  </a:tcPr>
+                </a:tc>
+                <a:tc>
+                  <a:txBody>
+                    <a:bodyPr/>
+                    <a:lstStyle/>
+                    <a:p>
+                      <a:pPr>
+                        <a:defRPr sz="900">
+                          <a:latin typeface="Arial"/>
+                        </a:defRPr>
+                      </a:pPr>
+                      <a:r>
+                        <a:t>-</a:t>
+                      </a:r>
+                    </a:p>
+                  </a:txBody>
+                  <a:tcPr marL="83125" marR="83125" marT="45725" marB="45725" anchor="ctr">
+                    <a:lnL w="9525" cap="flat" cmpd="sng">
+                      <a:solidFill>
+                        <a:schemeClr val="dk1"/>
+                      </a:solidFill>
+                      <a:prstDash val="solid"/>
+                      <a:round/>
+                      <a:headEnd type="none" w="sm" len="sm"/>
+                      <a:tailEnd type="none" w="sm" len="sm"/>
+                    </a:lnL>
+                    <a:lnR w="9525" cap="flat" cmpd="sng">
+                      <a:solidFill>
+                        <a:schemeClr val="dk1"/>
+                      </a:solidFill>
+                      <a:prstDash val="solid"/>
+                      <a:round/>
+                      <a:headEnd type="none" w="sm" len="sm"/>
+                      <a:tailEnd type="none" w="sm" len="sm"/>
+                    </a:lnR>
+                    <a:lnT w="9525" cap="flat" cmpd="sng">
+                      <a:solidFill>
+                        <a:schemeClr val="dk1"/>
+                      </a:solidFill>
+                      <a:prstDash val="solid"/>
+                      <a:round/>
+                      <a:headEnd type="none" w="sm" len="sm"/>
+                      <a:tailEnd type="none" w="sm" len="sm"/>
+                    </a:lnT>
+                    <a:lnB w="9525" cap="flat" cmpd="sng">
+                      <a:solidFill>
+                        <a:schemeClr val="dk1"/>
+                      </a:solidFill>
+                      <a:prstDash val="solid"/>
+                      <a:round/>
+                      <a:headEnd type="none" w="sm" len="sm"/>
+                      <a:tailEnd type="none" w="sm" len="sm"/>
+                    </a:lnB>
+                  </a:tcPr>
+                </a:tc>
+                <a:tc>
+                  <a:txBody>
+                    <a:bodyPr/>
+                    <a:lstStyle/>
+                    <a:p>
+                      <a:pPr>
+                        <a:defRPr sz="900">
+                          <a:latin typeface="Arial"/>
+                        </a:defRPr>
+                      </a:pPr>
+                      <a:r>
+                        <a:t>-</a:t>
+                      </a:r>
+                    </a:p>
+                  </a:txBody>
+                  <a:tcPr marL="83125" marR="83125" marT="45725" marB="45725" anchor="ctr">
+                    <a:lnL w="9525" cap="flat" cmpd="sng">
+                      <a:solidFill>
+                        <a:schemeClr val="dk1"/>
+                      </a:solidFill>
+                      <a:prstDash val="solid"/>
+                      <a:round/>
+                      <a:headEnd type="none" w="sm" len="sm"/>
+                      <a:tailEnd type="none" w="sm" len="sm"/>
+                    </a:lnL>
+                    <a:lnR w="9525" cap="flat" cmpd="sng">
+                      <a:solidFill>
+                        <a:schemeClr val="dk1"/>
+                      </a:solidFill>
+                      <a:prstDash val="solid"/>
+                      <a:round/>
+                      <a:headEnd type="none" w="sm" len="sm"/>
+                      <a:tailEnd type="none" w="sm" len="sm"/>
+                    </a:lnR>
+                    <a:lnT w="9525" cap="flat" cmpd="sng">
+                      <a:solidFill>
+                        <a:schemeClr val="dk1"/>
+                      </a:solidFill>
+                      <a:prstDash val="solid"/>
+                      <a:round/>
+                      <a:headEnd type="none" w="sm" len="sm"/>
+                      <a:tailEnd type="none" w="sm" len="sm"/>
+                    </a:lnT>
+                    <a:lnB w="9525" cap="flat" cmpd="sng">
+                      <a:solidFill>
+                        <a:schemeClr val="dk1"/>
+                      </a:solidFill>
+                      <a:prstDash val="solid"/>
+                      <a:round/>
+                      <a:headEnd type="none" w="sm" len="sm"/>
+                      <a:tailEnd type="none" w="sm" len="sm"/>
+                    </a:lnB>
+                  </a:tcPr>
+                </a:tc>
+                <a:tc>
+                  <a:txBody>
+                    <a:bodyPr/>
+                    <a:lstStyle/>
+                    <a:p>
+                      <a:pPr>
+                        <a:defRPr sz="900">
+                          <a:latin typeface="Arial"/>
+                        </a:defRPr>
+                      </a:pPr>
+                      <a:r>
+                        <a:t>-</a:t>
+                      </a:r>
+                    </a:p>
+                  </a:txBody>
+                  <a:tcPr marL="83125" marR="83125" marT="45725" marB="45725" anchor="ctr">
+                    <a:lnL w="9525" cap="flat" cmpd="sng">
+                      <a:solidFill>
+                        <a:schemeClr val="dk1"/>
+                      </a:solidFill>
+                      <a:prstDash val="solid"/>
+                      <a:round/>
+                      <a:headEnd type="none" w="sm" len="sm"/>
+                      <a:tailEnd type="none" w="sm" len="sm"/>
+                    </a:lnL>
+                    <a:lnR w="9525" cap="flat" cmpd="sng">
+                      <a:solidFill>
+                        <a:schemeClr val="dk1"/>
+                      </a:solidFill>
+                      <a:prstDash val="solid"/>
+                      <a:round/>
+                      <a:headEnd type="none" w="sm" len="sm"/>
+                      <a:tailEnd type="none" w="sm" len="sm"/>
+                    </a:lnR>
+                    <a:lnT w="9525" cap="flat" cmpd="sng">
+                      <a:solidFill>
+                        <a:schemeClr val="dk1"/>
+                      </a:solidFill>
+                      <a:prstDash val="solid"/>
+                      <a:round/>
+                      <a:headEnd type="none" w="sm" len="sm"/>
+                      <a:tailEnd type="none" w="sm" len="sm"/>
+                    </a:lnT>
+                    <a:lnB w="9525" cap="flat" cmpd="sng">
+                      <a:solidFill>
+                        <a:schemeClr val="dk1"/>
+                      </a:solidFill>
+                      <a:prstDash val="solid"/>
+                      <a:round/>
+                      <a:headEnd type="none" w="sm" len="sm"/>
+                      <a:tailEnd type="none" w="sm" len="sm"/>
+                    </a:lnB>
+                  </a:tcPr>
+                </a:tc>
+                <a:tc>
+                  <a:txBody>
+                    <a:bodyPr/>
+                    <a:lstStyle/>
+                    <a:p>
+                      <a:pPr>
+                        <a:defRPr sz="900">
+                          <a:latin typeface="Arial"/>
+                        </a:defRPr>
+                      </a:pPr>
+                      <a:r>
+                        <a:t>-</a:t>
+                      </a:r>
+                    </a:p>
+                  </a:txBody>
+                  <a:tcPr marL="83125" marR="83125" marT="45725" marB="45725" anchor="ctr">
+                    <a:lnL w="9525" cap="flat" cmpd="sng">
+                      <a:solidFill>
+                        <a:schemeClr val="dk1"/>
+                      </a:solidFill>
+                      <a:prstDash val="solid"/>
+                      <a:round/>
+                      <a:headEnd type="none" w="sm" len="sm"/>
+                      <a:tailEnd type="none" w="sm" len="sm"/>
+                    </a:lnL>
+                    <a:lnR w="9525" cap="flat" cmpd="sng">
+                      <a:solidFill>
+                        <a:schemeClr val="dk1"/>
+                      </a:solidFill>
+                      <a:prstDash val="solid"/>
+                      <a:round/>
+                      <a:headEnd type="none" w="sm" len="sm"/>
+                      <a:tailEnd type="none" w="sm" len="sm"/>
+                    </a:lnR>
+                    <a:lnT w="9525" cap="flat" cmpd="sng">
+                      <a:solidFill>
+                        <a:schemeClr val="dk1"/>
+                      </a:solidFill>
+                      <a:prstDash val="solid"/>
+                      <a:round/>
+                      <a:headEnd type="none" w="sm" len="sm"/>
+                      <a:tailEnd type="none" w="sm" len="sm"/>
+                    </a:lnT>
+                    <a:lnB w="9525" cap="flat" cmpd="sng">
+                      <a:solidFill>
+                        <a:schemeClr val="dk1"/>
+                      </a:solidFill>
+                      <a:prstDash val="solid"/>
+                      <a:round/>
+                      <a:headEnd type="none" w="sm" len="sm"/>
+                      <a:tailEnd type="none" w="sm" len="sm"/>
+                    </a:lnB>
+                  </a:tcPr>
+                </a:tc>
+                <a:tc>
+                  <a:txBody>
+                    <a:bodyPr/>
+                    <a:lstStyle/>
+                    <a:p>
+                      <a:pPr>
+                        <a:defRPr sz="900">
+                          <a:latin typeface="Arial"/>
+                        </a:defRPr>
+                      </a:pPr>
+                      <a:r>
+                        <a:t>-</a:t>
+                      </a:r>
+                    </a:p>
+                  </a:txBody>
+                  <a:tcPr marL="83125" marR="83125" marT="45725" marB="45725" anchor="ctr">
+                    <a:lnL w="9525" cap="flat" cmpd="sng">
+                      <a:solidFill>
+                        <a:schemeClr val="dk1"/>
+                      </a:solidFill>
+                      <a:prstDash val="solid"/>
+                      <a:round/>
+                      <a:headEnd type="none" w="sm" len="sm"/>
+                      <a:tailEnd type="none" w="sm" len="sm"/>
+                    </a:lnL>
+                    <a:lnR w="9525" cap="flat" cmpd="sng">
+                      <a:solidFill>
+                        <a:schemeClr val="dk1"/>
+                      </a:solidFill>
+                      <a:prstDash val="solid"/>
+                      <a:round/>
+                      <a:headEnd type="none" w="sm" len="sm"/>
+                      <a:tailEnd type="none" w="sm" len="sm"/>
+                    </a:lnR>
+                    <a:lnT w="9525" cap="flat" cmpd="sng">
+                      <a:solidFill>
+                        <a:schemeClr val="dk1"/>
+                      </a:solidFill>
+                      <a:prstDash val="solid"/>
+                      <a:round/>
+                      <a:headEnd type="none" w="sm" len="sm"/>
+                      <a:tailEnd type="none" w="sm" len="sm"/>
+                    </a:lnT>
+                    <a:lnB w="9525" cap="flat" cmpd="sng">
+                      <a:solidFill>
+                        <a:schemeClr val="dk1"/>
+                      </a:solidFill>
+                      <a:prstDash val="solid"/>
+                      <a:round/>
+                      <a:headEnd type="none" w="sm" len="sm"/>
+                      <a:tailEnd type="none" w="sm" len="sm"/>
+                    </a:lnB>
+                  </a:tcPr>
+                </a:tc>
+                <a:tc>
+                  <a:txBody>
+                    <a:bodyPr/>
+                    <a:lstStyle/>
+                    <a:p>
+                      <a:pPr>
+                        <a:defRPr sz="900">
+                          <a:latin typeface="Arial"/>
+                        </a:defRPr>
+                      </a:pPr>
+                      <a:r>
+                        <a:t>-</a:t>
+                      </a:r>
+                    </a:p>
+                  </a:txBody>
+                  <a:tcPr marL="0" marR="0" marT="0" marB="0" anchor="ctr">
+                    <a:lnL w="9525" cap="flat" cmpd="sng">
+                      <a:solidFill>
+                        <a:schemeClr val="dk1"/>
+                      </a:solidFill>
+                      <a:prstDash val="solid"/>
+                      <a:round/>
+                      <a:headEnd type="none" w="sm" len="sm"/>
+                      <a:tailEnd type="none" w="sm" len="sm"/>
+                    </a:lnL>
+                    <a:lnR w="9525" cap="flat" cmpd="sng">
+                      <a:solidFill>
+                        <a:schemeClr val="dk1"/>
+                      </a:solidFill>
+                      <a:prstDash val="solid"/>
+                      <a:round/>
+                      <a:headEnd type="none" w="sm" len="sm"/>
+                      <a:tailEnd type="none" w="sm" len="sm"/>
+                    </a:lnR>
+                    <a:lnT w="9525" cap="flat" cmpd="sng">
+                      <a:solidFill>
+                        <a:schemeClr val="dk1"/>
+                      </a:solidFill>
+                      <a:prstDash val="solid"/>
+                      <a:round/>
+                      <a:headEnd type="none" w="sm" len="sm"/>
+                      <a:tailEnd type="none" w="sm" len="sm"/>
+                    </a:lnT>
+                    <a:lnB w="9525" cap="flat" cmpd="sng">
+                      <a:solidFill>
+                        <a:schemeClr val="dk1"/>
+                      </a:solidFill>
+                      <a:prstDash val="solid"/>
+                      <a:round/>
+                      <a:headEnd type="none" w="sm" len="sm"/>
+                      <a:tailEnd type="none" w="sm" len="sm"/>
+                    </a:lnB>
+                  </a:tcPr>
+                </a:tc>
+                <a:tc>
+                  <a:txBody>
+                    <a:bodyPr/>
+                    <a:lstStyle/>
+                    <a:p>
+                      <a:pPr>
+                        <a:defRPr sz="900">
+                          <a:latin typeface="Arial"/>
+                        </a:defRPr>
+                      </a:pPr>
+                      <a:r>
+                        <a:t>-</a:t>
+                      </a:r>
+                    </a:p>
+                  </a:txBody>
+                  <a:tcPr marL="0" marR="0" marT="0" marB="0" anchor="ctr">
+                    <a:lnL w="9525" cap="flat" cmpd="sng">
+                      <a:solidFill>
+                        <a:schemeClr val="dk1"/>
+                      </a:solidFill>
+                      <a:prstDash val="solid"/>
+                      <a:round/>
+                      <a:headEnd type="none" w="sm" len="sm"/>
+                      <a:tailEnd type="none" w="sm" len="sm"/>
+                    </a:lnL>
+                    <a:lnR w="9525" cap="flat" cmpd="sng">
+                      <a:solidFill>
+                        <a:schemeClr val="dk1"/>
+                      </a:solidFill>
+                      <a:prstDash val="solid"/>
+                      <a:round/>
+                      <a:headEnd type="none" w="sm" len="sm"/>
+                      <a:tailEnd type="none" w="sm" len="sm"/>
+                    </a:lnR>
+                    <a:lnT w="9525" cap="flat" cmpd="sng">
+                      <a:solidFill>
+                        <a:schemeClr val="dk1"/>
+                      </a:solidFill>
+                      <a:prstDash val="solid"/>
+                      <a:round/>
+                      <a:headEnd type="none" w="sm" len="sm"/>
+                      <a:tailEnd type="none" w="sm" len="sm"/>
+                    </a:lnT>
+                    <a:lnB w="9525" cap="flat" cmpd="sng">
+                      <a:solidFill>
+                        <a:schemeClr val="dk1"/>
+                      </a:solidFill>
+                      <a:prstDash val="solid"/>
+                      <a:round/>
+                      <a:headEnd type="none" w="sm" len="sm"/>
+                      <a:tailEnd type="none" w="sm" len="sm"/>
+                    </a:lnB>
+                  </a:tcPr>
+                </a:tc>
+                <a:tc vMerge="1">
+                  <a:txBody>
+                    <a:bodyPr/>
+                    <a:lstStyle/>
+                    <a:p>
+                      <a:pPr>
+                        <a:defRPr sz="900">
+                          <a:latin typeface="Arial"/>
+                        </a:defRPr>
+                      </a:pPr>
+                      <a:r>
+                        <a:t>-</a:t>
+                      </a:r>
+                    </a:p>
+                  </a:txBody>
+                  <a:tcPr anchor="ctr"/>
+                </a:tc>
+                <a:tc vMerge="1">
+                  <a:txBody>
+                    <a:bodyPr/>
+                    <a:lstStyle/>
+                    <a:p>
+                      <a:pPr>
+                        <a:defRPr sz="900">
+                          <a:latin typeface="Arial"/>
+                        </a:defRPr>
+                      </a:pPr>
+                      <a:r>
+                        <a:t>-</a:t>
+                      </a:r>
+                    </a:p>
+                  </a:txBody>
+                  <a:tcPr anchor="ctr"/>
+                </a:tc>
+                <a:extLst>
+                  <a:ext uri="{0D108BD9-81ED-4DB2-BD59-A6C34878D82A}">
+                    <a16:rowId xmlns:a16="http://schemas.microsoft.com/office/drawing/2014/main" val="10003"/>
+                  </a:ext>
+                </a:extLst>
+              </a:tr>
+              <a:tr h="243125">
+                <a:tc>
+                  <a:txBody>
+                    <a:bodyPr/>
+                    <a:lstStyle/>
+                    <a:p>
+                      <a:pPr>
+                        <a:defRPr sz="900">
+                          <a:latin typeface="Arial"/>
+                        </a:defRPr>
+                      </a:pPr>
+                      <a:r>
+                        <a:t>-</a:t>
+                      </a:r>
+                    </a:p>
+                  </a:txBody>
+                  <a:tcPr marL="0" marR="0" marT="0" marB="0" anchor="ctr">
+                    <a:lnL w="9525" cap="flat" cmpd="sng">
+                      <a:solidFill>
+                        <a:schemeClr val="dk1"/>
+                      </a:solidFill>
+                      <a:prstDash val="solid"/>
+                      <a:round/>
+                      <a:headEnd type="none" w="sm" len="sm"/>
+                      <a:tailEnd type="none" w="sm" len="sm"/>
+                    </a:lnL>
+                    <a:lnR w="9525" cap="flat" cmpd="sng">
+                      <a:solidFill>
+                        <a:schemeClr val="dk1"/>
+                      </a:solidFill>
+                      <a:prstDash val="solid"/>
+                      <a:round/>
+                      <a:headEnd type="none" w="sm" len="sm"/>
+                      <a:tailEnd type="none" w="sm" len="sm"/>
+                    </a:lnR>
+                    <a:lnT w="9525" cap="flat" cmpd="sng">
+                      <a:solidFill>
+                        <a:schemeClr val="dk1"/>
+                      </a:solidFill>
+                      <a:prstDash val="solid"/>
+                      <a:round/>
+                      <a:headEnd type="none" w="sm" len="sm"/>
+                      <a:tailEnd type="none" w="sm" len="sm"/>
+                    </a:lnT>
+                    <a:lnB w="9525" cap="flat" cmpd="sng">
+                      <a:solidFill>
+                        <a:schemeClr val="dk1"/>
+                      </a:solidFill>
+                      <a:prstDash val="solid"/>
+                      <a:round/>
+                      <a:headEnd type="none" w="sm" len="sm"/>
+                      <a:tailEnd type="none" w="sm" len="sm"/>
+                    </a:lnB>
+                  </a:tcPr>
+                </a:tc>
+                <a:tc>
+                  <a:txBody>
+                    <a:bodyPr/>
+                    <a:lstStyle/>
+                    <a:p>
+                      <a:pPr>
+                        <a:defRPr sz="900">
+                          <a:latin typeface="Arial"/>
+                        </a:defRPr>
+                      </a:pPr>
+                      <a:r>
+                        <a:t>-</a:t>
+                      </a:r>
+                    </a:p>
+                  </a:txBody>
+                  <a:tcPr marL="0" marR="0" marT="0" marB="0" anchor="ctr">
+                    <a:lnL w="9525" cap="flat" cmpd="sng">
+                      <a:solidFill>
+                        <a:schemeClr val="dk1"/>
+                      </a:solidFill>
+                      <a:prstDash val="solid"/>
+                      <a:round/>
+                      <a:headEnd type="none" w="sm" len="sm"/>
+                      <a:tailEnd type="none" w="sm" len="sm"/>
+                    </a:lnL>
+                    <a:lnR w="9525" cap="flat" cmpd="sng">
+                      <a:solidFill>
+                        <a:schemeClr val="dk1"/>
+                      </a:solidFill>
+                      <a:prstDash val="solid"/>
+                      <a:round/>
+                      <a:headEnd type="none" w="sm" len="sm"/>
+                      <a:tailEnd type="none" w="sm" len="sm"/>
+                    </a:lnR>
+                    <a:lnT w="9525" cap="flat" cmpd="sng">
+                      <a:solidFill>
+                        <a:schemeClr val="dk1"/>
+                      </a:solidFill>
+                      <a:prstDash val="solid"/>
+                      <a:round/>
+                      <a:headEnd type="none" w="sm" len="sm"/>
+                      <a:tailEnd type="none" w="sm" len="sm"/>
+                    </a:lnT>
+                    <a:lnB w="9525" cap="flat" cmpd="sng">
+                      <a:solidFill>
+                        <a:schemeClr val="dk1"/>
+                      </a:solidFill>
+                      <a:prstDash val="solid"/>
+                      <a:round/>
+                      <a:headEnd type="none" w="sm" len="sm"/>
+                      <a:tailEnd type="none" w="sm" len="sm"/>
+                    </a:lnB>
+                  </a:tcPr>
+                </a:tc>
+                <a:tc>
+                  <a:txBody>
+                    <a:bodyPr/>
+                    <a:lstStyle/>
+                    <a:p>
+                      <a:pPr>
+                        <a:defRPr sz="900">
+                          <a:latin typeface="Arial"/>
+                        </a:defRPr>
+                      </a:pPr>
+                      <a:r>
+                        <a:t>-</a:t>
+                      </a:r>
+                    </a:p>
+                  </a:txBody>
+                  <a:tcPr marL="83125" marR="83125" marT="45725" marB="45725" anchor="ctr">
+                    <a:lnL w="9525" cap="flat" cmpd="sng">
+                      <a:solidFill>
+                        <a:schemeClr val="dk1"/>
+                      </a:solidFill>
+                      <a:prstDash val="solid"/>
+                      <a:round/>
+                      <a:headEnd type="none" w="sm" len="sm"/>
+                      <a:tailEnd type="none" w="sm" len="sm"/>
+                    </a:lnL>
+                    <a:lnR w="9525" cap="flat" cmpd="sng">
+                      <a:solidFill>
+                        <a:schemeClr val="dk1"/>
+                      </a:solidFill>
+                      <a:prstDash val="solid"/>
+                      <a:round/>
+                      <a:headEnd type="none" w="sm" len="sm"/>
+                      <a:tailEnd type="none" w="sm" len="sm"/>
+                    </a:lnR>
+                    <a:lnT w="9525" cap="flat" cmpd="sng">
+                      <a:solidFill>
+                        <a:schemeClr val="dk1"/>
+                      </a:solidFill>
+                      <a:prstDash val="solid"/>
+                      <a:round/>
+                      <a:headEnd type="none" w="sm" len="sm"/>
+                      <a:tailEnd type="none" w="sm" len="sm"/>
+                    </a:lnT>
+                    <a:lnB w="9525" cap="flat" cmpd="sng">
+                      <a:solidFill>
+                        <a:schemeClr val="dk1"/>
+                      </a:solidFill>
+                      <a:prstDash val="solid"/>
+                      <a:round/>
+                      <a:headEnd type="none" w="sm" len="sm"/>
+                      <a:tailEnd type="none" w="sm" len="sm"/>
+                    </a:lnB>
+                  </a:tcPr>
+                </a:tc>
+                <a:tc>
+                  <a:txBody>
+                    <a:bodyPr/>
+                    <a:lstStyle/>
+                    <a:p>
+                      <a:pPr>
+                        <a:defRPr sz="900">
+                          <a:latin typeface="Arial"/>
+                        </a:defRPr>
+                      </a:pPr>
+                      <a:r>
+                        <a:t>-</a:t>
+                      </a:r>
+                    </a:p>
+                  </a:txBody>
+                  <a:tcPr marL="83125" marR="83125" marT="45725" marB="45725" anchor="ctr">
+                    <a:lnL w="9525" cap="flat" cmpd="sng">
+                      <a:solidFill>
+                        <a:schemeClr val="dk1"/>
+                      </a:solidFill>
+                      <a:prstDash val="solid"/>
+                      <a:round/>
+                      <a:headEnd type="none" w="sm" len="sm"/>
+                      <a:tailEnd type="none" w="sm" len="sm"/>
+                    </a:lnL>
+                    <a:lnR w="9525" cap="flat" cmpd="sng">
+                      <a:solidFill>
+                        <a:schemeClr val="dk1"/>
+                      </a:solidFill>
+                      <a:prstDash val="solid"/>
+                      <a:round/>
+                      <a:headEnd type="none" w="sm" len="sm"/>
+                      <a:tailEnd type="none" w="sm" len="sm"/>
+                    </a:lnR>
+                    <a:lnT w="9525" cap="flat" cmpd="sng">
+                      <a:solidFill>
+                        <a:schemeClr val="dk1"/>
+                      </a:solidFill>
+                      <a:prstDash val="solid"/>
+                      <a:round/>
+                      <a:headEnd type="none" w="sm" len="sm"/>
+                      <a:tailEnd type="none" w="sm" len="sm"/>
+                    </a:lnT>
+                    <a:lnB w="9525" cap="flat" cmpd="sng">
+                      <a:solidFill>
+                        <a:schemeClr val="dk1"/>
+                      </a:solidFill>
+                      <a:prstDash val="solid"/>
+                      <a:round/>
+                      <a:headEnd type="none" w="sm" len="sm"/>
+                      <a:tailEnd type="none" w="sm" len="sm"/>
+                    </a:lnB>
+                  </a:tcPr>
+                </a:tc>
+                <a:tc>
+                  <a:txBody>
+                    <a:bodyPr/>
+                    <a:lstStyle/>
+                    <a:p>
+                      <a:pPr>
+                        <a:defRPr sz="900">
+                          <a:latin typeface="Arial"/>
+                        </a:defRPr>
+                      </a:pPr>
+                      <a:r>
+                        <a:t>-</a:t>
+                      </a:r>
+                    </a:p>
+                  </a:txBody>
+                  <a:tcPr marL="83125" marR="83125" marT="45725" marB="45725" anchor="ctr">
+                    <a:lnL w="9525" cap="flat" cmpd="sng">
+                      <a:solidFill>
+                        <a:schemeClr val="dk1"/>
+                      </a:solidFill>
+                      <a:prstDash val="solid"/>
+                      <a:round/>
+                      <a:headEnd type="none" w="sm" len="sm"/>
+                      <a:tailEnd type="none" w="sm" len="sm"/>
+                    </a:lnL>
+                    <a:lnR w="9525" cap="flat" cmpd="sng">
+                      <a:solidFill>
+                        <a:schemeClr val="dk1"/>
+                      </a:solidFill>
+                      <a:prstDash val="solid"/>
+                      <a:round/>
+                      <a:headEnd type="none" w="sm" len="sm"/>
+                      <a:tailEnd type="none" w="sm" len="sm"/>
+                    </a:lnR>
+                    <a:lnT w="9525" cap="flat" cmpd="sng">
+                      <a:solidFill>
+                        <a:schemeClr val="dk1"/>
+                      </a:solidFill>
+                      <a:prstDash val="solid"/>
+                      <a:round/>
+                      <a:headEnd type="none" w="sm" len="sm"/>
+                      <a:tailEnd type="none" w="sm" len="sm"/>
+                    </a:lnT>
+                    <a:lnB w="9525" cap="flat" cmpd="sng">
+                      <a:solidFill>
+                        <a:schemeClr val="dk1"/>
+                      </a:solidFill>
+                      <a:prstDash val="solid"/>
+                      <a:round/>
+                      <a:headEnd type="none" w="sm" len="sm"/>
+                      <a:tailEnd type="none" w="sm" len="sm"/>
+                    </a:lnB>
+                  </a:tcPr>
+                </a:tc>
+                <a:tc>
+                  <a:txBody>
+                    <a:bodyPr/>
+                    <a:lstStyle/>
+                    <a:p>
+                      <a:pPr>
+                        <a:defRPr sz="900">
+                          <a:latin typeface="Arial"/>
+                        </a:defRPr>
+                      </a:pPr>
+                      <a:r>
+                        <a:t>-</a:t>
+                      </a:r>
+                    </a:p>
+                  </a:txBody>
+                  <a:tcPr marL="83125" marR="83125" marT="45725" marB="45725" anchor="ctr">
+                    <a:lnL w="9525" cap="flat" cmpd="sng">
+                      <a:solidFill>
+                        <a:schemeClr val="dk1"/>
+                      </a:solidFill>
+                      <a:prstDash val="solid"/>
+                      <a:round/>
+                      <a:headEnd type="none" w="sm" len="sm"/>
+                      <a:tailEnd type="none" w="sm" len="sm"/>
+                    </a:lnL>
+                    <a:lnR w="9525" cap="flat" cmpd="sng">
+                      <a:solidFill>
+                        <a:schemeClr val="dk1"/>
+                      </a:solidFill>
+                      <a:prstDash val="solid"/>
+                      <a:round/>
+                      <a:headEnd type="none" w="sm" len="sm"/>
+                      <a:tailEnd type="none" w="sm" len="sm"/>
+                    </a:lnR>
+                    <a:lnT w="9525" cap="flat" cmpd="sng">
+                      <a:solidFill>
+                        <a:schemeClr val="dk1"/>
+                      </a:solidFill>
+                      <a:prstDash val="solid"/>
+                      <a:round/>
+                      <a:headEnd type="none" w="sm" len="sm"/>
+                      <a:tailEnd type="none" w="sm" len="sm"/>
+                    </a:lnT>
+                    <a:lnB w="9525" cap="flat" cmpd="sng">
+                      <a:solidFill>
+                        <a:schemeClr val="dk1"/>
+                      </a:solidFill>
+                      <a:prstDash val="solid"/>
+                      <a:round/>
+                      <a:headEnd type="none" w="sm" len="sm"/>
+                      <a:tailEnd type="none" w="sm" len="sm"/>
+                    </a:lnB>
+                  </a:tcPr>
+                </a:tc>
+                <a:tc>
+                  <a:txBody>
+                    <a:bodyPr/>
+                    <a:lstStyle/>
+                    <a:p>
+                      <a:pPr>
+                        <a:defRPr sz="900">
+                          <a:latin typeface="Arial"/>
+                        </a:defRPr>
+                      </a:pPr>
+                      <a:r>
+                        <a:t>-</a:t>
+                      </a:r>
+                    </a:p>
+                  </a:txBody>
+                  <a:tcPr marL="83125" marR="83125" marT="45725" marB="45725" anchor="ctr">
+                    <a:lnL w="9525" cap="flat" cmpd="sng">
+                      <a:solidFill>
+                        <a:schemeClr val="dk1"/>
+                      </a:solidFill>
+                      <a:prstDash val="solid"/>
+                      <a:round/>
+                      <a:headEnd type="none" w="sm" len="sm"/>
+                      <a:tailEnd type="none" w="sm" len="sm"/>
+                    </a:lnL>
+                    <a:lnR w="9525" cap="flat" cmpd="sng">
+                      <a:solidFill>
+                        <a:schemeClr val="dk1"/>
+                      </a:solidFill>
+                      <a:prstDash val="solid"/>
+                      <a:round/>
+                      <a:headEnd type="none" w="sm" len="sm"/>
+                      <a:tailEnd type="none" w="sm" len="sm"/>
+                    </a:lnR>
+                    <a:lnT w="9525" cap="flat" cmpd="sng">
+                      <a:solidFill>
+                        <a:schemeClr val="dk1"/>
+                      </a:solidFill>
+                      <a:prstDash val="solid"/>
+                      <a:round/>
+                      <a:headEnd type="none" w="sm" len="sm"/>
+                      <a:tailEnd type="none" w="sm" len="sm"/>
+                    </a:lnT>
+                    <a:lnB w="9525" cap="flat" cmpd="sng">
+                      <a:solidFill>
+                        <a:schemeClr val="dk1"/>
+                      </a:solidFill>
+                      <a:prstDash val="solid"/>
+                      <a:round/>
+                      <a:headEnd type="none" w="sm" len="sm"/>
+                      <a:tailEnd type="none" w="sm" len="sm"/>
+                    </a:lnB>
+                  </a:tcPr>
+                </a:tc>
+                <a:tc>
+                  <a:txBody>
+                    <a:bodyPr/>
+                    <a:lstStyle/>
+                    <a:p>
+                      <a:pPr>
+                        <a:defRPr sz="900">
+                          <a:latin typeface="Arial"/>
+                        </a:defRPr>
+                      </a:pPr>
+                      <a:r>
+                        <a:t>-</a:t>
+                      </a:r>
+                    </a:p>
+                  </a:txBody>
+                  <a:tcPr marL="0" marR="0" marT="0" marB="0" anchor="ctr">
+                    <a:lnL w="9525" cap="flat" cmpd="sng">
+                      <a:solidFill>
+                        <a:schemeClr val="dk1"/>
+                      </a:solidFill>
+                      <a:prstDash val="solid"/>
+                      <a:round/>
+                      <a:headEnd type="none" w="sm" len="sm"/>
+                      <a:tailEnd type="none" w="sm" len="sm"/>
+                    </a:lnL>
+                    <a:lnR w="9525" cap="flat" cmpd="sng">
+                      <a:solidFill>
+                        <a:schemeClr val="dk1"/>
+                      </a:solidFill>
+                      <a:prstDash val="solid"/>
+                      <a:round/>
+                      <a:headEnd type="none" w="sm" len="sm"/>
+                      <a:tailEnd type="none" w="sm" len="sm"/>
+                    </a:lnR>
+                    <a:lnT w="9525" cap="flat" cmpd="sng">
+                      <a:solidFill>
+                        <a:schemeClr val="dk1"/>
+                      </a:solidFill>
+                      <a:prstDash val="solid"/>
+                      <a:round/>
+                      <a:headEnd type="none" w="sm" len="sm"/>
+                      <a:tailEnd type="none" w="sm" len="sm"/>
+                    </a:lnT>
+                    <a:lnB w="9525" cap="flat" cmpd="sng">
+                      <a:solidFill>
+                        <a:schemeClr val="dk1"/>
+                      </a:solidFill>
+                      <a:prstDash val="solid"/>
+                      <a:round/>
+                      <a:headEnd type="none" w="sm" len="sm"/>
+                      <a:tailEnd type="none" w="sm" len="sm"/>
+                    </a:lnB>
+                  </a:tcPr>
+                </a:tc>
+                <a:tc>
+                  <a:txBody>
+                    <a:bodyPr/>
+                    <a:lstStyle/>
+                    <a:p>
+                      <a:pPr>
+                        <a:defRPr sz="900">
+                          <a:latin typeface="Arial"/>
+                        </a:defRPr>
+                      </a:pPr>
+                      <a:r>
+                        <a:t>-</a:t>
+                      </a:r>
+                    </a:p>
+                  </a:txBody>
+                  <a:tcPr marL="0" marR="0" marT="0" marB="0" anchor="ctr">
+                    <a:lnL w="9525" cap="flat" cmpd="sng">
+                      <a:solidFill>
+                        <a:schemeClr val="dk1"/>
+                      </a:solidFill>
+                      <a:prstDash val="solid"/>
+                      <a:round/>
+                      <a:headEnd type="none" w="sm" len="sm"/>
+                      <a:tailEnd type="none" w="sm" len="sm"/>
+                    </a:lnL>
+                    <a:lnR w="9525" cap="flat" cmpd="sng">
+                      <a:solidFill>
+                        <a:schemeClr val="dk1"/>
+                      </a:solidFill>
+                      <a:prstDash val="solid"/>
+                      <a:round/>
+                      <a:headEnd type="none" w="sm" len="sm"/>
+                      <a:tailEnd type="none" w="sm" len="sm"/>
+                    </a:lnR>
+                    <a:lnT w="9525" cap="flat" cmpd="sng">
+                      <a:solidFill>
+                        <a:schemeClr val="dk1"/>
+                      </a:solidFill>
+                      <a:prstDash val="solid"/>
+                      <a:round/>
+                      <a:headEnd type="none" w="sm" len="sm"/>
+                      <a:tailEnd type="none" w="sm" len="sm"/>
+                    </a:lnT>
+                    <a:lnB w="9525" cap="flat" cmpd="sng">
+                      <a:solidFill>
+                        <a:schemeClr val="dk1"/>
+                      </a:solidFill>
+                      <a:prstDash val="solid"/>
+                      <a:round/>
+                      <a:headEnd type="none" w="sm" len="sm"/>
+                      <a:tailEnd type="none" w="sm" len="sm"/>
+                    </a:lnB>
+                  </a:tcPr>
+                </a:tc>
+                <a:tc vMerge="1">
+                  <a:txBody>
+                    <a:bodyPr/>
+                    <a:lstStyle/>
+                    <a:p>
+                      <a:pPr>
+                        <a:defRPr sz="900">
+                          <a:latin typeface="Arial"/>
+                        </a:defRPr>
+                      </a:pPr>
+                      <a:r>
+                        <a:t>-</a:t>
+                      </a:r>
+                    </a:p>
+                  </a:txBody>
+                  <a:tcPr anchor="ctr"/>
+                </a:tc>
+                <a:tc vMerge="1">
+                  <a:txBody>
+                    <a:bodyPr/>
+                    <a:lstStyle/>
+                    <a:p>
+                      <a:pPr>
+                        <a:defRPr sz="900">
+                          <a:latin typeface="Arial"/>
+                        </a:defRPr>
+                      </a:pPr>
+                      <a:r>
+                        <a:t>-</a:t>
+                      </a:r>
+                    </a:p>
+                  </a:txBody>
+                  <a:tcPr anchor="ctr"/>
+                </a:tc>
+                <a:extLst>
+                  <a:ext uri="{0D108BD9-81ED-4DB2-BD59-A6C34878D82A}">
+                    <a16:rowId xmlns:a16="http://schemas.microsoft.com/office/drawing/2014/main" val="10004"/>
+                  </a:ext>
+                </a:extLst>
+              </a:tr>
+              <a:tr h="243125">
+                <a:tc>
+                  <a:txBody>
+                    <a:bodyPr/>
+                    <a:lstStyle/>
+                    <a:p>
+                      <a:pPr>
+                        <a:defRPr sz="900">
+                          <a:latin typeface="Arial"/>
+                        </a:defRPr>
+                      </a:pPr>
+                      <a:r>
+                        <a:t>-</a:t>
+                      </a:r>
+                    </a:p>
+                  </a:txBody>
+                  <a:tcPr marL="0" marR="0" marT="0" marB="0" anchor="ctr">
+                    <a:lnL w="9525" cap="flat" cmpd="sng">
+                      <a:solidFill>
+                        <a:schemeClr val="dk1"/>
+                      </a:solidFill>
+                      <a:prstDash val="solid"/>
+                      <a:round/>
+                      <a:headEnd type="none" w="sm" len="sm"/>
+                      <a:tailEnd type="none" w="sm" len="sm"/>
+                    </a:lnL>
+                    <a:lnR w="9525" cap="flat" cmpd="sng">
+                      <a:solidFill>
+                        <a:schemeClr val="dk1"/>
+                      </a:solidFill>
+                      <a:prstDash val="solid"/>
+                      <a:round/>
+                      <a:headEnd type="none" w="sm" len="sm"/>
+                      <a:tailEnd type="none" w="sm" len="sm"/>
+                    </a:lnR>
+                    <a:lnT w="9525" cap="flat" cmpd="sng">
+                      <a:solidFill>
+                        <a:schemeClr val="dk1"/>
+                      </a:solidFill>
+                      <a:prstDash val="solid"/>
+                      <a:round/>
+                      <a:headEnd type="none" w="sm" len="sm"/>
+                      <a:tailEnd type="none" w="sm" len="sm"/>
+                    </a:lnT>
+                    <a:lnB w="9525" cap="flat" cmpd="sng">
+                      <a:solidFill>
+                        <a:schemeClr val="dk1"/>
+                      </a:solidFill>
+                      <a:prstDash val="solid"/>
+                      <a:round/>
+                      <a:headEnd type="none" w="sm" len="sm"/>
+                      <a:tailEnd type="none" w="sm" len="sm"/>
+                    </a:lnB>
+                  </a:tcPr>
+                </a:tc>
+                <a:tc>
+                  <a:txBody>
+                    <a:bodyPr/>
+                    <a:lstStyle/>
+                    <a:p>
+                      <a:pPr>
+                        <a:defRPr sz="900">
+                          <a:latin typeface="Arial"/>
+                        </a:defRPr>
+                      </a:pPr>
+                      <a:r>
+                        <a:t>-</a:t>
+                      </a:r>
+                    </a:p>
+                  </a:txBody>
+                  <a:tcPr marL="0" marR="0" marT="0" marB="0" anchor="ctr">
+                    <a:lnL w="9525" cap="flat" cmpd="sng">
+                      <a:solidFill>
+                        <a:schemeClr val="dk1"/>
+                      </a:solidFill>
+                      <a:prstDash val="solid"/>
+                      <a:round/>
+                      <a:headEnd type="none" w="sm" len="sm"/>
+                      <a:tailEnd type="none" w="sm" len="sm"/>
+                    </a:lnL>
+                    <a:lnR w="9525" cap="flat" cmpd="sng">
+                      <a:solidFill>
+                        <a:schemeClr val="dk1"/>
+                      </a:solidFill>
+                      <a:prstDash val="solid"/>
+                      <a:round/>
+                      <a:headEnd type="none" w="sm" len="sm"/>
+                      <a:tailEnd type="none" w="sm" len="sm"/>
+                    </a:lnR>
+                    <a:lnT w="9525" cap="flat" cmpd="sng">
+                      <a:solidFill>
+                        <a:schemeClr val="dk1"/>
+                      </a:solidFill>
+                      <a:prstDash val="solid"/>
+                      <a:round/>
+                      <a:headEnd type="none" w="sm" len="sm"/>
+                      <a:tailEnd type="none" w="sm" len="sm"/>
+                    </a:lnT>
+                    <a:lnB w="9525" cap="flat" cmpd="sng">
+                      <a:solidFill>
+                        <a:schemeClr val="dk1"/>
+                      </a:solidFill>
+                      <a:prstDash val="solid"/>
+                      <a:round/>
+                      <a:headEnd type="none" w="sm" len="sm"/>
+                      <a:tailEnd type="none" w="sm" len="sm"/>
+                    </a:lnB>
+                  </a:tcPr>
+                </a:tc>
+                <a:tc>
+                  <a:txBody>
+                    <a:bodyPr/>
+                    <a:lstStyle/>
+                    <a:p>
+                      <a:pPr>
+                        <a:defRPr sz="900">
+                          <a:latin typeface="Arial"/>
+                        </a:defRPr>
+                      </a:pPr>
+                      <a:r>
+                        <a:t>-</a:t>
+                      </a:r>
+                    </a:p>
+                  </a:txBody>
+                  <a:tcPr marL="83125" marR="83125" marT="45725" marB="45725" anchor="ctr">
+                    <a:lnL w="9525" cap="flat" cmpd="sng">
+                      <a:solidFill>
+                        <a:schemeClr val="dk1"/>
+                      </a:solidFill>
+                      <a:prstDash val="solid"/>
+                      <a:round/>
+                      <a:headEnd type="none" w="sm" len="sm"/>
+                      <a:tailEnd type="none" w="sm" len="sm"/>
+                    </a:lnL>
+                    <a:lnR w="9525" cap="flat" cmpd="sng">
+                      <a:solidFill>
+                        <a:schemeClr val="dk1"/>
+                      </a:solidFill>
+                      <a:prstDash val="solid"/>
+                      <a:round/>
+                      <a:headEnd type="none" w="sm" len="sm"/>
+                      <a:tailEnd type="none" w="sm" len="sm"/>
+                    </a:lnR>
+                    <a:lnT w="9525" cap="flat" cmpd="sng">
+                      <a:solidFill>
+                        <a:schemeClr val="dk1"/>
+                      </a:solidFill>
+                      <a:prstDash val="solid"/>
+                      <a:round/>
+                      <a:headEnd type="none" w="sm" len="sm"/>
+                      <a:tailEnd type="none" w="sm" len="sm"/>
+                    </a:lnT>
+                    <a:lnB w="9525" cap="flat" cmpd="sng">
+                      <a:solidFill>
+                        <a:schemeClr val="dk1"/>
+                      </a:solidFill>
+                      <a:prstDash val="solid"/>
+                      <a:round/>
+                      <a:headEnd type="none" w="sm" len="sm"/>
+                      <a:tailEnd type="none" w="sm" len="sm"/>
+                    </a:lnB>
+                  </a:tcPr>
+                </a:tc>
+                <a:tc>
+                  <a:txBody>
+                    <a:bodyPr/>
+                    <a:lstStyle/>
+                    <a:p>
+                      <a:pPr>
+                        <a:defRPr sz="900">
+                          <a:latin typeface="Arial"/>
+                        </a:defRPr>
+                      </a:pPr>
+                      <a:r>
+                        <a:t>-</a:t>
+                      </a:r>
+                    </a:p>
+                  </a:txBody>
+                  <a:tcPr marL="83125" marR="83125" marT="45725" marB="45725" anchor="ctr">
+                    <a:lnL w="9525" cap="flat" cmpd="sng">
+                      <a:solidFill>
+                        <a:schemeClr val="dk1"/>
+                      </a:solidFill>
+                      <a:prstDash val="solid"/>
+                      <a:round/>
+                      <a:headEnd type="none" w="sm" len="sm"/>
+                      <a:tailEnd type="none" w="sm" len="sm"/>
+                    </a:lnL>
+                    <a:lnR w="9525" cap="flat" cmpd="sng">
+                      <a:solidFill>
+                        <a:schemeClr val="dk1"/>
+                      </a:solidFill>
+                      <a:prstDash val="solid"/>
+                      <a:round/>
+                      <a:headEnd type="none" w="sm" len="sm"/>
+                      <a:tailEnd type="none" w="sm" len="sm"/>
+                    </a:lnR>
+                    <a:lnT w="9525" cap="flat" cmpd="sng">
+                      <a:solidFill>
+                        <a:schemeClr val="dk1"/>
+                      </a:solidFill>
+                      <a:prstDash val="solid"/>
+                      <a:round/>
+                      <a:headEnd type="none" w="sm" len="sm"/>
+                      <a:tailEnd type="none" w="sm" len="sm"/>
+                    </a:lnT>
+                    <a:lnB w="9525" cap="flat" cmpd="sng">
+                      <a:solidFill>
+                        <a:schemeClr val="dk1"/>
+                      </a:solidFill>
+                      <a:prstDash val="solid"/>
+                      <a:round/>
+                      <a:headEnd type="none" w="sm" len="sm"/>
+                      <a:tailEnd type="none" w="sm" len="sm"/>
+                    </a:lnB>
+                  </a:tcPr>
+                </a:tc>
+                <a:tc>
+                  <a:txBody>
+                    <a:bodyPr/>
+                    <a:lstStyle/>
+                    <a:p>
+                      <a:pPr>
+                        <a:defRPr sz="900">
+                          <a:latin typeface="Arial"/>
+                        </a:defRPr>
+                      </a:pPr>
+                      <a:r>
+                        <a:t>-</a:t>
+                      </a:r>
+                    </a:p>
+                  </a:txBody>
+                  <a:tcPr marL="83125" marR="83125" marT="45725" marB="45725" anchor="ctr">
+                    <a:lnL w="9525" cap="flat" cmpd="sng">
+                      <a:solidFill>
+                        <a:schemeClr val="dk1"/>
+                      </a:solidFill>
+                      <a:prstDash val="solid"/>
+                      <a:round/>
+                      <a:headEnd type="none" w="sm" len="sm"/>
+                      <a:tailEnd type="none" w="sm" len="sm"/>
+                    </a:lnL>
+                    <a:lnR w="9525" cap="flat" cmpd="sng">
+                      <a:solidFill>
+                        <a:schemeClr val="dk1"/>
+                      </a:solidFill>
+                      <a:prstDash val="solid"/>
+                      <a:round/>
+                      <a:headEnd type="none" w="sm" len="sm"/>
+                      <a:tailEnd type="none" w="sm" len="sm"/>
+                    </a:lnR>
+                    <a:lnT w="9525" cap="flat" cmpd="sng">
+                      <a:solidFill>
+                        <a:schemeClr val="dk1"/>
+                      </a:solidFill>
+                      <a:prstDash val="solid"/>
+                      <a:round/>
+                      <a:headEnd type="none" w="sm" len="sm"/>
+                      <a:tailEnd type="none" w="sm" len="sm"/>
+                    </a:lnT>
+                    <a:lnB w="9525" cap="flat" cmpd="sng">
+                      <a:solidFill>
+                        <a:schemeClr val="dk1"/>
+                      </a:solidFill>
+                      <a:prstDash val="solid"/>
+                      <a:round/>
+                      <a:headEnd type="none" w="sm" len="sm"/>
+                      <a:tailEnd type="none" w="sm" len="sm"/>
+                    </a:lnB>
+                  </a:tcPr>
+                </a:tc>
+                <a:tc>
+                  <a:txBody>
+                    <a:bodyPr/>
+                    <a:lstStyle/>
+                    <a:p>
+                      <a:pPr>
+                        <a:defRPr sz="900">
+                          <a:latin typeface="Arial"/>
+                        </a:defRPr>
+                      </a:pPr>
+                      <a:r>
+                        <a:t>-</a:t>
+                      </a:r>
+                    </a:p>
+                  </a:txBody>
+                  <a:tcPr marL="83125" marR="83125" marT="45725" marB="45725" anchor="ctr">
+                    <a:lnL w="9525" cap="flat" cmpd="sng">
+                      <a:solidFill>
+                        <a:schemeClr val="dk1"/>
+                      </a:solidFill>
+                      <a:prstDash val="solid"/>
+                      <a:round/>
+                      <a:headEnd type="none" w="sm" len="sm"/>
+                      <a:tailEnd type="none" w="sm" len="sm"/>
+                    </a:lnL>
+                    <a:lnR w="9525" cap="flat" cmpd="sng">
+                      <a:solidFill>
+                        <a:schemeClr val="dk1"/>
+                      </a:solidFill>
+                      <a:prstDash val="solid"/>
+                      <a:round/>
+                      <a:headEnd type="none" w="sm" len="sm"/>
+                      <a:tailEnd type="none" w="sm" len="sm"/>
+                    </a:lnR>
+                    <a:lnT w="9525" cap="flat" cmpd="sng">
+                      <a:solidFill>
+                        <a:schemeClr val="dk1"/>
+                      </a:solidFill>
+                      <a:prstDash val="solid"/>
+                      <a:round/>
+                      <a:headEnd type="none" w="sm" len="sm"/>
+                      <a:tailEnd type="none" w="sm" len="sm"/>
+                    </a:lnT>
+                    <a:lnB w="9525" cap="flat" cmpd="sng">
+                      <a:solidFill>
+                        <a:schemeClr val="dk1"/>
+                      </a:solidFill>
+                      <a:prstDash val="solid"/>
+                      <a:round/>
+                      <a:headEnd type="none" w="sm" len="sm"/>
+                      <a:tailEnd type="none" w="sm" len="sm"/>
+                    </a:lnB>
+                  </a:tcPr>
+                </a:tc>
+                <a:tc>
+                  <a:txBody>
+                    <a:bodyPr/>
+                    <a:lstStyle/>
+                    <a:p>
+                      <a:pPr>
+                        <a:defRPr sz="900">
+                          <a:latin typeface="Arial"/>
+                        </a:defRPr>
+                      </a:pPr>
+                      <a:r>
+                        <a:t>-</a:t>
+                      </a:r>
+                    </a:p>
+                  </a:txBody>
+                  <a:tcPr marL="83125" marR="83125" marT="45725" marB="45725" anchor="ctr">
+                    <a:lnL w="9525" cap="flat" cmpd="sng">
+                      <a:solidFill>
+                        <a:schemeClr val="dk1"/>
+                      </a:solidFill>
+                      <a:prstDash val="solid"/>
+                      <a:round/>
+                      <a:headEnd type="none" w="sm" len="sm"/>
+                      <a:tailEnd type="none" w="sm" len="sm"/>
+                    </a:lnL>
+                    <a:lnR w="9525" cap="flat" cmpd="sng">
+                      <a:solidFill>
+                        <a:schemeClr val="dk1"/>
+                      </a:solidFill>
+                      <a:prstDash val="solid"/>
+                      <a:round/>
+                      <a:headEnd type="none" w="sm" len="sm"/>
+                      <a:tailEnd type="none" w="sm" len="sm"/>
+                    </a:lnR>
+                    <a:lnT w="9525" cap="flat" cmpd="sng">
+                      <a:solidFill>
+                        <a:schemeClr val="dk1"/>
+                      </a:solidFill>
+                      <a:prstDash val="solid"/>
+                      <a:round/>
+                      <a:headEnd type="none" w="sm" len="sm"/>
+                      <a:tailEnd type="none" w="sm" len="sm"/>
+                    </a:lnT>
+                    <a:lnB w="9525" cap="flat" cmpd="sng">
+                      <a:solidFill>
+                        <a:schemeClr val="dk1"/>
+                      </a:solidFill>
+                      <a:prstDash val="solid"/>
+                      <a:round/>
+                      <a:headEnd type="none" w="sm" len="sm"/>
+                      <a:tailEnd type="none" w="sm" len="sm"/>
+                    </a:lnB>
+                  </a:tcPr>
+                </a:tc>
+                <a:tc>
+                  <a:txBody>
+                    <a:bodyPr/>
+                    <a:lstStyle/>
+                    <a:p>
+                      <a:pPr>
+                        <a:defRPr sz="900">
+                          <a:latin typeface="Arial"/>
+                        </a:defRPr>
+                      </a:pPr>
+                      <a:r>
+                        <a:t>-</a:t>
+                      </a:r>
+                    </a:p>
+                  </a:txBody>
+                  <a:tcPr marL="0" marR="0" marT="0" marB="0" anchor="ctr">
+                    <a:lnL w="9525" cap="flat" cmpd="sng">
+                      <a:solidFill>
+                        <a:schemeClr val="dk1"/>
+                      </a:solidFill>
+                      <a:prstDash val="solid"/>
+                      <a:round/>
+                      <a:headEnd type="none" w="sm" len="sm"/>
+                      <a:tailEnd type="none" w="sm" len="sm"/>
+                    </a:lnL>
+                    <a:lnR w="9525" cap="flat" cmpd="sng">
+                      <a:solidFill>
+                        <a:schemeClr val="dk1"/>
+                      </a:solidFill>
+                      <a:prstDash val="solid"/>
+                      <a:round/>
+                      <a:headEnd type="none" w="sm" len="sm"/>
+                      <a:tailEnd type="none" w="sm" len="sm"/>
+                    </a:lnR>
+                    <a:lnT w="9525" cap="flat" cmpd="sng">
+                      <a:solidFill>
+                        <a:schemeClr val="dk1"/>
+                      </a:solidFill>
+                      <a:prstDash val="solid"/>
+                      <a:round/>
+                      <a:headEnd type="none" w="sm" len="sm"/>
+                      <a:tailEnd type="none" w="sm" len="sm"/>
+                    </a:lnT>
+                    <a:lnB w="9525" cap="flat" cmpd="sng">
+                      <a:solidFill>
+                        <a:schemeClr val="dk1"/>
+                      </a:solidFill>
+                      <a:prstDash val="solid"/>
+                      <a:round/>
+                      <a:headEnd type="none" w="sm" len="sm"/>
+                      <a:tailEnd type="none" w="sm" len="sm"/>
+                    </a:lnB>
+                  </a:tcPr>
+                </a:tc>
+                <a:tc>
+                  <a:txBody>
+                    <a:bodyPr/>
+                    <a:lstStyle/>
+                    <a:p>
+                      <a:pPr>
+                        <a:defRPr sz="900">
+                          <a:latin typeface="Arial"/>
+                        </a:defRPr>
+                      </a:pPr>
+                      <a:r>
+                        <a:t>-</a:t>
+                      </a:r>
+                    </a:p>
+                  </a:txBody>
+                  <a:tcPr marL="0" marR="0" marT="0" marB="0" anchor="ctr">
+                    <a:lnL w="9525" cap="flat" cmpd="sng">
+                      <a:solidFill>
+                        <a:schemeClr val="dk1"/>
+                      </a:solidFill>
+                      <a:prstDash val="solid"/>
+                      <a:round/>
+                      <a:headEnd type="none" w="sm" len="sm"/>
+                      <a:tailEnd type="none" w="sm" len="sm"/>
+                    </a:lnL>
+                    <a:lnR w="9525" cap="flat" cmpd="sng">
+                      <a:solidFill>
+                        <a:schemeClr val="dk1"/>
+                      </a:solidFill>
+                      <a:prstDash val="solid"/>
+                      <a:round/>
+                      <a:headEnd type="none" w="sm" len="sm"/>
+                      <a:tailEnd type="none" w="sm" len="sm"/>
+                    </a:lnR>
+                    <a:lnT w="9525" cap="flat" cmpd="sng">
+                      <a:solidFill>
+                        <a:schemeClr val="dk1"/>
+                      </a:solidFill>
+                      <a:prstDash val="solid"/>
+                      <a:round/>
+                      <a:headEnd type="none" w="sm" len="sm"/>
+                      <a:tailEnd type="none" w="sm" len="sm"/>
+                    </a:lnT>
+                    <a:lnB w="9525" cap="flat" cmpd="sng">
+                      <a:solidFill>
+                        <a:schemeClr val="dk1"/>
+                      </a:solidFill>
+                      <a:prstDash val="solid"/>
+                      <a:round/>
+                      <a:headEnd type="none" w="sm" len="sm"/>
+                      <a:tailEnd type="none" w="sm" len="sm"/>
+                    </a:lnB>
+                  </a:tcPr>
+                </a:tc>
+                <a:tc vMerge="1">
+                  <a:txBody>
+                    <a:bodyPr/>
+                    <a:lstStyle/>
+                    <a:p>
+                      <a:pPr>
+                        <a:defRPr sz="900">
+                          <a:latin typeface="Arial"/>
+                        </a:defRPr>
+                      </a:pPr>
+                      <a:r>
+                        <a:t>-</a:t>
+                      </a:r>
+                    </a:p>
+                  </a:txBody>
+                  <a:tcPr anchor="ctr"/>
+                </a:tc>
+                <a:tc vMerge="1">
+                  <a:txBody>
+                    <a:bodyPr/>
+                    <a:lstStyle/>
+                    <a:p>
+                      <a:pPr>
+                        <a:defRPr sz="900">
+                          <a:latin typeface="Arial"/>
+                        </a:defRPr>
+                      </a:pPr>
+                      <a:r>
+                        <a:t>-</a:t>
+                      </a:r>
+                    </a:p>
+                  </a:txBody>
+                  <a:tcPr anchor="ctr"/>
+                </a:tc>
+                <a:extLst>
+                  <a:ext uri="{0D108BD9-81ED-4DB2-BD59-A6C34878D82A}">
+                    <a16:rowId xmlns:a16="http://schemas.microsoft.com/office/drawing/2014/main" val="10004"/>
+                  </a:ext>
+                </a:extLst>
+              </a:tr>
+              <a:tr h="243125">
+                <a:tc>
+                  <a:txBody>
+                    <a:bodyPr/>
+                    <a:lstStyle/>
+                    <a:p>
+                      <a:pPr>
+                        <a:defRPr sz="900">
+                          <a:latin typeface="Arial"/>
+                        </a:defRPr>
+                      </a:pPr>
+                      <a:r>
+                        <a:t>-</a:t>
+                      </a:r>
+                    </a:p>
+                  </a:txBody>
+                  <a:tcPr marL="0" marR="0" marT="0" marB="0" anchor="ctr">
+                    <a:lnL w="9525" cap="flat" cmpd="sng">
+                      <a:solidFill>
+                        <a:schemeClr val="dk1"/>
+                      </a:solidFill>
+                      <a:prstDash val="solid"/>
+                      <a:round/>
+                      <a:headEnd type="none" w="sm" len="sm"/>
+                      <a:tailEnd type="none" w="sm" len="sm"/>
+                    </a:lnL>
+                    <a:lnR w="9525" cap="flat" cmpd="sng">
+                      <a:solidFill>
+                        <a:schemeClr val="dk1"/>
+                      </a:solidFill>
+                      <a:prstDash val="solid"/>
+                      <a:round/>
+                      <a:headEnd type="none" w="sm" len="sm"/>
+                      <a:tailEnd type="none" w="sm" len="sm"/>
+                    </a:lnR>
+                    <a:lnT w="9525" cap="flat" cmpd="sng">
+                      <a:solidFill>
+                        <a:schemeClr val="dk1"/>
+                      </a:solidFill>
+                      <a:prstDash val="solid"/>
+                      <a:round/>
+                      <a:headEnd type="none" w="sm" len="sm"/>
+                      <a:tailEnd type="none" w="sm" len="sm"/>
+                    </a:lnT>
+                    <a:lnB w="9525" cap="flat" cmpd="sng">
+                      <a:solidFill>
+                        <a:schemeClr val="dk1"/>
+                      </a:solidFill>
+                      <a:prstDash val="solid"/>
+                      <a:round/>
+                      <a:headEnd type="none" w="sm" len="sm"/>
+                      <a:tailEnd type="none" w="sm" len="sm"/>
+                    </a:lnB>
+                  </a:tcPr>
+                </a:tc>
+                <a:tc>
+                  <a:txBody>
+                    <a:bodyPr/>
+                    <a:lstStyle/>
+                    <a:p>
+                      <a:pPr>
+                        <a:defRPr sz="900">
+                          <a:latin typeface="Arial"/>
+                        </a:defRPr>
+                      </a:pPr>
+                      <a:r>
+                        <a:t>-</a:t>
+                      </a:r>
+                    </a:p>
+                  </a:txBody>
+                  <a:tcPr marL="0" marR="0" marT="0" marB="0" anchor="ctr">
+                    <a:lnL w="9525" cap="flat" cmpd="sng">
+                      <a:solidFill>
+                        <a:schemeClr val="dk1"/>
+                      </a:solidFill>
+                      <a:prstDash val="solid"/>
+                      <a:round/>
+                      <a:headEnd type="none" w="sm" len="sm"/>
+                      <a:tailEnd type="none" w="sm" len="sm"/>
+                    </a:lnL>
+                    <a:lnR w="9525" cap="flat" cmpd="sng">
+                      <a:solidFill>
+                        <a:schemeClr val="dk1"/>
+                      </a:solidFill>
+                      <a:prstDash val="solid"/>
+                      <a:round/>
+                      <a:headEnd type="none" w="sm" len="sm"/>
+                      <a:tailEnd type="none" w="sm" len="sm"/>
+                    </a:lnR>
+                    <a:lnT w="9525" cap="flat" cmpd="sng">
+                      <a:solidFill>
+                        <a:schemeClr val="dk1"/>
+                      </a:solidFill>
+                      <a:prstDash val="solid"/>
+                      <a:round/>
+                      <a:headEnd type="none" w="sm" len="sm"/>
+                      <a:tailEnd type="none" w="sm" len="sm"/>
+                    </a:lnT>
+                    <a:lnB w="9525" cap="flat" cmpd="sng">
+                      <a:solidFill>
+                        <a:schemeClr val="dk1"/>
+                      </a:solidFill>
+                      <a:prstDash val="solid"/>
+                      <a:round/>
+                      <a:headEnd type="none" w="sm" len="sm"/>
+                      <a:tailEnd type="none" w="sm" len="sm"/>
+                    </a:lnB>
+                  </a:tcPr>
+                </a:tc>
+                <a:tc>
+                  <a:txBody>
+                    <a:bodyPr/>
+                    <a:lstStyle/>
+                    <a:p>
+                      <a:pPr>
+                        <a:defRPr sz="900">
+                          <a:latin typeface="Arial"/>
+                        </a:defRPr>
+                      </a:pPr>
+                      <a:r>
+                        <a:t>-</a:t>
+                      </a:r>
+                    </a:p>
+                  </a:txBody>
+                  <a:tcPr marL="83125" marR="83125" marT="45725" marB="45725" anchor="ctr">
+                    <a:lnL w="9525" cap="flat" cmpd="sng">
+                      <a:solidFill>
+                        <a:schemeClr val="dk1"/>
+                      </a:solidFill>
+                      <a:prstDash val="solid"/>
+                      <a:round/>
+                      <a:headEnd type="none" w="sm" len="sm"/>
+                      <a:tailEnd type="none" w="sm" len="sm"/>
+                    </a:lnL>
+                    <a:lnR w="9525" cap="flat" cmpd="sng">
+                      <a:solidFill>
+                        <a:schemeClr val="dk1"/>
+                      </a:solidFill>
+                      <a:prstDash val="solid"/>
+                      <a:round/>
+                      <a:headEnd type="none" w="sm" len="sm"/>
+                      <a:tailEnd type="none" w="sm" len="sm"/>
+                    </a:lnR>
+                    <a:lnT w="9525" cap="flat" cmpd="sng">
+                      <a:solidFill>
+                        <a:schemeClr val="dk1"/>
+                      </a:solidFill>
+                      <a:prstDash val="solid"/>
+                      <a:round/>
+                      <a:headEnd type="none" w="sm" len="sm"/>
+                      <a:tailEnd type="none" w="sm" len="sm"/>
+                    </a:lnT>
+                    <a:lnB w="9525" cap="flat" cmpd="sng">
+                      <a:solidFill>
+                        <a:schemeClr val="dk1"/>
+                      </a:solidFill>
+                      <a:prstDash val="solid"/>
+                      <a:round/>
+                      <a:headEnd type="none" w="sm" len="sm"/>
+                      <a:tailEnd type="none" w="sm" len="sm"/>
+                    </a:lnB>
+                  </a:tcPr>
+                </a:tc>
+                <a:tc>
+                  <a:txBody>
+                    <a:bodyPr/>
+                    <a:lstStyle/>
+                    <a:p>
+                      <a:pPr>
+                        <a:defRPr sz="900">
+                          <a:latin typeface="Arial"/>
+                        </a:defRPr>
+                      </a:pPr>
+                      <a:r>
+                        <a:t>-</a:t>
+                      </a:r>
+                    </a:p>
+                  </a:txBody>
+                  <a:tcPr marL="83125" marR="83125" marT="45725" marB="45725" anchor="ctr">
+                    <a:lnL w="9525" cap="flat" cmpd="sng">
+                      <a:solidFill>
+                        <a:schemeClr val="dk1"/>
+                      </a:solidFill>
+                      <a:prstDash val="solid"/>
+                      <a:round/>
+                      <a:headEnd type="none" w="sm" len="sm"/>
+                      <a:tailEnd type="none" w="sm" len="sm"/>
+                    </a:lnL>
+                    <a:lnR w="9525" cap="flat" cmpd="sng">
+                      <a:solidFill>
+                        <a:schemeClr val="dk1"/>
+                      </a:solidFill>
+                      <a:prstDash val="solid"/>
+                      <a:round/>
+                      <a:headEnd type="none" w="sm" len="sm"/>
+                      <a:tailEnd type="none" w="sm" len="sm"/>
+                    </a:lnR>
+                    <a:lnT w="9525" cap="flat" cmpd="sng">
+                      <a:solidFill>
+                        <a:schemeClr val="dk1"/>
+                      </a:solidFill>
+                      <a:prstDash val="solid"/>
+                      <a:round/>
+                      <a:headEnd type="none" w="sm" len="sm"/>
+                      <a:tailEnd type="none" w="sm" len="sm"/>
+                    </a:lnT>
+                    <a:lnB w="9525" cap="flat" cmpd="sng">
+                      <a:solidFill>
+                        <a:schemeClr val="dk1"/>
+                      </a:solidFill>
+                      <a:prstDash val="solid"/>
+                      <a:round/>
+                      <a:headEnd type="none" w="sm" len="sm"/>
+                      <a:tailEnd type="none" w="sm" len="sm"/>
+                    </a:lnB>
+                  </a:tcPr>
+                </a:tc>
+                <a:tc>
+                  <a:txBody>
+                    <a:bodyPr/>
+                    <a:lstStyle/>
+                    <a:p>
+                      <a:pPr>
+                        <a:defRPr sz="900">
+                          <a:latin typeface="Arial"/>
+                        </a:defRPr>
+                      </a:pPr>
+                      <a:r>
+                        <a:t>-</a:t>
+                      </a:r>
+                    </a:p>
+                  </a:txBody>
+                  <a:tcPr marL="83125" marR="83125" marT="45725" marB="45725" anchor="ctr">
+                    <a:lnL w="9525" cap="flat" cmpd="sng">
+                      <a:solidFill>
+                        <a:schemeClr val="dk1"/>
+                      </a:solidFill>
+                      <a:prstDash val="solid"/>
+                      <a:round/>
+                      <a:headEnd type="none" w="sm" len="sm"/>
+                      <a:tailEnd type="none" w="sm" len="sm"/>
+                    </a:lnL>
+                    <a:lnR w="9525" cap="flat" cmpd="sng">
+                      <a:solidFill>
+                        <a:schemeClr val="dk1"/>
+                      </a:solidFill>
+                      <a:prstDash val="solid"/>
+                      <a:round/>
+                      <a:headEnd type="none" w="sm" len="sm"/>
+                      <a:tailEnd type="none" w="sm" len="sm"/>
+                    </a:lnR>
+                    <a:lnT w="9525" cap="flat" cmpd="sng">
+                      <a:solidFill>
+                        <a:schemeClr val="dk1"/>
+                      </a:solidFill>
+                      <a:prstDash val="solid"/>
+                      <a:round/>
+                      <a:headEnd type="none" w="sm" len="sm"/>
+                      <a:tailEnd type="none" w="sm" len="sm"/>
+                    </a:lnT>
+                    <a:lnB w="9525" cap="flat" cmpd="sng">
+                      <a:solidFill>
+                        <a:schemeClr val="dk1"/>
+                      </a:solidFill>
+                      <a:prstDash val="solid"/>
+                      <a:round/>
+                      <a:headEnd type="none" w="sm" len="sm"/>
+                      <a:tailEnd type="none" w="sm" len="sm"/>
+                    </a:lnB>
+                  </a:tcPr>
+                </a:tc>
+                <a:tc>
+                  <a:txBody>
+                    <a:bodyPr/>
+                    <a:lstStyle/>
+                    <a:p>
+                      <a:pPr>
+                        <a:defRPr sz="900">
+                          <a:latin typeface="Arial"/>
+                        </a:defRPr>
+                      </a:pPr>
+                      <a:r>
+                        <a:t>-</a:t>
+                      </a:r>
+                    </a:p>
+                  </a:txBody>
+                  <a:tcPr marL="83125" marR="83125" marT="45725" marB="45725" anchor="ctr">
+                    <a:lnL w="9525" cap="flat" cmpd="sng">
+                      <a:solidFill>
+                        <a:schemeClr val="dk1"/>
+                      </a:solidFill>
+                      <a:prstDash val="solid"/>
+                      <a:round/>
+                      <a:headEnd type="none" w="sm" len="sm"/>
+                      <a:tailEnd type="none" w="sm" len="sm"/>
+                    </a:lnL>
+                    <a:lnR w="9525" cap="flat" cmpd="sng">
+                      <a:solidFill>
+                        <a:schemeClr val="dk1"/>
+                      </a:solidFill>
+                      <a:prstDash val="solid"/>
+                      <a:round/>
+                      <a:headEnd type="none" w="sm" len="sm"/>
+                      <a:tailEnd type="none" w="sm" len="sm"/>
+                    </a:lnR>
+                    <a:lnT w="9525" cap="flat" cmpd="sng">
+                      <a:solidFill>
+                        <a:schemeClr val="dk1"/>
+                      </a:solidFill>
+                      <a:prstDash val="solid"/>
+                      <a:round/>
+                      <a:headEnd type="none" w="sm" len="sm"/>
+                      <a:tailEnd type="none" w="sm" len="sm"/>
+                    </a:lnT>
+                    <a:lnB w="9525" cap="flat" cmpd="sng">
+                      <a:solidFill>
+                        <a:schemeClr val="dk1"/>
+                      </a:solidFill>
+                      <a:prstDash val="solid"/>
+                      <a:round/>
+                      <a:headEnd type="none" w="sm" len="sm"/>
+                      <a:tailEnd type="none" w="sm" len="sm"/>
+                    </a:lnB>
+                  </a:tcPr>
+                </a:tc>
+                <a:tc>
+                  <a:txBody>
+                    <a:bodyPr/>
+                    <a:lstStyle/>
+                    <a:p>
+                      <a:pPr>
+                        <a:defRPr sz="900">
+                          <a:latin typeface="Arial"/>
+                        </a:defRPr>
+                      </a:pPr>
+                      <a:r>
+                        <a:t>-</a:t>
+                      </a:r>
+                    </a:p>
+                  </a:txBody>
+                  <a:tcPr marL="83125" marR="83125" marT="45725" marB="45725" anchor="ctr">
+                    <a:lnL w="9525" cap="flat" cmpd="sng">
+                      <a:solidFill>
+                        <a:schemeClr val="dk1"/>
+                      </a:solidFill>
+                      <a:prstDash val="solid"/>
+                      <a:round/>
+                      <a:headEnd type="none" w="sm" len="sm"/>
+                      <a:tailEnd type="none" w="sm" len="sm"/>
+                    </a:lnL>
+                    <a:lnR w="9525" cap="flat" cmpd="sng">
+                      <a:solidFill>
+                        <a:schemeClr val="dk1"/>
+                      </a:solidFill>
+                      <a:prstDash val="solid"/>
+                      <a:round/>
+                      <a:headEnd type="none" w="sm" len="sm"/>
+                      <a:tailEnd type="none" w="sm" len="sm"/>
+                    </a:lnR>
+                    <a:lnT w="9525" cap="flat" cmpd="sng">
+                      <a:solidFill>
+                        <a:schemeClr val="dk1"/>
+                      </a:solidFill>
+                      <a:prstDash val="solid"/>
+                      <a:round/>
+                      <a:headEnd type="none" w="sm" len="sm"/>
+                      <a:tailEnd type="none" w="sm" len="sm"/>
+                    </a:lnT>
+                    <a:lnB w="9525" cap="flat" cmpd="sng">
+                      <a:solidFill>
+                        <a:schemeClr val="dk1"/>
+                      </a:solidFill>
+                      <a:prstDash val="solid"/>
+                      <a:round/>
+                      <a:headEnd type="none" w="sm" len="sm"/>
+                      <a:tailEnd type="none" w="sm" len="sm"/>
+                    </a:lnB>
+                  </a:tcPr>
+                </a:tc>
+                <a:tc>
+                  <a:txBody>
+                    <a:bodyPr/>
+                    <a:lstStyle/>
+                    <a:p>
+                      <a:pPr>
+                        <a:defRPr sz="900">
+                          <a:latin typeface="Arial"/>
+                        </a:defRPr>
+                      </a:pPr>
+                      <a:r>
+                        <a:t>-</a:t>
+                      </a:r>
+                    </a:p>
+                  </a:txBody>
+                  <a:tcPr marL="0" marR="0" marT="0" marB="0" anchor="ctr">
+                    <a:lnL w="9525" cap="flat" cmpd="sng">
+                      <a:solidFill>
+                        <a:schemeClr val="dk1"/>
+                      </a:solidFill>
+                      <a:prstDash val="solid"/>
+                      <a:round/>
+                      <a:headEnd type="none" w="sm" len="sm"/>
+                      <a:tailEnd type="none" w="sm" len="sm"/>
+                    </a:lnL>
+                    <a:lnR w="9525" cap="flat" cmpd="sng">
+                      <a:solidFill>
+                        <a:schemeClr val="dk1"/>
+                      </a:solidFill>
+                      <a:prstDash val="solid"/>
+                      <a:round/>
+                      <a:headEnd type="none" w="sm" len="sm"/>
+                      <a:tailEnd type="none" w="sm" len="sm"/>
+                    </a:lnR>
+                    <a:lnT w="9525" cap="flat" cmpd="sng">
+                      <a:solidFill>
+                        <a:schemeClr val="dk1"/>
+                      </a:solidFill>
+                      <a:prstDash val="solid"/>
+                      <a:round/>
+                      <a:headEnd type="none" w="sm" len="sm"/>
+                      <a:tailEnd type="none" w="sm" len="sm"/>
+                    </a:lnT>
+                    <a:lnB w="9525" cap="flat" cmpd="sng">
+                      <a:solidFill>
+                        <a:schemeClr val="dk1"/>
+                      </a:solidFill>
+                      <a:prstDash val="solid"/>
+                      <a:round/>
+                      <a:headEnd type="none" w="sm" len="sm"/>
+                      <a:tailEnd type="none" w="sm" len="sm"/>
+                    </a:lnB>
+                  </a:tcPr>
+                </a:tc>
+                <a:tc>
+                  <a:txBody>
+                    <a:bodyPr/>
+                    <a:lstStyle/>
+                    <a:p>
+                      <a:pPr>
+                        <a:defRPr sz="900">
+                          <a:latin typeface="Arial"/>
+                        </a:defRPr>
+                      </a:pPr>
+                      <a:r>
+                        <a:t>-</a:t>
+                      </a:r>
+                    </a:p>
+                  </a:txBody>
+                  <a:tcPr marL="0" marR="0" marT="0" marB="0" anchor="ctr">
+                    <a:lnL w="9525" cap="flat" cmpd="sng">
+                      <a:solidFill>
+                        <a:schemeClr val="dk1"/>
+                      </a:solidFill>
+                      <a:prstDash val="solid"/>
+                      <a:round/>
+                      <a:headEnd type="none" w="sm" len="sm"/>
+                      <a:tailEnd type="none" w="sm" len="sm"/>
+                    </a:lnL>
+                    <a:lnR w="9525" cap="flat" cmpd="sng">
+                      <a:solidFill>
+                        <a:schemeClr val="dk1"/>
+                      </a:solidFill>
+                      <a:prstDash val="solid"/>
+                      <a:round/>
+                      <a:headEnd type="none" w="sm" len="sm"/>
+                      <a:tailEnd type="none" w="sm" len="sm"/>
+                    </a:lnR>
+                    <a:lnT w="9525" cap="flat" cmpd="sng">
+                      <a:solidFill>
+                        <a:schemeClr val="dk1"/>
+                      </a:solidFill>
+                      <a:prstDash val="solid"/>
+                      <a:round/>
+                      <a:headEnd type="none" w="sm" len="sm"/>
+                      <a:tailEnd type="none" w="sm" len="sm"/>
+                    </a:lnT>
+                    <a:lnB w="9525" cap="flat" cmpd="sng">
+                      <a:solidFill>
+                        <a:schemeClr val="dk1"/>
+                      </a:solidFill>
+                      <a:prstDash val="solid"/>
+                      <a:round/>
+                      <a:headEnd type="none" w="sm" len="sm"/>
+                      <a:tailEnd type="none" w="sm" len="sm"/>
+                    </a:lnB>
+                  </a:tcPr>
+                </a:tc>
+                <a:tc vMerge="1">
+                  <a:txBody>
+                    <a:bodyPr/>
+                    <a:lstStyle/>
+                    <a:p>
+                      <a:pPr>
+                        <a:defRPr sz="900">
+                          <a:latin typeface="Arial"/>
+                        </a:defRPr>
+                      </a:pPr>
+                      <a:r>
+                        <a:t>-</a:t>
+                      </a:r>
+                    </a:p>
+                  </a:txBody>
+                  <a:tcPr anchor="ctr"/>
+                </a:tc>
+                <a:tc vMerge="1">
+                  <a:txBody>
+                    <a:bodyPr/>
+                    <a:lstStyle/>
+                    <a:p>
+                      <a:pPr>
+                        <a:defRPr sz="900">
+                          <a:latin typeface="Arial"/>
+                        </a:defRPr>
+                      </a:pPr>
+                      <a:r>
+                        <a:t>-</a:t>
+                      </a:r>
+                    </a:p>
+                  </a:txBody>
+                  <a:tcPr anchor="ctr"/>
+                </a:tc>
+                <a:extLst>
+                  <a:ext uri="{0D108BD9-81ED-4DB2-BD59-A6C34878D82A}">
+                    <a16:rowId xmlns:a16="http://schemas.microsoft.com/office/drawing/2014/main" val="10004"/>
+                  </a:ext>
+                </a:extLst>
+              </a:tr>
+            </a:tbl>
+          </a:graphicData>
+        </a:graphic>
+      </p:graphicFrame>
+      <p:pic>
+        <p:nvPicPr>
+          <p:cNvPr id="50" name="Picture 49" descr="image.png"/>
+          <p:cNvPicPr>
+            <a:picLocks noChangeAspect="1"/>
+          </p:cNvPicPr>
+          <p:nvPr/>
+        </p:nvPicPr>
+        <p:blipFill>
+          <a:blip r:embed="rId2"/>
+          <a:stretch>
+            <a:fillRect/>
+          </a:stretch>
+        </p:blipFill>
+        <p:spPr>
+          <a:xfrm>
+            <a:off x="5337629" y="3010527"/>
+            <a:ext cx="3800793" cy="2863043"/>
+          </a:xfrm>
+          <a:prstGeom prst="rect">
+            <a:avLst/>
+          </a:prstGeom>
         </p:spPr>
       </p:pic>
       <p:graphicFrame>
